--- a/assets/Qualities_Slide11.pptx
+++ b/assets/Qualities_Slide11.pptx
@@ -2,18 +2,18 @@
 <file path=ppt/presentation.xml><?xml version="1.0" encoding="utf-8"?>
 <p:presentation xmlns:a="http://schemas.openxmlformats.org/drawingml/2006/main" xmlns:r="http://schemas.openxmlformats.org/officeDocument/2006/relationships" xmlns:p="http://schemas.openxmlformats.org/presentationml/2006/main" saveSubsetFonts="1">
   <p:sldMasterIdLst>
-    <p:sldMasterId id="2147483648" r:id="rId1"/>
+    <p:sldMasterId id="2147483672" r:id="rId1"/>
   </p:sldMasterIdLst>
   <p:sldIdLst>
     <p:sldId id="256" r:id="rId2"/>
   </p:sldIdLst>
-  <p:sldSz cx="12192000" cy="6858000"/>
+  <p:sldSz cx="10799763" cy="7920038"/>
   <p:notesSz cx="6858000" cy="9144000"/>
   <p:defaultTextStyle>
     <a:defPPr>
-      <a:defRPr lang="de-DE"/>
+      <a:defRPr lang="en-US"/>
     </a:defPPr>
-    <a:lvl1pPr marL="0" algn="l" defTabSz="914400" rtl="0" eaLnBrk="1" latinLnBrk="0" hangingPunct="1">
+    <a:lvl1pPr marL="0" algn="l" defTabSz="457200" rtl="0" eaLnBrk="1" latinLnBrk="0" hangingPunct="1">
       <a:defRPr sz="1800" kern="1200">
         <a:solidFill>
           <a:schemeClr val="tx1"/>
@@ -23,7 +23,7 @@
         <a:cs typeface="+mn-cs"/>
       </a:defRPr>
     </a:lvl1pPr>
-    <a:lvl2pPr marL="457200" algn="l" defTabSz="914400" rtl="0" eaLnBrk="1" latinLnBrk="0" hangingPunct="1">
+    <a:lvl2pPr marL="457200" algn="l" defTabSz="457200" rtl="0" eaLnBrk="1" latinLnBrk="0" hangingPunct="1">
       <a:defRPr sz="1800" kern="1200">
         <a:solidFill>
           <a:schemeClr val="tx1"/>
@@ -33,7 +33,7 @@
         <a:cs typeface="+mn-cs"/>
       </a:defRPr>
     </a:lvl2pPr>
-    <a:lvl3pPr marL="914400" algn="l" defTabSz="914400" rtl="0" eaLnBrk="1" latinLnBrk="0" hangingPunct="1">
+    <a:lvl3pPr marL="914400" algn="l" defTabSz="457200" rtl="0" eaLnBrk="1" latinLnBrk="0" hangingPunct="1">
       <a:defRPr sz="1800" kern="1200">
         <a:solidFill>
           <a:schemeClr val="tx1"/>
@@ -43,7 +43,7 @@
         <a:cs typeface="+mn-cs"/>
       </a:defRPr>
     </a:lvl3pPr>
-    <a:lvl4pPr marL="1371600" algn="l" defTabSz="914400" rtl="0" eaLnBrk="1" latinLnBrk="0" hangingPunct="1">
+    <a:lvl4pPr marL="1371600" algn="l" defTabSz="457200" rtl="0" eaLnBrk="1" latinLnBrk="0" hangingPunct="1">
       <a:defRPr sz="1800" kern="1200">
         <a:solidFill>
           <a:schemeClr val="tx1"/>
@@ -53,7 +53,7 @@
         <a:cs typeface="+mn-cs"/>
       </a:defRPr>
     </a:lvl4pPr>
-    <a:lvl5pPr marL="1828800" algn="l" defTabSz="914400" rtl="0" eaLnBrk="1" latinLnBrk="0" hangingPunct="1">
+    <a:lvl5pPr marL="1828800" algn="l" defTabSz="457200" rtl="0" eaLnBrk="1" latinLnBrk="0" hangingPunct="1">
       <a:defRPr sz="1800" kern="1200">
         <a:solidFill>
           <a:schemeClr val="tx1"/>
@@ -63,7 +63,7 @@
         <a:cs typeface="+mn-cs"/>
       </a:defRPr>
     </a:lvl5pPr>
-    <a:lvl6pPr marL="2286000" algn="l" defTabSz="914400" rtl="0" eaLnBrk="1" latinLnBrk="0" hangingPunct="1">
+    <a:lvl6pPr marL="2286000" algn="l" defTabSz="457200" rtl="0" eaLnBrk="1" latinLnBrk="0" hangingPunct="1">
       <a:defRPr sz="1800" kern="1200">
         <a:solidFill>
           <a:schemeClr val="tx1"/>
@@ -73,7 +73,7 @@
         <a:cs typeface="+mn-cs"/>
       </a:defRPr>
     </a:lvl6pPr>
-    <a:lvl7pPr marL="2743200" algn="l" defTabSz="914400" rtl="0" eaLnBrk="1" latinLnBrk="0" hangingPunct="1">
+    <a:lvl7pPr marL="2743200" algn="l" defTabSz="457200" rtl="0" eaLnBrk="1" latinLnBrk="0" hangingPunct="1">
       <a:defRPr sz="1800" kern="1200">
         <a:solidFill>
           <a:schemeClr val="tx1"/>
@@ -83,7 +83,7 @@
         <a:cs typeface="+mn-cs"/>
       </a:defRPr>
     </a:lvl7pPr>
-    <a:lvl8pPr marL="3200400" algn="l" defTabSz="914400" rtl="0" eaLnBrk="1" latinLnBrk="0" hangingPunct="1">
+    <a:lvl8pPr marL="3200400" algn="l" defTabSz="457200" rtl="0" eaLnBrk="1" latinLnBrk="0" hangingPunct="1">
       <a:defRPr sz="1800" kern="1200">
         <a:solidFill>
           <a:schemeClr val="tx1"/>
@@ -93,7 +93,7 @@
         <a:cs typeface="+mn-cs"/>
       </a:defRPr>
     </a:lvl8pPr>
-    <a:lvl9pPr marL="3657600" algn="l" defTabSz="914400" rtl="0" eaLnBrk="1" latinLnBrk="0" hangingPunct="1">
+    <a:lvl9pPr marL="3657600" algn="l" defTabSz="457200" rtl="0" eaLnBrk="1" latinLnBrk="0" hangingPunct="1">
       <a:defRPr sz="1800" kern="1200">
         <a:solidFill>
           <a:schemeClr val="tx1"/>
@@ -107,12 +107,12 @@
   <p:extLst>
     <p:ext uri="{EFAFB233-063F-42B5-8137-9DF3F51BA10A}">
       <p15:sldGuideLst xmlns:p15="http://schemas.microsoft.com/office/powerpoint/2012/main">
-        <p15:guide id="1" orient="horz" pos="2160" userDrawn="1">
+        <p15:guide id="1" orient="horz" pos="2495" userDrawn="1">
           <p15:clr>
             <a:srgbClr val="A4A3A4"/>
           </p15:clr>
         </p15:guide>
-        <p15:guide id="2" pos="3840" userDrawn="1">
+        <p15:guide id="2" pos="3402" userDrawn="1">
           <p15:clr>
             <a:srgbClr val="A4A3A4"/>
           </p15:clr>
@@ -142,13 +142,7 @@
       </p:grpSpPr>
       <p:sp>
         <p:nvSpPr>
-          <p:cNvPr id="2" name="Titel 1">
-            <a:extLst>
-              <a:ext uri="{FF2B5EF4-FFF2-40B4-BE49-F238E27FC236}">
-                <a16:creationId xmlns:a16="http://schemas.microsoft.com/office/drawing/2014/main" id="{4B294E25-F417-9203-5E37-3BB5AF28DD7D}"/>
-              </a:ext>
-            </a:extLst>
-          </p:cNvPr>
+          <p:cNvPr id="2" name="Title 1"/>
           <p:cNvSpPr>
             <a:spLocks noGrp="1"/>
           </p:cNvSpPr>
@@ -158,15 +152,15 @@
         </p:nvSpPr>
         <p:spPr>
           <a:xfrm>
-            <a:off x="1524000" y="1122363"/>
-            <a:ext cx="9144000" cy="2387600"/>
+            <a:off x="809982" y="1296173"/>
+            <a:ext cx="9179799" cy="2757347"/>
           </a:xfrm>
         </p:spPr>
         <p:txBody>
           <a:bodyPr anchor="b"/>
           <a:lstStyle>
             <a:lvl1pPr algn="ctr">
-              <a:defRPr sz="6000"/>
+              <a:defRPr sz="6929"/>
             </a:lvl1pPr>
           </a:lstStyle>
           <a:p>
@@ -174,18 +168,13 @@
               <a:rPr lang="de-DE"/>
               <a:t>Mastertitelformat bearbeiten</a:t>
             </a:r>
-          </a:p>
-        </p:txBody>
-      </p:sp>
-      <p:sp>
-        <p:nvSpPr>
-          <p:cNvPr id="3" name="Untertitel 2">
-            <a:extLst>
-              <a:ext uri="{FF2B5EF4-FFF2-40B4-BE49-F238E27FC236}">
-                <a16:creationId xmlns:a16="http://schemas.microsoft.com/office/drawing/2014/main" id="{A0EA8A8D-618B-4802-B4E8-D15E2A5A938B}"/>
-              </a:ext>
-            </a:extLst>
-          </p:cNvPr>
+            <a:endParaRPr lang="en-US" dirty="0"/>
+          </a:p>
+        </p:txBody>
+      </p:sp>
+      <p:sp>
+        <p:nvSpPr>
+          <p:cNvPr id="3" name="Subtitle 2"/>
           <p:cNvSpPr>
             <a:spLocks noGrp="1"/>
           </p:cNvSpPr>
@@ -195,8 +184,8 @@
         </p:nvSpPr>
         <p:spPr>
           <a:xfrm>
-            <a:off x="1524000" y="3602038"/>
-            <a:ext cx="9144000" cy="1655762"/>
+            <a:off x="1349971" y="4159854"/>
+            <a:ext cx="8099822" cy="1912175"/>
           </a:xfrm>
         </p:spPr>
         <p:txBody>
@@ -204,39 +193,39 @@
           <a:lstStyle>
             <a:lvl1pPr marL="0" indent="0" algn="ctr">
               <a:buNone/>
-              <a:defRPr sz="2400"/>
+              <a:defRPr sz="2772"/>
             </a:lvl1pPr>
-            <a:lvl2pPr marL="457200" indent="0" algn="ctr">
-              <a:buNone/>
-              <a:defRPr sz="2000"/>
+            <a:lvl2pPr marL="528020" indent="0" algn="ctr">
+              <a:buNone/>
+              <a:defRPr sz="2310"/>
             </a:lvl2pPr>
-            <a:lvl3pPr marL="914400" indent="0" algn="ctr">
-              <a:buNone/>
-              <a:defRPr sz="1800"/>
+            <a:lvl3pPr marL="1056041" indent="0" algn="ctr">
+              <a:buNone/>
+              <a:defRPr sz="2079"/>
             </a:lvl3pPr>
-            <a:lvl4pPr marL="1371600" indent="0" algn="ctr">
-              <a:buNone/>
-              <a:defRPr sz="1600"/>
+            <a:lvl4pPr marL="1584061" indent="0" algn="ctr">
+              <a:buNone/>
+              <a:defRPr sz="1848"/>
             </a:lvl4pPr>
-            <a:lvl5pPr marL="1828800" indent="0" algn="ctr">
-              <a:buNone/>
-              <a:defRPr sz="1600"/>
+            <a:lvl5pPr marL="2112081" indent="0" algn="ctr">
+              <a:buNone/>
+              <a:defRPr sz="1848"/>
             </a:lvl5pPr>
-            <a:lvl6pPr marL="2286000" indent="0" algn="ctr">
-              <a:buNone/>
-              <a:defRPr sz="1600"/>
+            <a:lvl6pPr marL="2640101" indent="0" algn="ctr">
+              <a:buNone/>
+              <a:defRPr sz="1848"/>
             </a:lvl6pPr>
-            <a:lvl7pPr marL="2743200" indent="0" algn="ctr">
-              <a:buNone/>
-              <a:defRPr sz="1600"/>
+            <a:lvl7pPr marL="3168122" indent="0" algn="ctr">
+              <a:buNone/>
+              <a:defRPr sz="1848"/>
             </a:lvl7pPr>
-            <a:lvl8pPr marL="3200400" indent="0" algn="ctr">
-              <a:buNone/>
-              <a:defRPr sz="1600"/>
+            <a:lvl8pPr marL="3696142" indent="0" algn="ctr">
+              <a:buNone/>
+              <a:defRPr sz="1848"/>
             </a:lvl8pPr>
-            <a:lvl9pPr marL="3657600" indent="0" algn="ctr">
-              <a:buNone/>
-              <a:defRPr sz="1600"/>
+            <a:lvl9pPr marL="4224162" indent="0" algn="ctr">
+              <a:buNone/>
+              <a:defRPr sz="1848"/>
             </a:lvl9pPr>
           </a:lstStyle>
           <a:p>
@@ -244,18 +233,13 @@
               <a:rPr lang="de-DE"/>
               <a:t>Master-Untertitelformat bearbeiten</a:t>
             </a:r>
-          </a:p>
-        </p:txBody>
-      </p:sp>
-      <p:sp>
-        <p:nvSpPr>
-          <p:cNvPr id="4" name="Datumsplatzhalter 3">
-            <a:extLst>
-              <a:ext uri="{FF2B5EF4-FFF2-40B4-BE49-F238E27FC236}">
-                <a16:creationId xmlns:a16="http://schemas.microsoft.com/office/drawing/2014/main" id="{ED798EAF-41FA-FE85-73DF-A293867019EB}"/>
-              </a:ext>
-            </a:extLst>
-          </p:cNvPr>
+            <a:endParaRPr lang="en-US" dirty="0"/>
+          </a:p>
+        </p:txBody>
+      </p:sp>
+      <p:sp>
+        <p:nvSpPr>
+          <p:cNvPr id="4" name="Date Placeholder 3"/>
           <p:cNvSpPr>
             <a:spLocks noGrp="1"/>
           </p:cNvSpPr>
@@ -270,7 +254,7 @@
           <a:p>
             <a:fld id="{747FE99C-B6B2-4F84-BF3A-0009E28C1CAC}" type="datetimeFigureOut">
               <a:rPr lang="de-DE" smtClean="0"/>
-              <a:t>24.01.2025</a:t>
+              <a:t>27.01.2025</a:t>
             </a:fld>
             <a:endParaRPr lang="de-DE"/>
           </a:p>
@@ -278,13 +262,7 @@
       </p:sp>
       <p:sp>
         <p:nvSpPr>
-          <p:cNvPr id="5" name="Fußzeilenplatzhalter 4">
-            <a:extLst>
-              <a:ext uri="{FF2B5EF4-FFF2-40B4-BE49-F238E27FC236}">
-                <a16:creationId xmlns:a16="http://schemas.microsoft.com/office/drawing/2014/main" id="{D66D21EF-9475-4174-2EB8-963208D86F9F}"/>
-              </a:ext>
-            </a:extLst>
-          </p:cNvPr>
+          <p:cNvPr id="5" name="Footer Placeholder 4"/>
           <p:cNvSpPr>
             <a:spLocks noGrp="1"/>
           </p:cNvSpPr>
@@ -303,13 +281,7 @@
       </p:sp>
       <p:sp>
         <p:nvSpPr>
-          <p:cNvPr id="6" name="Foliennummernplatzhalter 5">
-            <a:extLst>
-              <a:ext uri="{FF2B5EF4-FFF2-40B4-BE49-F238E27FC236}">
-                <a16:creationId xmlns:a16="http://schemas.microsoft.com/office/drawing/2014/main" id="{3194E41B-3F2D-C992-CEEB-2B6B2A4C746D}"/>
-              </a:ext>
-            </a:extLst>
-          </p:cNvPr>
+          <p:cNvPr id="6" name="Slide Number Placeholder 5"/>
           <p:cNvSpPr>
             <a:spLocks noGrp="1"/>
           </p:cNvSpPr>
@@ -333,7 +305,7 @@
     </p:spTree>
     <p:extLst>
       <p:ext uri="{BB962C8B-B14F-4D97-AF65-F5344CB8AC3E}">
-        <p14:creationId xmlns:p14="http://schemas.microsoft.com/office/powerpoint/2010/main" val="2181021549"/>
+        <p14:creationId xmlns:p14="http://schemas.microsoft.com/office/powerpoint/2010/main" val="3213084811"/>
       </p:ext>
     </p:extLst>
   </p:cSld>
@@ -362,13 +334,7 @@
       </p:grpSpPr>
       <p:sp>
         <p:nvSpPr>
-          <p:cNvPr id="2" name="Titel 1">
-            <a:extLst>
-              <a:ext uri="{FF2B5EF4-FFF2-40B4-BE49-F238E27FC236}">
-                <a16:creationId xmlns:a16="http://schemas.microsoft.com/office/drawing/2014/main" id="{A0EC0484-1E03-F31E-B68A-71C44D029FCF}"/>
-              </a:ext>
-            </a:extLst>
-          </p:cNvPr>
+          <p:cNvPr id="2" name="Title 1"/>
           <p:cNvSpPr>
             <a:spLocks noGrp="1"/>
           </p:cNvSpPr>
@@ -385,18 +351,13 @@
               <a:rPr lang="de-DE"/>
               <a:t>Mastertitelformat bearbeiten</a:t>
             </a:r>
-          </a:p>
-        </p:txBody>
-      </p:sp>
-      <p:sp>
-        <p:nvSpPr>
-          <p:cNvPr id="3" name="Vertikaler Textplatzhalter 2">
-            <a:extLst>
-              <a:ext uri="{FF2B5EF4-FFF2-40B4-BE49-F238E27FC236}">
-                <a16:creationId xmlns:a16="http://schemas.microsoft.com/office/drawing/2014/main" id="{50B167E2-FCD3-7886-A6F0-D46F5E3403F0}"/>
-              </a:ext>
-            </a:extLst>
-          </p:cNvPr>
+            <a:endParaRPr lang="en-US" dirty="0"/>
+          </a:p>
+        </p:txBody>
+      </p:sp>
+      <p:sp>
+        <p:nvSpPr>
+          <p:cNvPr id="3" name="Vertical Text Placeholder 2"/>
           <p:cNvSpPr>
             <a:spLocks noGrp="1"/>
           </p:cNvSpPr>
@@ -442,18 +403,13 @@
               <a:rPr lang="de-DE"/>
               <a:t>Fünfte Ebene</a:t>
             </a:r>
-          </a:p>
-        </p:txBody>
-      </p:sp>
-      <p:sp>
-        <p:nvSpPr>
-          <p:cNvPr id="4" name="Datumsplatzhalter 3">
-            <a:extLst>
-              <a:ext uri="{FF2B5EF4-FFF2-40B4-BE49-F238E27FC236}">
-                <a16:creationId xmlns:a16="http://schemas.microsoft.com/office/drawing/2014/main" id="{A2F8F63E-886C-0B3E-C2DE-EB4EA3A5F81B}"/>
-              </a:ext>
-            </a:extLst>
-          </p:cNvPr>
+            <a:endParaRPr lang="en-US" dirty="0"/>
+          </a:p>
+        </p:txBody>
+      </p:sp>
+      <p:sp>
+        <p:nvSpPr>
+          <p:cNvPr id="4" name="Date Placeholder 3"/>
           <p:cNvSpPr>
             <a:spLocks noGrp="1"/>
           </p:cNvSpPr>
@@ -468,7 +424,7 @@
           <a:p>
             <a:fld id="{747FE99C-B6B2-4F84-BF3A-0009E28C1CAC}" type="datetimeFigureOut">
               <a:rPr lang="de-DE" smtClean="0"/>
-              <a:t>24.01.2025</a:t>
+              <a:t>27.01.2025</a:t>
             </a:fld>
             <a:endParaRPr lang="de-DE"/>
           </a:p>
@@ -476,13 +432,7 @@
       </p:sp>
       <p:sp>
         <p:nvSpPr>
-          <p:cNvPr id="5" name="Fußzeilenplatzhalter 4">
-            <a:extLst>
-              <a:ext uri="{FF2B5EF4-FFF2-40B4-BE49-F238E27FC236}">
-                <a16:creationId xmlns:a16="http://schemas.microsoft.com/office/drawing/2014/main" id="{D543D10E-43D5-57B7-21AB-128B93812398}"/>
-              </a:ext>
-            </a:extLst>
-          </p:cNvPr>
+          <p:cNvPr id="5" name="Footer Placeholder 4"/>
           <p:cNvSpPr>
             <a:spLocks noGrp="1"/>
           </p:cNvSpPr>
@@ -501,13 +451,7 @@
       </p:sp>
       <p:sp>
         <p:nvSpPr>
-          <p:cNvPr id="6" name="Foliennummernplatzhalter 5">
-            <a:extLst>
-              <a:ext uri="{FF2B5EF4-FFF2-40B4-BE49-F238E27FC236}">
-                <a16:creationId xmlns:a16="http://schemas.microsoft.com/office/drawing/2014/main" id="{68B36032-AB69-CA51-2CF5-C80F612B2952}"/>
-              </a:ext>
-            </a:extLst>
-          </p:cNvPr>
+          <p:cNvPr id="6" name="Slide Number Placeholder 5"/>
           <p:cNvSpPr>
             <a:spLocks noGrp="1"/>
           </p:cNvSpPr>
@@ -531,7 +475,7 @@
     </p:spTree>
     <p:extLst>
       <p:ext uri="{BB962C8B-B14F-4D97-AF65-F5344CB8AC3E}">
-        <p14:creationId xmlns:p14="http://schemas.microsoft.com/office/powerpoint/2010/main" val="3630700352"/>
+        <p14:creationId xmlns:p14="http://schemas.microsoft.com/office/powerpoint/2010/main" val="911548443"/>
       </p:ext>
     </p:extLst>
   </p:cSld>
@@ -560,13 +504,7 @@
       </p:grpSpPr>
       <p:sp>
         <p:nvSpPr>
-          <p:cNvPr id="2" name="Vertikaler Titel 1">
-            <a:extLst>
-              <a:ext uri="{FF2B5EF4-FFF2-40B4-BE49-F238E27FC236}">
-                <a16:creationId xmlns:a16="http://schemas.microsoft.com/office/drawing/2014/main" id="{AE46CCEE-6824-B5A9-980B-0CE6731D0CF5}"/>
-              </a:ext>
-            </a:extLst>
-          </p:cNvPr>
+          <p:cNvPr id="2" name="Vertical Title 1"/>
           <p:cNvSpPr>
             <a:spLocks noGrp="1"/>
           </p:cNvSpPr>
@@ -576,8 +514,8 @@
         </p:nvSpPr>
         <p:spPr>
           <a:xfrm>
-            <a:off x="8724900" y="365125"/>
-            <a:ext cx="2628900" cy="5811838"/>
+            <a:off x="7728581" y="421669"/>
+            <a:ext cx="2328699" cy="6711866"/>
           </a:xfrm>
         </p:spPr>
         <p:txBody>
@@ -588,18 +526,13 @@
               <a:rPr lang="de-DE"/>
               <a:t>Mastertitelformat bearbeiten</a:t>
             </a:r>
-          </a:p>
-        </p:txBody>
-      </p:sp>
-      <p:sp>
-        <p:nvSpPr>
-          <p:cNvPr id="3" name="Vertikaler Textplatzhalter 2">
-            <a:extLst>
-              <a:ext uri="{FF2B5EF4-FFF2-40B4-BE49-F238E27FC236}">
-                <a16:creationId xmlns:a16="http://schemas.microsoft.com/office/drawing/2014/main" id="{0C80DC2B-BE7B-C41B-5EED-D0FC23D955DF}"/>
-              </a:ext>
-            </a:extLst>
-          </p:cNvPr>
+            <a:endParaRPr lang="en-US" dirty="0"/>
+          </a:p>
+        </p:txBody>
+      </p:sp>
+      <p:sp>
+        <p:nvSpPr>
+          <p:cNvPr id="3" name="Vertical Text Placeholder 2"/>
           <p:cNvSpPr>
             <a:spLocks noGrp="1"/>
           </p:cNvSpPr>
@@ -609,8 +542,8 @@
         </p:nvSpPr>
         <p:spPr>
           <a:xfrm>
-            <a:off x="838200" y="365125"/>
-            <a:ext cx="7734300" cy="5811838"/>
+            <a:off x="742484" y="421669"/>
+            <a:ext cx="6851100" cy="6711866"/>
           </a:xfrm>
         </p:spPr>
         <p:txBody>
@@ -650,18 +583,13 @@
               <a:rPr lang="de-DE"/>
               <a:t>Fünfte Ebene</a:t>
             </a:r>
-          </a:p>
-        </p:txBody>
-      </p:sp>
-      <p:sp>
-        <p:nvSpPr>
-          <p:cNvPr id="4" name="Datumsplatzhalter 3">
-            <a:extLst>
-              <a:ext uri="{FF2B5EF4-FFF2-40B4-BE49-F238E27FC236}">
-                <a16:creationId xmlns:a16="http://schemas.microsoft.com/office/drawing/2014/main" id="{0F6F28F8-6876-B06F-D265-CD98FBB37C05}"/>
-              </a:ext>
-            </a:extLst>
-          </p:cNvPr>
+            <a:endParaRPr lang="en-US" dirty="0"/>
+          </a:p>
+        </p:txBody>
+      </p:sp>
+      <p:sp>
+        <p:nvSpPr>
+          <p:cNvPr id="4" name="Date Placeholder 3"/>
           <p:cNvSpPr>
             <a:spLocks noGrp="1"/>
           </p:cNvSpPr>
@@ -676,7 +604,7 @@
           <a:p>
             <a:fld id="{747FE99C-B6B2-4F84-BF3A-0009E28C1CAC}" type="datetimeFigureOut">
               <a:rPr lang="de-DE" smtClean="0"/>
-              <a:t>24.01.2025</a:t>
+              <a:t>27.01.2025</a:t>
             </a:fld>
             <a:endParaRPr lang="de-DE"/>
           </a:p>
@@ -684,13 +612,7 @@
       </p:sp>
       <p:sp>
         <p:nvSpPr>
-          <p:cNvPr id="5" name="Fußzeilenplatzhalter 4">
-            <a:extLst>
-              <a:ext uri="{FF2B5EF4-FFF2-40B4-BE49-F238E27FC236}">
-                <a16:creationId xmlns:a16="http://schemas.microsoft.com/office/drawing/2014/main" id="{DFF970F4-1CE1-E725-2CED-F461AB8D3BA5}"/>
-              </a:ext>
-            </a:extLst>
-          </p:cNvPr>
+          <p:cNvPr id="5" name="Footer Placeholder 4"/>
           <p:cNvSpPr>
             <a:spLocks noGrp="1"/>
           </p:cNvSpPr>
@@ -709,13 +631,7 @@
       </p:sp>
       <p:sp>
         <p:nvSpPr>
-          <p:cNvPr id="6" name="Foliennummernplatzhalter 5">
-            <a:extLst>
-              <a:ext uri="{FF2B5EF4-FFF2-40B4-BE49-F238E27FC236}">
-                <a16:creationId xmlns:a16="http://schemas.microsoft.com/office/drawing/2014/main" id="{9F1B1204-EDC3-6BB4-EB11-CA35B26DBBCD}"/>
-              </a:ext>
-            </a:extLst>
-          </p:cNvPr>
+          <p:cNvPr id="6" name="Slide Number Placeholder 5"/>
           <p:cNvSpPr>
             <a:spLocks noGrp="1"/>
           </p:cNvSpPr>
@@ -739,7 +655,7 @@
     </p:spTree>
     <p:extLst>
       <p:ext uri="{BB962C8B-B14F-4D97-AF65-F5344CB8AC3E}">
-        <p14:creationId xmlns:p14="http://schemas.microsoft.com/office/powerpoint/2010/main" val="2290733490"/>
+        <p14:creationId xmlns:p14="http://schemas.microsoft.com/office/powerpoint/2010/main" val="3929289629"/>
       </p:ext>
     </p:extLst>
   </p:cSld>
@@ -768,13 +684,7 @@
       </p:grpSpPr>
       <p:sp>
         <p:nvSpPr>
-          <p:cNvPr id="2" name="Titel 1">
-            <a:extLst>
-              <a:ext uri="{FF2B5EF4-FFF2-40B4-BE49-F238E27FC236}">
-                <a16:creationId xmlns:a16="http://schemas.microsoft.com/office/drawing/2014/main" id="{2937EED1-0D04-C2FE-857C-CCDC182CD50F}"/>
-              </a:ext>
-            </a:extLst>
-          </p:cNvPr>
+          <p:cNvPr id="2" name="Title 1"/>
           <p:cNvSpPr>
             <a:spLocks noGrp="1"/>
           </p:cNvSpPr>
@@ -791,18 +701,13 @@
               <a:rPr lang="de-DE"/>
               <a:t>Mastertitelformat bearbeiten</a:t>
             </a:r>
-          </a:p>
-        </p:txBody>
-      </p:sp>
-      <p:sp>
-        <p:nvSpPr>
-          <p:cNvPr id="3" name="Inhaltsplatzhalter 2">
-            <a:extLst>
-              <a:ext uri="{FF2B5EF4-FFF2-40B4-BE49-F238E27FC236}">
-                <a16:creationId xmlns:a16="http://schemas.microsoft.com/office/drawing/2014/main" id="{6CC17219-5EBF-7305-18E0-01C64E391374}"/>
-              </a:ext>
-            </a:extLst>
-          </p:cNvPr>
+            <a:endParaRPr lang="en-US" dirty="0"/>
+          </a:p>
+        </p:txBody>
+      </p:sp>
+      <p:sp>
+        <p:nvSpPr>
+          <p:cNvPr id="3" name="Content Placeholder 2"/>
           <p:cNvSpPr>
             <a:spLocks noGrp="1"/>
           </p:cNvSpPr>
@@ -848,18 +753,13 @@
               <a:rPr lang="de-DE"/>
               <a:t>Fünfte Ebene</a:t>
             </a:r>
-          </a:p>
-        </p:txBody>
-      </p:sp>
-      <p:sp>
-        <p:nvSpPr>
-          <p:cNvPr id="4" name="Datumsplatzhalter 3">
-            <a:extLst>
-              <a:ext uri="{FF2B5EF4-FFF2-40B4-BE49-F238E27FC236}">
-                <a16:creationId xmlns:a16="http://schemas.microsoft.com/office/drawing/2014/main" id="{101213B6-A4CE-ABA5-F66D-8C19A691089D}"/>
-              </a:ext>
-            </a:extLst>
-          </p:cNvPr>
+            <a:endParaRPr lang="en-US" dirty="0"/>
+          </a:p>
+        </p:txBody>
+      </p:sp>
+      <p:sp>
+        <p:nvSpPr>
+          <p:cNvPr id="4" name="Date Placeholder 3"/>
           <p:cNvSpPr>
             <a:spLocks noGrp="1"/>
           </p:cNvSpPr>
@@ -874,7 +774,7 @@
           <a:p>
             <a:fld id="{747FE99C-B6B2-4F84-BF3A-0009E28C1CAC}" type="datetimeFigureOut">
               <a:rPr lang="de-DE" smtClean="0"/>
-              <a:t>24.01.2025</a:t>
+              <a:t>27.01.2025</a:t>
             </a:fld>
             <a:endParaRPr lang="de-DE"/>
           </a:p>
@@ -882,13 +782,7 @@
       </p:sp>
       <p:sp>
         <p:nvSpPr>
-          <p:cNvPr id="5" name="Fußzeilenplatzhalter 4">
-            <a:extLst>
-              <a:ext uri="{FF2B5EF4-FFF2-40B4-BE49-F238E27FC236}">
-                <a16:creationId xmlns:a16="http://schemas.microsoft.com/office/drawing/2014/main" id="{2ED87978-22BE-78C4-C8C5-C7E3F1EE8010}"/>
-              </a:ext>
-            </a:extLst>
-          </p:cNvPr>
+          <p:cNvPr id="5" name="Footer Placeholder 4"/>
           <p:cNvSpPr>
             <a:spLocks noGrp="1"/>
           </p:cNvSpPr>
@@ -907,13 +801,7 @@
       </p:sp>
       <p:sp>
         <p:nvSpPr>
-          <p:cNvPr id="6" name="Foliennummernplatzhalter 5">
-            <a:extLst>
-              <a:ext uri="{FF2B5EF4-FFF2-40B4-BE49-F238E27FC236}">
-                <a16:creationId xmlns:a16="http://schemas.microsoft.com/office/drawing/2014/main" id="{4326FD8A-5659-7FFF-4B38-1CBAC6FC2F56}"/>
-              </a:ext>
-            </a:extLst>
-          </p:cNvPr>
+          <p:cNvPr id="6" name="Slide Number Placeholder 5"/>
           <p:cNvSpPr>
             <a:spLocks noGrp="1"/>
           </p:cNvSpPr>
@@ -937,7 +825,7 @@
     </p:spTree>
     <p:extLst>
       <p:ext uri="{BB962C8B-B14F-4D97-AF65-F5344CB8AC3E}">
-        <p14:creationId xmlns:p14="http://schemas.microsoft.com/office/powerpoint/2010/main" val="2820712496"/>
+        <p14:creationId xmlns:p14="http://schemas.microsoft.com/office/powerpoint/2010/main" val="2520345031"/>
       </p:ext>
     </p:extLst>
   </p:cSld>
@@ -966,13 +854,7 @@
       </p:grpSpPr>
       <p:sp>
         <p:nvSpPr>
-          <p:cNvPr id="2" name="Titel 1">
-            <a:extLst>
-              <a:ext uri="{FF2B5EF4-FFF2-40B4-BE49-F238E27FC236}">
-                <a16:creationId xmlns:a16="http://schemas.microsoft.com/office/drawing/2014/main" id="{B1B5689B-EF2A-01AB-6130-8A26928AD5D1}"/>
-              </a:ext>
-            </a:extLst>
-          </p:cNvPr>
+          <p:cNvPr id="2" name="Title 1"/>
           <p:cNvSpPr>
             <a:spLocks noGrp="1"/>
           </p:cNvSpPr>
@@ -982,15 +864,15 @@
         </p:nvSpPr>
         <p:spPr>
           <a:xfrm>
-            <a:off x="831850" y="1709738"/>
-            <a:ext cx="10515600" cy="2852737"/>
+            <a:off x="736859" y="1974512"/>
+            <a:ext cx="9314796" cy="3294515"/>
           </a:xfrm>
         </p:spPr>
         <p:txBody>
           <a:bodyPr anchor="b"/>
           <a:lstStyle>
             <a:lvl1pPr>
-              <a:defRPr sz="6000"/>
+              <a:defRPr sz="6929"/>
             </a:lvl1pPr>
           </a:lstStyle>
           <a:p>
@@ -998,18 +880,13 @@
               <a:rPr lang="de-DE"/>
               <a:t>Mastertitelformat bearbeiten</a:t>
             </a:r>
-          </a:p>
-        </p:txBody>
-      </p:sp>
-      <p:sp>
-        <p:nvSpPr>
-          <p:cNvPr id="3" name="Textplatzhalter 2">
-            <a:extLst>
-              <a:ext uri="{FF2B5EF4-FFF2-40B4-BE49-F238E27FC236}">
-                <a16:creationId xmlns:a16="http://schemas.microsoft.com/office/drawing/2014/main" id="{EBFBEE19-CB9D-937A-3062-286AB3FD14E2}"/>
-              </a:ext>
-            </a:extLst>
-          </p:cNvPr>
+            <a:endParaRPr lang="en-US" dirty="0"/>
+          </a:p>
+        </p:txBody>
+      </p:sp>
+      <p:sp>
+        <p:nvSpPr>
+          <p:cNvPr id="3" name="Text Placeholder 2"/>
           <p:cNvSpPr>
             <a:spLocks noGrp="1"/>
           </p:cNvSpPr>
@@ -1019,8 +896,8 @@
         </p:nvSpPr>
         <p:spPr>
           <a:xfrm>
-            <a:off x="831850" y="4589463"/>
-            <a:ext cx="10515600" cy="1500187"/>
+            <a:off x="736859" y="5300194"/>
+            <a:ext cx="9314796" cy="1732508"/>
           </a:xfrm>
         </p:spPr>
         <p:txBody>
@@ -1028,7 +905,7 @@
           <a:lstStyle>
             <a:lvl1pPr marL="0" indent="0">
               <a:buNone/>
-              <a:defRPr sz="2400">
+              <a:defRPr sz="2772">
                 <a:solidFill>
                   <a:schemeClr val="tx1">
                     <a:tint val="82000"/>
@@ -1036,9 +913,9 @@
                 </a:solidFill>
               </a:defRPr>
             </a:lvl1pPr>
-            <a:lvl2pPr marL="457200" indent="0">
-              <a:buNone/>
-              <a:defRPr sz="2000">
+            <a:lvl2pPr marL="528020" indent="0">
+              <a:buNone/>
+              <a:defRPr sz="2310">
                 <a:solidFill>
                   <a:schemeClr val="tx1">
                     <a:tint val="82000"/>
@@ -1046,9 +923,9 @@
                 </a:solidFill>
               </a:defRPr>
             </a:lvl2pPr>
-            <a:lvl3pPr marL="914400" indent="0">
-              <a:buNone/>
-              <a:defRPr sz="1800">
+            <a:lvl3pPr marL="1056041" indent="0">
+              <a:buNone/>
+              <a:defRPr sz="2079">
                 <a:solidFill>
                   <a:schemeClr val="tx1">
                     <a:tint val="82000"/>
@@ -1056,9 +933,9 @@
                 </a:solidFill>
               </a:defRPr>
             </a:lvl3pPr>
-            <a:lvl4pPr marL="1371600" indent="0">
-              <a:buNone/>
-              <a:defRPr sz="1600">
+            <a:lvl4pPr marL="1584061" indent="0">
+              <a:buNone/>
+              <a:defRPr sz="1848">
                 <a:solidFill>
                   <a:schemeClr val="tx1">
                     <a:tint val="82000"/>
@@ -1066,9 +943,9 @@
                 </a:solidFill>
               </a:defRPr>
             </a:lvl4pPr>
-            <a:lvl5pPr marL="1828800" indent="0">
-              <a:buNone/>
-              <a:defRPr sz="1600">
+            <a:lvl5pPr marL="2112081" indent="0">
+              <a:buNone/>
+              <a:defRPr sz="1848">
                 <a:solidFill>
                   <a:schemeClr val="tx1">
                     <a:tint val="82000"/>
@@ -1076,9 +953,9 @@
                 </a:solidFill>
               </a:defRPr>
             </a:lvl5pPr>
-            <a:lvl6pPr marL="2286000" indent="0">
-              <a:buNone/>
-              <a:defRPr sz="1600">
+            <a:lvl6pPr marL="2640101" indent="0">
+              <a:buNone/>
+              <a:defRPr sz="1848">
                 <a:solidFill>
                   <a:schemeClr val="tx1">
                     <a:tint val="82000"/>
@@ -1086,9 +963,9 @@
                 </a:solidFill>
               </a:defRPr>
             </a:lvl6pPr>
-            <a:lvl7pPr marL="2743200" indent="0">
-              <a:buNone/>
-              <a:defRPr sz="1600">
+            <a:lvl7pPr marL="3168122" indent="0">
+              <a:buNone/>
+              <a:defRPr sz="1848">
                 <a:solidFill>
                   <a:schemeClr val="tx1">
                     <a:tint val="82000"/>
@@ -1096,9 +973,9 @@
                 </a:solidFill>
               </a:defRPr>
             </a:lvl7pPr>
-            <a:lvl8pPr marL="3200400" indent="0">
-              <a:buNone/>
-              <a:defRPr sz="1600">
+            <a:lvl8pPr marL="3696142" indent="0">
+              <a:buNone/>
+              <a:defRPr sz="1848">
                 <a:solidFill>
                   <a:schemeClr val="tx1">
                     <a:tint val="82000"/>
@@ -1106,9 +983,9 @@
                 </a:solidFill>
               </a:defRPr>
             </a:lvl8pPr>
-            <a:lvl9pPr marL="3657600" indent="0">
-              <a:buNone/>
-              <a:defRPr sz="1600">
+            <a:lvl9pPr marL="4224162" indent="0">
+              <a:buNone/>
+              <a:defRPr sz="1848">
                 <a:solidFill>
                   <a:schemeClr val="tx1">
                     <a:tint val="82000"/>
@@ -1128,13 +1005,7 @@
       </p:sp>
       <p:sp>
         <p:nvSpPr>
-          <p:cNvPr id="4" name="Datumsplatzhalter 3">
-            <a:extLst>
-              <a:ext uri="{FF2B5EF4-FFF2-40B4-BE49-F238E27FC236}">
-                <a16:creationId xmlns:a16="http://schemas.microsoft.com/office/drawing/2014/main" id="{ABA59F42-5138-1C91-CF86-3E29354ECC33}"/>
-              </a:ext>
-            </a:extLst>
-          </p:cNvPr>
+          <p:cNvPr id="4" name="Date Placeholder 3"/>
           <p:cNvSpPr>
             <a:spLocks noGrp="1"/>
           </p:cNvSpPr>
@@ -1149,7 +1020,7 @@
           <a:p>
             <a:fld id="{747FE99C-B6B2-4F84-BF3A-0009E28C1CAC}" type="datetimeFigureOut">
               <a:rPr lang="de-DE" smtClean="0"/>
-              <a:t>24.01.2025</a:t>
+              <a:t>27.01.2025</a:t>
             </a:fld>
             <a:endParaRPr lang="de-DE"/>
           </a:p>
@@ -1157,13 +1028,7 @@
       </p:sp>
       <p:sp>
         <p:nvSpPr>
-          <p:cNvPr id="5" name="Fußzeilenplatzhalter 4">
-            <a:extLst>
-              <a:ext uri="{FF2B5EF4-FFF2-40B4-BE49-F238E27FC236}">
-                <a16:creationId xmlns:a16="http://schemas.microsoft.com/office/drawing/2014/main" id="{978D33C8-9D26-822C-ECE3-2ED4A163ECE1}"/>
-              </a:ext>
-            </a:extLst>
-          </p:cNvPr>
+          <p:cNvPr id="5" name="Footer Placeholder 4"/>
           <p:cNvSpPr>
             <a:spLocks noGrp="1"/>
           </p:cNvSpPr>
@@ -1182,13 +1047,7 @@
       </p:sp>
       <p:sp>
         <p:nvSpPr>
-          <p:cNvPr id="6" name="Foliennummernplatzhalter 5">
-            <a:extLst>
-              <a:ext uri="{FF2B5EF4-FFF2-40B4-BE49-F238E27FC236}">
-                <a16:creationId xmlns:a16="http://schemas.microsoft.com/office/drawing/2014/main" id="{9AFE5F6C-031D-4C8E-AC3A-D95652BD14BD}"/>
-              </a:ext>
-            </a:extLst>
-          </p:cNvPr>
+          <p:cNvPr id="6" name="Slide Number Placeholder 5"/>
           <p:cNvSpPr>
             <a:spLocks noGrp="1"/>
           </p:cNvSpPr>
@@ -1212,7 +1071,7 @@
     </p:spTree>
     <p:extLst>
       <p:ext uri="{BB962C8B-B14F-4D97-AF65-F5344CB8AC3E}">
-        <p14:creationId xmlns:p14="http://schemas.microsoft.com/office/powerpoint/2010/main" val="2469712353"/>
+        <p14:creationId xmlns:p14="http://schemas.microsoft.com/office/powerpoint/2010/main" val="4165330272"/>
       </p:ext>
     </p:extLst>
   </p:cSld>
@@ -1241,13 +1100,7 @@
       </p:grpSpPr>
       <p:sp>
         <p:nvSpPr>
-          <p:cNvPr id="2" name="Titel 1">
-            <a:extLst>
-              <a:ext uri="{FF2B5EF4-FFF2-40B4-BE49-F238E27FC236}">
-                <a16:creationId xmlns:a16="http://schemas.microsoft.com/office/drawing/2014/main" id="{9AA2CEC1-7057-2DF4-EDA0-7D85C9EB75E9}"/>
-              </a:ext>
-            </a:extLst>
-          </p:cNvPr>
+          <p:cNvPr id="2" name="Title 1"/>
           <p:cNvSpPr>
             <a:spLocks noGrp="1"/>
           </p:cNvSpPr>
@@ -1264,18 +1117,13 @@
               <a:rPr lang="de-DE"/>
               <a:t>Mastertitelformat bearbeiten</a:t>
             </a:r>
-          </a:p>
-        </p:txBody>
-      </p:sp>
-      <p:sp>
-        <p:nvSpPr>
-          <p:cNvPr id="3" name="Inhaltsplatzhalter 2">
-            <a:extLst>
-              <a:ext uri="{FF2B5EF4-FFF2-40B4-BE49-F238E27FC236}">
-                <a16:creationId xmlns:a16="http://schemas.microsoft.com/office/drawing/2014/main" id="{51A527F4-06F2-17BD-5551-3D3466166AC0}"/>
-              </a:ext>
-            </a:extLst>
-          </p:cNvPr>
+            <a:endParaRPr lang="en-US" dirty="0"/>
+          </a:p>
+        </p:txBody>
+      </p:sp>
+      <p:sp>
+        <p:nvSpPr>
+          <p:cNvPr id="3" name="Content Placeholder 2"/>
           <p:cNvSpPr>
             <a:spLocks noGrp="1"/>
           </p:cNvSpPr>
@@ -1285,8 +1133,8 @@
         </p:nvSpPr>
         <p:spPr>
           <a:xfrm>
-            <a:off x="838200" y="1825625"/>
-            <a:ext cx="5181600" cy="4351338"/>
+            <a:off x="742484" y="2108344"/>
+            <a:ext cx="4589899" cy="5025191"/>
           </a:xfrm>
         </p:spPr>
         <p:txBody>
@@ -1326,18 +1174,13 @@
               <a:rPr lang="de-DE"/>
               <a:t>Fünfte Ebene</a:t>
             </a:r>
-          </a:p>
-        </p:txBody>
-      </p:sp>
-      <p:sp>
-        <p:nvSpPr>
-          <p:cNvPr id="4" name="Inhaltsplatzhalter 3">
-            <a:extLst>
-              <a:ext uri="{FF2B5EF4-FFF2-40B4-BE49-F238E27FC236}">
-                <a16:creationId xmlns:a16="http://schemas.microsoft.com/office/drawing/2014/main" id="{456D4801-B560-6916-81A0-E03E19BE1651}"/>
-              </a:ext>
-            </a:extLst>
-          </p:cNvPr>
+            <a:endParaRPr lang="en-US" dirty="0"/>
+          </a:p>
+        </p:txBody>
+      </p:sp>
+      <p:sp>
+        <p:nvSpPr>
+          <p:cNvPr id="4" name="Content Placeholder 3"/>
           <p:cNvSpPr>
             <a:spLocks noGrp="1"/>
           </p:cNvSpPr>
@@ -1347,8 +1190,8 @@
         </p:nvSpPr>
         <p:spPr>
           <a:xfrm>
-            <a:off x="6172200" y="1825625"/>
-            <a:ext cx="5181600" cy="4351338"/>
+            <a:off x="5467380" y="2108344"/>
+            <a:ext cx="4589899" cy="5025191"/>
           </a:xfrm>
         </p:spPr>
         <p:txBody>
@@ -1388,18 +1231,13 @@
               <a:rPr lang="de-DE"/>
               <a:t>Fünfte Ebene</a:t>
             </a:r>
-          </a:p>
-        </p:txBody>
-      </p:sp>
-      <p:sp>
-        <p:nvSpPr>
-          <p:cNvPr id="5" name="Datumsplatzhalter 4">
-            <a:extLst>
-              <a:ext uri="{FF2B5EF4-FFF2-40B4-BE49-F238E27FC236}">
-                <a16:creationId xmlns:a16="http://schemas.microsoft.com/office/drawing/2014/main" id="{907BCB68-C525-EEB7-89C8-A6DE8D08580A}"/>
-              </a:ext>
-            </a:extLst>
-          </p:cNvPr>
+            <a:endParaRPr lang="en-US" dirty="0"/>
+          </a:p>
+        </p:txBody>
+      </p:sp>
+      <p:sp>
+        <p:nvSpPr>
+          <p:cNvPr id="5" name="Date Placeholder 4"/>
           <p:cNvSpPr>
             <a:spLocks noGrp="1"/>
           </p:cNvSpPr>
@@ -1414,7 +1252,7 @@
           <a:p>
             <a:fld id="{747FE99C-B6B2-4F84-BF3A-0009E28C1CAC}" type="datetimeFigureOut">
               <a:rPr lang="de-DE" smtClean="0"/>
-              <a:t>24.01.2025</a:t>
+              <a:t>27.01.2025</a:t>
             </a:fld>
             <a:endParaRPr lang="de-DE"/>
           </a:p>
@@ -1422,13 +1260,7 @@
       </p:sp>
       <p:sp>
         <p:nvSpPr>
-          <p:cNvPr id="6" name="Fußzeilenplatzhalter 5">
-            <a:extLst>
-              <a:ext uri="{FF2B5EF4-FFF2-40B4-BE49-F238E27FC236}">
-                <a16:creationId xmlns:a16="http://schemas.microsoft.com/office/drawing/2014/main" id="{49D67BA8-AA30-4D83-8DAA-5FAD2429CF50}"/>
-              </a:ext>
-            </a:extLst>
-          </p:cNvPr>
+          <p:cNvPr id="6" name="Footer Placeholder 5"/>
           <p:cNvSpPr>
             <a:spLocks noGrp="1"/>
           </p:cNvSpPr>
@@ -1447,13 +1279,7 @@
       </p:sp>
       <p:sp>
         <p:nvSpPr>
-          <p:cNvPr id="7" name="Foliennummernplatzhalter 6">
-            <a:extLst>
-              <a:ext uri="{FF2B5EF4-FFF2-40B4-BE49-F238E27FC236}">
-                <a16:creationId xmlns:a16="http://schemas.microsoft.com/office/drawing/2014/main" id="{DA96A4E5-AFA4-6235-B57D-F2016388B069}"/>
-              </a:ext>
-            </a:extLst>
-          </p:cNvPr>
+          <p:cNvPr id="7" name="Slide Number Placeholder 6"/>
           <p:cNvSpPr>
             <a:spLocks noGrp="1"/>
           </p:cNvSpPr>
@@ -1477,7 +1303,7 @@
     </p:spTree>
     <p:extLst>
       <p:ext uri="{BB962C8B-B14F-4D97-AF65-F5344CB8AC3E}">
-        <p14:creationId xmlns:p14="http://schemas.microsoft.com/office/powerpoint/2010/main" val="1651416690"/>
+        <p14:creationId xmlns:p14="http://schemas.microsoft.com/office/powerpoint/2010/main" val="2505310558"/>
       </p:ext>
     </p:extLst>
   </p:cSld>
@@ -1506,13 +1332,7 @@
       </p:grpSpPr>
       <p:sp>
         <p:nvSpPr>
-          <p:cNvPr id="2" name="Titel 1">
-            <a:extLst>
-              <a:ext uri="{FF2B5EF4-FFF2-40B4-BE49-F238E27FC236}">
-                <a16:creationId xmlns:a16="http://schemas.microsoft.com/office/drawing/2014/main" id="{6AF10979-F6F4-BF47-ECC8-CB010E0D976A}"/>
-              </a:ext>
-            </a:extLst>
-          </p:cNvPr>
+          <p:cNvPr id="2" name="Title 1"/>
           <p:cNvSpPr>
             <a:spLocks noGrp="1"/>
           </p:cNvSpPr>
@@ -1522,8 +1342,8 @@
         </p:nvSpPr>
         <p:spPr>
           <a:xfrm>
-            <a:off x="839788" y="365125"/>
-            <a:ext cx="10515600" cy="1325563"/>
+            <a:off x="743890" y="421671"/>
+            <a:ext cx="9314796" cy="1530841"/>
           </a:xfrm>
         </p:spPr>
         <p:txBody>
@@ -1534,18 +1354,13 @@
               <a:rPr lang="de-DE"/>
               <a:t>Mastertitelformat bearbeiten</a:t>
             </a:r>
-          </a:p>
-        </p:txBody>
-      </p:sp>
-      <p:sp>
-        <p:nvSpPr>
-          <p:cNvPr id="3" name="Textplatzhalter 2">
-            <a:extLst>
-              <a:ext uri="{FF2B5EF4-FFF2-40B4-BE49-F238E27FC236}">
-                <a16:creationId xmlns:a16="http://schemas.microsoft.com/office/drawing/2014/main" id="{933F34F9-F32F-2AAE-9BD1-C09511CEEF54}"/>
-              </a:ext>
-            </a:extLst>
-          </p:cNvPr>
+            <a:endParaRPr lang="en-US" dirty="0"/>
+          </a:p>
+        </p:txBody>
+      </p:sp>
+      <p:sp>
+        <p:nvSpPr>
+          <p:cNvPr id="3" name="Text Placeholder 2"/>
           <p:cNvSpPr>
             <a:spLocks noGrp="1"/>
           </p:cNvSpPr>
@@ -1555,8 +1370,8 @@
         </p:nvSpPr>
         <p:spPr>
           <a:xfrm>
-            <a:off x="839788" y="1681163"/>
-            <a:ext cx="5157787" cy="823912"/>
+            <a:off x="743892" y="1941510"/>
+            <a:ext cx="4568805" cy="951504"/>
           </a:xfrm>
         </p:spPr>
         <p:txBody>
@@ -1564,39 +1379,39 @@
           <a:lstStyle>
             <a:lvl1pPr marL="0" indent="0">
               <a:buNone/>
-              <a:defRPr sz="2400" b="1"/>
+              <a:defRPr sz="2772" b="1"/>
             </a:lvl1pPr>
-            <a:lvl2pPr marL="457200" indent="0">
-              <a:buNone/>
-              <a:defRPr sz="2000" b="1"/>
+            <a:lvl2pPr marL="528020" indent="0">
+              <a:buNone/>
+              <a:defRPr sz="2310" b="1"/>
             </a:lvl2pPr>
-            <a:lvl3pPr marL="914400" indent="0">
-              <a:buNone/>
-              <a:defRPr sz="1800" b="1"/>
+            <a:lvl3pPr marL="1056041" indent="0">
+              <a:buNone/>
+              <a:defRPr sz="2079" b="1"/>
             </a:lvl3pPr>
-            <a:lvl4pPr marL="1371600" indent="0">
-              <a:buNone/>
-              <a:defRPr sz="1600" b="1"/>
+            <a:lvl4pPr marL="1584061" indent="0">
+              <a:buNone/>
+              <a:defRPr sz="1848" b="1"/>
             </a:lvl4pPr>
-            <a:lvl5pPr marL="1828800" indent="0">
-              <a:buNone/>
-              <a:defRPr sz="1600" b="1"/>
+            <a:lvl5pPr marL="2112081" indent="0">
+              <a:buNone/>
+              <a:defRPr sz="1848" b="1"/>
             </a:lvl5pPr>
-            <a:lvl6pPr marL="2286000" indent="0">
-              <a:buNone/>
-              <a:defRPr sz="1600" b="1"/>
+            <a:lvl6pPr marL="2640101" indent="0">
+              <a:buNone/>
+              <a:defRPr sz="1848" b="1"/>
             </a:lvl6pPr>
-            <a:lvl7pPr marL="2743200" indent="0">
-              <a:buNone/>
-              <a:defRPr sz="1600" b="1"/>
+            <a:lvl7pPr marL="3168122" indent="0">
+              <a:buNone/>
+              <a:defRPr sz="1848" b="1"/>
             </a:lvl7pPr>
-            <a:lvl8pPr marL="3200400" indent="0">
-              <a:buNone/>
-              <a:defRPr sz="1600" b="1"/>
+            <a:lvl8pPr marL="3696142" indent="0">
+              <a:buNone/>
+              <a:defRPr sz="1848" b="1"/>
             </a:lvl8pPr>
-            <a:lvl9pPr marL="3657600" indent="0">
-              <a:buNone/>
-              <a:defRPr sz="1600" b="1"/>
+            <a:lvl9pPr marL="4224162" indent="0">
+              <a:buNone/>
+              <a:defRPr sz="1848" b="1"/>
             </a:lvl9pPr>
           </a:lstStyle>
           <a:p>
@@ -1610,13 +1425,7 @@
       </p:sp>
       <p:sp>
         <p:nvSpPr>
-          <p:cNvPr id="4" name="Inhaltsplatzhalter 3">
-            <a:extLst>
-              <a:ext uri="{FF2B5EF4-FFF2-40B4-BE49-F238E27FC236}">
-                <a16:creationId xmlns:a16="http://schemas.microsoft.com/office/drawing/2014/main" id="{18399B6E-D577-0CAD-CE4F-BCA54A73A124}"/>
-              </a:ext>
-            </a:extLst>
-          </p:cNvPr>
+          <p:cNvPr id="4" name="Content Placeholder 3"/>
           <p:cNvSpPr>
             <a:spLocks noGrp="1"/>
           </p:cNvSpPr>
@@ -1626,8 +1435,8 @@
         </p:nvSpPr>
         <p:spPr>
           <a:xfrm>
-            <a:off x="839788" y="2505075"/>
-            <a:ext cx="5157787" cy="3684588"/>
+            <a:off x="743892" y="2893014"/>
+            <a:ext cx="4568805" cy="4255188"/>
           </a:xfrm>
         </p:spPr>
         <p:txBody>
@@ -1667,18 +1476,13 @@
               <a:rPr lang="de-DE"/>
               <a:t>Fünfte Ebene</a:t>
             </a:r>
-          </a:p>
-        </p:txBody>
-      </p:sp>
-      <p:sp>
-        <p:nvSpPr>
-          <p:cNvPr id="5" name="Textplatzhalter 4">
-            <a:extLst>
-              <a:ext uri="{FF2B5EF4-FFF2-40B4-BE49-F238E27FC236}">
-                <a16:creationId xmlns:a16="http://schemas.microsoft.com/office/drawing/2014/main" id="{D3128078-5119-CED2-670C-97E040BD9B9E}"/>
-              </a:ext>
-            </a:extLst>
-          </p:cNvPr>
+            <a:endParaRPr lang="en-US" dirty="0"/>
+          </a:p>
+        </p:txBody>
+      </p:sp>
+      <p:sp>
+        <p:nvSpPr>
+          <p:cNvPr id="5" name="Text Placeholder 4"/>
           <p:cNvSpPr>
             <a:spLocks noGrp="1"/>
           </p:cNvSpPr>
@@ -1688,8 +1492,8 @@
         </p:nvSpPr>
         <p:spPr>
           <a:xfrm>
-            <a:off x="6172200" y="1681163"/>
-            <a:ext cx="5183188" cy="823912"/>
+            <a:off x="5467381" y="1941510"/>
+            <a:ext cx="4591306" cy="951504"/>
           </a:xfrm>
         </p:spPr>
         <p:txBody>
@@ -1697,39 +1501,39 @@
           <a:lstStyle>
             <a:lvl1pPr marL="0" indent="0">
               <a:buNone/>
-              <a:defRPr sz="2400" b="1"/>
+              <a:defRPr sz="2772" b="1"/>
             </a:lvl1pPr>
-            <a:lvl2pPr marL="457200" indent="0">
-              <a:buNone/>
-              <a:defRPr sz="2000" b="1"/>
+            <a:lvl2pPr marL="528020" indent="0">
+              <a:buNone/>
+              <a:defRPr sz="2310" b="1"/>
             </a:lvl2pPr>
-            <a:lvl3pPr marL="914400" indent="0">
-              <a:buNone/>
-              <a:defRPr sz="1800" b="1"/>
+            <a:lvl3pPr marL="1056041" indent="0">
+              <a:buNone/>
+              <a:defRPr sz="2079" b="1"/>
             </a:lvl3pPr>
-            <a:lvl4pPr marL="1371600" indent="0">
-              <a:buNone/>
-              <a:defRPr sz="1600" b="1"/>
+            <a:lvl4pPr marL="1584061" indent="0">
+              <a:buNone/>
+              <a:defRPr sz="1848" b="1"/>
             </a:lvl4pPr>
-            <a:lvl5pPr marL="1828800" indent="0">
-              <a:buNone/>
-              <a:defRPr sz="1600" b="1"/>
+            <a:lvl5pPr marL="2112081" indent="0">
+              <a:buNone/>
+              <a:defRPr sz="1848" b="1"/>
             </a:lvl5pPr>
-            <a:lvl6pPr marL="2286000" indent="0">
-              <a:buNone/>
-              <a:defRPr sz="1600" b="1"/>
+            <a:lvl6pPr marL="2640101" indent="0">
+              <a:buNone/>
+              <a:defRPr sz="1848" b="1"/>
             </a:lvl6pPr>
-            <a:lvl7pPr marL="2743200" indent="0">
-              <a:buNone/>
-              <a:defRPr sz="1600" b="1"/>
+            <a:lvl7pPr marL="3168122" indent="0">
+              <a:buNone/>
+              <a:defRPr sz="1848" b="1"/>
             </a:lvl7pPr>
-            <a:lvl8pPr marL="3200400" indent="0">
-              <a:buNone/>
-              <a:defRPr sz="1600" b="1"/>
+            <a:lvl8pPr marL="3696142" indent="0">
+              <a:buNone/>
+              <a:defRPr sz="1848" b="1"/>
             </a:lvl8pPr>
-            <a:lvl9pPr marL="3657600" indent="0">
-              <a:buNone/>
-              <a:defRPr sz="1600" b="1"/>
+            <a:lvl9pPr marL="4224162" indent="0">
+              <a:buNone/>
+              <a:defRPr sz="1848" b="1"/>
             </a:lvl9pPr>
           </a:lstStyle>
           <a:p>
@@ -1743,13 +1547,7 @@
       </p:sp>
       <p:sp>
         <p:nvSpPr>
-          <p:cNvPr id="6" name="Inhaltsplatzhalter 5">
-            <a:extLst>
-              <a:ext uri="{FF2B5EF4-FFF2-40B4-BE49-F238E27FC236}">
-                <a16:creationId xmlns:a16="http://schemas.microsoft.com/office/drawing/2014/main" id="{2C52D37C-3C39-6869-7DBB-E9469776D205}"/>
-              </a:ext>
-            </a:extLst>
-          </p:cNvPr>
+          <p:cNvPr id="6" name="Content Placeholder 5"/>
           <p:cNvSpPr>
             <a:spLocks noGrp="1"/>
           </p:cNvSpPr>
@@ -1759,8 +1557,8 @@
         </p:nvSpPr>
         <p:spPr>
           <a:xfrm>
-            <a:off x="6172200" y="2505075"/>
-            <a:ext cx="5183188" cy="3684588"/>
+            <a:off x="5467381" y="2893014"/>
+            <a:ext cx="4591306" cy="4255188"/>
           </a:xfrm>
         </p:spPr>
         <p:txBody>
@@ -1800,18 +1598,13 @@
               <a:rPr lang="de-DE"/>
               <a:t>Fünfte Ebene</a:t>
             </a:r>
-          </a:p>
-        </p:txBody>
-      </p:sp>
-      <p:sp>
-        <p:nvSpPr>
-          <p:cNvPr id="7" name="Datumsplatzhalter 6">
-            <a:extLst>
-              <a:ext uri="{FF2B5EF4-FFF2-40B4-BE49-F238E27FC236}">
-                <a16:creationId xmlns:a16="http://schemas.microsoft.com/office/drawing/2014/main" id="{0CCAE057-52E2-84AA-3750-F592609AF3F8}"/>
-              </a:ext>
-            </a:extLst>
-          </p:cNvPr>
+            <a:endParaRPr lang="en-US" dirty="0"/>
+          </a:p>
+        </p:txBody>
+      </p:sp>
+      <p:sp>
+        <p:nvSpPr>
+          <p:cNvPr id="7" name="Date Placeholder 6"/>
           <p:cNvSpPr>
             <a:spLocks noGrp="1"/>
           </p:cNvSpPr>
@@ -1826,7 +1619,7 @@
           <a:p>
             <a:fld id="{747FE99C-B6B2-4F84-BF3A-0009E28C1CAC}" type="datetimeFigureOut">
               <a:rPr lang="de-DE" smtClean="0"/>
-              <a:t>24.01.2025</a:t>
+              <a:t>27.01.2025</a:t>
             </a:fld>
             <a:endParaRPr lang="de-DE"/>
           </a:p>
@@ -1834,13 +1627,7 @@
       </p:sp>
       <p:sp>
         <p:nvSpPr>
-          <p:cNvPr id="8" name="Fußzeilenplatzhalter 7">
-            <a:extLst>
-              <a:ext uri="{FF2B5EF4-FFF2-40B4-BE49-F238E27FC236}">
-                <a16:creationId xmlns:a16="http://schemas.microsoft.com/office/drawing/2014/main" id="{54941DB5-0A64-456D-B89C-522E3326AFA0}"/>
-              </a:ext>
-            </a:extLst>
-          </p:cNvPr>
+          <p:cNvPr id="8" name="Footer Placeholder 7"/>
           <p:cNvSpPr>
             <a:spLocks noGrp="1"/>
           </p:cNvSpPr>
@@ -1859,13 +1646,7 @@
       </p:sp>
       <p:sp>
         <p:nvSpPr>
-          <p:cNvPr id="9" name="Foliennummernplatzhalter 8">
-            <a:extLst>
-              <a:ext uri="{FF2B5EF4-FFF2-40B4-BE49-F238E27FC236}">
-                <a16:creationId xmlns:a16="http://schemas.microsoft.com/office/drawing/2014/main" id="{05C5C2AA-CD74-AA16-5775-866596C1DE89}"/>
-              </a:ext>
-            </a:extLst>
-          </p:cNvPr>
+          <p:cNvPr id="9" name="Slide Number Placeholder 8"/>
           <p:cNvSpPr>
             <a:spLocks noGrp="1"/>
           </p:cNvSpPr>
@@ -1889,7 +1670,7 @@
     </p:spTree>
     <p:extLst>
       <p:ext uri="{BB962C8B-B14F-4D97-AF65-F5344CB8AC3E}">
-        <p14:creationId xmlns:p14="http://schemas.microsoft.com/office/powerpoint/2010/main" val="1519755996"/>
+        <p14:creationId xmlns:p14="http://schemas.microsoft.com/office/powerpoint/2010/main" val="1817470526"/>
       </p:ext>
     </p:extLst>
   </p:cSld>
@@ -1918,13 +1699,7 @@
       </p:grpSpPr>
       <p:sp>
         <p:nvSpPr>
-          <p:cNvPr id="2" name="Titel 1">
-            <a:extLst>
-              <a:ext uri="{FF2B5EF4-FFF2-40B4-BE49-F238E27FC236}">
-                <a16:creationId xmlns:a16="http://schemas.microsoft.com/office/drawing/2014/main" id="{A33F1EDD-CA83-380E-485F-13651851B6ED}"/>
-              </a:ext>
-            </a:extLst>
-          </p:cNvPr>
+          <p:cNvPr id="2" name="Title 1"/>
           <p:cNvSpPr>
             <a:spLocks noGrp="1"/>
           </p:cNvSpPr>
@@ -1941,18 +1716,13 @@
               <a:rPr lang="de-DE"/>
               <a:t>Mastertitelformat bearbeiten</a:t>
             </a:r>
-          </a:p>
-        </p:txBody>
-      </p:sp>
-      <p:sp>
-        <p:nvSpPr>
-          <p:cNvPr id="3" name="Datumsplatzhalter 2">
-            <a:extLst>
-              <a:ext uri="{FF2B5EF4-FFF2-40B4-BE49-F238E27FC236}">
-                <a16:creationId xmlns:a16="http://schemas.microsoft.com/office/drawing/2014/main" id="{C8915413-93D8-4A40-3A3E-7F7179FB67DA}"/>
-              </a:ext>
-            </a:extLst>
-          </p:cNvPr>
+            <a:endParaRPr lang="en-US" dirty="0"/>
+          </a:p>
+        </p:txBody>
+      </p:sp>
+      <p:sp>
+        <p:nvSpPr>
+          <p:cNvPr id="3" name="Date Placeholder 2"/>
           <p:cNvSpPr>
             <a:spLocks noGrp="1"/>
           </p:cNvSpPr>
@@ -1967,7 +1737,7 @@
           <a:p>
             <a:fld id="{747FE99C-B6B2-4F84-BF3A-0009E28C1CAC}" type="datetimeFigureOut">
               <a:rPr lang="de-DE" smtClean="0"/>
-              <a:t>24.01.2025</a:t>
+              <a:t>27.01.2025</a:t>
             </a:fld>
             <a:endParaRPr lang="de-DE"/>
           </a:p>
@@ -1975,13 +1745,7 @@
       </p:sp>
       <p:sp>
         <p:nvSpPr>
-          <p:cNvPr id="4" name="Fußzeilenplatzhalter 3">
-            <a:extLst>
-              <a:ext uri="{FF2B5EF4-FFF2-40B4-BE49-F238E27FC236}">
-                <a16:creationId xmlns:a16="http://schemas.microsoft.com/office/drawing/2014/main" id="{9B882E40-A1CA-23E9-BB3D-A1DDD7E5D828}"/>
-              </a:ext>
-            </a:extLst>
-          </p:cNvPr>
+          <p:cNvPr id="4" name="Footer Placeholder 3"/>
           <p:cNvSpPr>
             <a:spLocks noGrp="1"/>
           </p:cNvSpPr>
@@ -2000,13 +1764,7 @@
       </p:sp>
       <p:sp>
         <p:nvSpPr>
-          <p:cNvPr id="5" name="Foliennummernplatzhalter 4">
-            <a:extLst>
-              <a:ext uri="{FF2B5EF4-FFF2-40B4-BE49-F238E27FC236}">
-                <a16:creationId xmlns:a16="http://schemas.microsoft.com/office/drawing/2014/main" id="{F75B9E6F-820C-06F1-AB02-0A4F13673EEA}"/>
-              </a:ext>
-            </a:extLst>
-          </p:cNvPr>
+          <p:cNvPr id="5" name="Slide Number Placeholder 4"/>
           <p:cNvSpPr>
             <a:spLocks noGrp="1"/>
           </p:cNvSpPr>
@@ -2030,7 +1788,7 @@
     </p:spTree>
     <p:extLst>
       <p:ext uri="{BB962C8B-B14F-4D97-AF65-F5344CB8AC3E}">
-        <p14:creationId xmlns:p14="http://schemas.microsoft.com/office/powerpoint/2010/main" val="1228775092"/>
+        <p14:creationId xmlns:p14="http://schemas.microsoft.com/office/powerpoint/2010/main" val="582960143"/>
       </p:ext>
     </p:extLst>
   </p:cSld>
@@ -2059,13 +1817,7 @@
       </p:grpSpPr>
       <p:sp>
         <p:nvSpPr>
-          <p:cNvPr id="2" name="Datumsplatzhalter 1">
-            <a:extLst>
-              <a:ext uri="{FF2B5EF4-FFF2-40B4-BE49-F238E27FC236}">
-                <a16:creationId xmlns:a16="http://schemas.microsoft.com/office/drawing/2014/main" id="{0AE8A621-DB1C-36F2-BB33-523E8628C8D1}"/>
-              </a:ext>
-            </a:extLst>
-          </p:cNvPr>
+          <p:cNvPr id="2" name="Date Placeholder 1"/>
           <p:cNvSpPr>
             <a:spLocks noGrp="1"/>
           </p:cNvSpPr>
@@ -2080,7 +1832,7 @@
           <a:p>
             <a:fld id="{747FE99C-B6B2-4F84-BF3A-0009E28C1CAC}" type="datetimeFigureOut">
               <a:rPr lang="de-DE" smtClean="0"/>
-              <a:t>24.01.2025</a:t>
+              <a:t>27.01.2025</a:t>
             </a:fld>
             <a:endParaRPr lang="de-DE"/>
           </a:p>
@@ -2088,13 +1840,7 @@
       </p:sp>
       <p:sp>
         <p:nvSpPr>
-          <p:cNvPr id="3" name="Fußzeilenplatzhalter 2">
-            <a:extLst>
-              <a:ext uri="{FF2B5EF4-FFF2-40B4-BE49-F238E27FC236}">
-                <a16:creationId xmlns:a16="http://schemas.microsoft.com/office/drawing/2014/main" id="{DA0F292B-7D06-68C7-2BE9-F77B2CC07655}"/>
-              </a:ext>
-            </a:extLst>
-          </p:cNvPr>
+          <p:cNvPr id="3" name="Footer Placeholder 2"/>
           <p:cNvSpPr>
             <a:spLocks noGrp="1"/>
           </p:cNvSpPr>
@@ -2113,13 +1859,7 @@
       </p:sp>
       <p:sp>
         <p:nvSpPr>
-          <p:cNvPr id="4" name="Foliennummernplatzhalter 3">
-            <a:extLst>
-              <a:ext uri="{FF2B5EF4-FFF2-40B4-BE49-F238E27FC236}">
-                <a16:creationId xmlns:a16="http://schemas.microsoft.com/office/drawing/2014/main" id="{0F93AE3F-8971-55AC-0C66-7B297BD9C85A}"/>
-              </a:ext>
-            </a:extLst>
-          </p:cNvPr>
+          <p:cNvPr id="4" name="Slide Number Placeholder 3"/>
           <p:cNvSpPr>
             <a:spLocks noGrp="1"/>
           </p:cNvSpPr>
@@ -2143,7 +1883,7 @@
     </p:spTree>
     <p:extLst>
       <p:ext uri="{BB962C8B-B14F-4D97-AF65-F5344CB8AC3E}">
-        <p14:creationId xmlns:p14="http://schemas.microsoft.com/office/powerpoint/2010/main" val="3700591795"/>
+        <p14:creationId xmlns:p14="http://schemas.microsoft.com/office/powerpoint/2010/main" val="3016265567"/>
       </p:ext>
     </p:extLst>
   </p:cSld>
@@ -2172,13 +1912,7 @@
       </p:grpSpPr>
       <p:sp>
         <p:nvSpPr>
-          <p:cNvPr id="2" name="Titel 1">
-            <a:extLst>
-              <a:ext uri="{FF2B5EF4-FFF2-40B4-BE49-F238E27FC236}">
-                <a16:creationId xmlns:a16="http://schemas.microsoft.com/office/drawing/2014/main" id="{EA7F2A2D-0F40-3495-BBA8-A25B161C2D4A}"/>
-              </a:ext>
-            </a:extLst>
-          </p:cNvPr>
+          <p:cNvPr id="2" name="Title 1"/>
           <p:cNvSpPr>
             <a:spLocks noGrp="1"/>
           </p:cNvSpPr>
@@ -2188,15 +1922,15 @@
         </p:nvSpPr>
         <p:spPr>
           <a:xfrm>
-            <a:off x="839788" y="457200"/>
-            <a:ext cx="3932237" cy="1600200"/>
+            <a:off x="743890" y="528002"/>
+            <a:ext cx="3483205" cy="1848009"/>
           </a:xfrm>
         </p:spPr>
         <p:txBody>
           <a:bodyPr anchor="b"/>
           <a:lstStyle>
             <a:lvl1pPr>
-              <a:defRPr sz="3200"/>
+              <a:defRPr sz="3696"/>
             </a:lvl1pPr>
           </a:lstStyle>
           <a:p>
@@ -2204,18 +1938,13 @@
               <a:rPr lang="de-DE"/>
               <a:t>Mastertitelformat bearbeiten</a:t>
             </a:r>
-          </a:p>
-        </p:txBody>
-      </p:sp>
-      <p:sp>
-        <p:nvSpPr>
-          <p:cNvPr id="3" name="Inhaltsplatzhalter 2">
-            <a:extLst>
-              <a:ext uri="{FF2B5EF4-FFF2-40B4-BE49-F238E27FC236}">
-                <a16:creationId xmlns:a16="http://schemas.microsoft.com/office/drawing/2014/main" id="{0BD86350-B285-1961-7163-20993167FBD4}"/>
-              </a:ext>
-            </a:extLst>
-          </p:cNvPr>
+            <a:endParaRPr lang="en-US" dirty="0"/>
+          </a:p>
+        </p:txBody>
+      </p:sp>
+      <p:sp>
+        <p:nvSpPr>
+          <p:cNvPr id="3" name="Content Placeholder 2"/>
           <p:cNvSpPr>
             <a:spLocks noGrp="1"/>
           </p:cNvSpPr>
@@ -2225,39 +1954,39 @@
         </p:nvSpPr>
         <p:spPr>
           <a:xfrm>
-            <a:off x="5183188" y="987425"/>
-            <a:ext cx="6172200" cy="4873625"/>
+            <a:off x="4591306" y="1140341"/>
+            <a:ext cx="5467380" cy="5628360"/>
           </a:xfrm>
         </p:spPr>
         <p:txBody>
           <a:bodyPr/>
           <a:lstStyle>
             <a:lvl1pPr>
-              <a:defRPr sz="3200"/>
+              <a:defRPr sz="3696"/>
             </a:lvl1pPr>
             <a:lvl2pPr>
-              <a:defRPr sz="2800"/>
+              <a:defRPr sz="3234"/>
             </a:lvl2pPr>
             <a:lvl3pPr>
-              <a:defRPr sz="2400"/>
+              <a:defRPr sz="2772"/>
             </a:lvl3pPr>
             <a:lvl4pPr>
-              <a:defRPr sz="2000"/>
+              <a:defRPr sz="2310"/>
             </a:lvl4pPr>
             <a:lvl5pPr>
-              <a:defRPr sz="2000"/>
+              <a:defRPr sz="2310"/>
             </a:lvl5pPr>
             <a:lvl6pPr>
-              <a:defRPr sz="2000"/>
+              <a:defRPr sz="2310"/>
             </a:lvl6pPr>
             <a:lvl7pPr>
-              <a:defRPr sz="2000"/>
+              <a:defRPr sz="2310"/>
             </a:lvl7pPr>
             <a:lvl8pPr>
-              <a:defRPr sz="2000"/>
+              <a:defRPr sz="2310"/>
             </a:lvl8pPr>
             <a:lvl9pPr>
-              <a:defRPr sz="2000"/>
+              <a:defRPr sz="2310"/>
             </a:lvl9pPr>
           </a:lstStyle>
           <a:p>
@@ -2294,18 +2023,13 @@
               <a:rPr lang="de-DE"/>
               <a:t>Fünfte Ebene</a:t>
             </a:r>
-          </a:p>
-        </p:txBody>
-      </p:sp>
-      <p:sp>
-        <p:nvSpPr>
-          <p:cNvPr id="4" name="Textplatzhalter 3">
-            <a:extLst>
-              <a:ext uri="{FF2B5EF4-FFF2-40B4-BE49-F238E27FC236}">
-                <a16:creationId xmlns:a16="http://schemas.microsoft.com/office/drawing/2014/main" id="{4C022CA2-0548-CC85-CF9B-F72E833CBA6F}"/>
-              </a:ext>
-            </a:extLst>
-          </p:cNvPr>
+            <a:endParaRPr lang="en-US" dirty="0"/>
+          </a:p>
+        </p:txBody>
+      </p:sp>
+      <p:sp>
+        <p:nvSpPr>
+          <p:cNvPr id="4" name="Text Placeholder 3"/>
           <p:cNvSpPr>
             <a:spLocks noGrp="1"/>
           </p:cNvSpPr>
@@ -2315,8 +2039,8 @@
         </p:nvSpPr>
         <p:spPr>
           <a:xfrm>
-            <a:off x="839788" y="2057400"/>
-            <a:ext cx="3932237" cy="3811588"/>
+            <a:off x="743890" y="2376011"/>
+            <a:ext cx="3483205" cy="4401855"/>
           </a:xfrm>
         </p:spPr>
         <p:txBody>
@@ -2324,39 +2048,39 @@
           <a:lstStyle>
             <a:lvl1pPr marL="0" indent="0">
               <a:buNone/>
-              <a:defRPr sz="1600"/>
+              <a:defRPr sz="1848"/>
             </a:lvl1pPr>
-            <a:lvl2pPr marL="457200" indent="0">
-              <a:buNone/>
-              <a:defRPr sz="1400"/>
+            <a:lvl2pPr marL="528020" indent="0">
+              <a:buNone/>
+              <a:defRPr sz="1617"/>
             </a:lvl2pPr>
-            <a:lvl3pPr marL="914400" indent="0">
-              <a:buNone/>
-              <a:defRPr sz="1200"/>
+            <a:lvl3pPr marL="1056041" indent="0">
+              <a:buNone/>
+              <a:defRPr sz="1386"/>
             </a:lvl3pPr>
-            <a:lvl4pPr marL="1371600" indent="0">
-              <a:buNone/>
-              <a:defRPr sz="1000"/>
+            <a:lvl4pPr marL="1584061" indent="0">
+              <a:buNone/>
+              <a:defRPr sz="1155"/>
             </a:lvl4pPr>
-            <a:lvl5pPr marL="1828800" indent="0">
-              <a:buNone/>
-              <a:defRPr sz="1000"/>
+            <a:lvl5pPr marL="2112081" indent="0">
+              <a:buNone/>
+              <a:defRPr sz="1155"/>
             </a:lvl5pPr>
-            <a:lvl6pPr marL="2286000" indent="0">
-              <a:buNone/>
-              <a:defRPr sz="1000"/>
+            <a:lvl6pPr marL="2640101" indent="0">
+              <a:buNone/>
+              <a:defRPr sz="1155"/>
             </a:lvl6pPr>
-            <a:lvl7pPr marL="2743200" indent="0">
-              <a:buNone/>
-              <a:defRPr sz="1000"/>
+            <a:lvl7pPr marL="3168122" indent="0">
+              <a:buNone/>
+              <a:defRPr sz="1155"/>
             </a:lvl7pPr>
-            <a:lvl8pPr marL="3200400" indent="0">
-              <a:buNone/>
-              <a:defRPr sz="1000"/>
+            <a:lvl8pPr marL="3696142" indent="0">
+              <a:buNone/>
+              <a:defRPr sz="1155"/>
             </a:lvl8pPr>
-            <a:lvl9pPr marL="3657600" indent="0">
-              <a:buNone/>
-              <a:defRPr sz="1000"/>
+            <a:lvl9pPr marL="4224162" indent="0">
+              <a:buNone/>
+              <a:defRPr sz="1155"/>
             </a:lvl9pPr>
           </a:lstStyle>
           <a:p>
@@ -2370,13 +2094,7 @@
       </p:sp>
       <p:sp>
         <p:nvSpPr>
-          <p:cNvPr id="5" name="Datumsplatzhalter 4">
-            <a:extLst>
-              <a:ext uri="{FF2B5EF4-FFF2-40B4-BE49-F238E27FC236}">
-                <a16:creationId xmlns:a16="http://schemas.microsoft.com/office/drawing/2014/main" id="{18150397-EB00-2F7F-DB6F-DDD25A108023}"/>
-              </a:ext>
-            </a:extLst>
-          </p:cNvPr>
+          <p:cNvPr id="5" name="Date Placeholder 4"/>
           <p:cNvSpPr>
             <a:spLocks noGrp="1"/>
           </p:cNvSpPr>
@@ -2391,7 +2109,7 @@
           <a:p>
             <a:fld id="{747FE99C-B6B2-4F84-BF3A-0009E28C1CAC}" type="datetimeFigureOut">
               <a:rPr lang="de-DE" smtClean="0"/>
-              <a:t>24.01.2025</a:t>
+              <a:t>27.01.2025</a:t>
             </a:fld>
             <a:endParaRPr lang="de-DE"/>
           </a:p>
@@ -2399,13 +2117,7 @@
       </p:sp>
       <p:sp>
         <p:nvSpPr>
-          <p:cNvPr id="6" name="Fußzeilenplatzhalter 5">
-            <a:extLst>
-              <a:ext uri="{FF2B5EF4-FFF2-40B4-BE49-F238E27FC236}">
-                <a16:creationId xmlns:a16="http://schemas.microsoft.com/office/drawing/2014/main" id="{24295ED6-960F-2908-B451-35ABAA7E4BA6}"/>
-              </a:ext>
-            </a:extLst>
-          </p:cNvPr>
+          <p:cNvPr id="6" name="Footer Placeholder 5"/>
           <p:cNvSpPr>
             <a:spLocks noGrp="1"/>
           </p:cNvSpPr>
@@ -2424,13 +2136,7 @@
       </p:sp>
       <p:sp>
         <p:nvSpPr>
-          <p:cNvPr id="7" name="Foliennummernplatzhalter 6">
-            <a:extLst>
-              <a:ext uri="{FF2B5EF4-FFF2-40B4-BE49-F238E27FC236}">
-                <a16:creationId xmlns:a16="http://schemas.microsoft.com/office/drawing/2014/main" id="{56E088D2-D0A6-B375-BD6D-D138453AEA5D}"/>
-              </a:ext>
-            </a:extLst>
-          </p:cNvPr>
+          <p:cNvPr id="7" name="Slide Number Placeholder 6"/>
           <p:cNvSpPr>
             <a:spLocks noGrp="1"/>
           </p:cNvSpPr>
@@ -2454,7 +2160,7 @@
     </p:spTree>
     <p:extLst>
       <p:ext uri="{BB962C8B-B14F-4D97-AF65-F5344CB8AC3E}">
-        <p14:creationId xmlns:p14="http://schemas.microsoft.com/office/powerpoint/2010/main" val="3391341317"/>
+        <p14:creationId xmlns:p14="http://schemas.microsoft.com/office/powerpoint/2010/main" val="3439362453"/>
       </p:ext>
     </p:extLst>
   </p:cSld>
@@ -2483,13 +2189,7 @@
       </p:grpSpPr>
       <p:sp>
         <p:nvSpPr>
-          <p:cNvPr id="2" name="Titel 1">
-            <a:extLst>
-              <a:ext uri="{FF2B5EF4-FFF2-40B4-BE49-F238E27FC236}">
-                <a16:creationId xmlns:a16="http://schemas.microsoft.com/office/drawing/2014/main" id="{C63D9DA9-49A5-F2A3-3437-E82F7D013350}"/>
-              </a:ext>
-            </a:extLst>
-          </p:cNvPr>
+          <p:cNvPr id="2" name="Title 1"/>
           <p:cNvSpPr>
             <a:spLocks noGrp="1"/>
           </p:cNvSpPr>
@@ -2499,15 +2199,15 @@
         </p:nvSpPr>
         <p:spPr>
           <a:xfrm>
-            <a:off x="839788" y="457200"/>
-            <a:ext cx="3932237" cy="1600200"/>
+            <a:off x="743890" y="528002"/>
+            <a:ext cx="3483205" cy="1848009"/>
           </a:xfrm>
         </p:spPr>
         <p:txBody>
           <a:bodyPr anchor="b"/>
           <a:lstStyle>
             <a:lvl1pPr>
-              <a:defRPr sz="3200"/>
+              <a:defRPr sz="3696"/>
             </a:lvl1pPr>
           </a:lstStyle>
           <a:p>
@@ -2515,20 +2215,15 @@
               <a:rPr lang="de-DE"/>
               <a:t>Mastertitelformat bearbeiten</a:t>
             </a:r>
-          </a:p>
-        </p:txBody>
-      </p:sp>
-      <p:sp>
-        <p:nvSpPr>
-          <p:cNvPr id="3" name="Bildplatzhalter 2">
-            <a:extLst>
-              <a:ext uri="{FF2B5EF4-FFF2-40B4-BE49-F238E27FC236}">
-                <a16:creationId xmlns:a16="http://schemas.microsoft.com/office/drawing/2014/main" id="{6B366781-FA3D-14D9-317B-620C2FFEE6DD}"/>
-              </a:ext>
-            </a:extLst>
-          </p:cNvPr>
-          <p:cNvSpPr>
-            <a:spLocks noGrp="1"/>
+            <a:endParaRPr lang="en-US" dirty="0"/>
+          </a:p>
+        </p:txBody>
+      </p:sp>
+      <p:sp>
+        <p:nvSpPr>
+          <p:cNvPr id="3" name="Picture Placeholder 2"/>
+          <p:cNvSpPr>
+            <a:spLocks noGrp="1" noChangeAspect="1"/>
           </p:cNvSpPr>
           <p:nvPr>
             <p:ph type="pic" idx="1"/>
@@ -2536,8 +2231,73 @@
         </p:nvSpPr>
         <p:spPr>
           <a:xfrm>
-            <a:off x="5183188" y="987425"/>
-            <a:ext cx="6172200" cy="4873625"/>
+            <a:off x="4591306" y="1140341"/>
+            <a:ext cx="5467380" cy="5628360"/>
+          </a:xfrm>
+        </p:spPr>
+        <p:txBody>
+          <a:bodyPr anchor="t"/>
+          <a:lstStyle>
+            <a:lvl1pPr marL="0" indent="0">
+              <a:buNone/>
+              <a:defRPr sz="3696"/>
+            </a:lvl1pPr>
+            <a:lvl2pPr marL="528020" indent="0">
+              <a:buNone/>
+              <a:defRPr sz="3234"/>
+            </a:lvl2pPr>
+            <a:lvl3pPr marL="1056041" indent="0">
+              <a:buNone/>
+              <a:defRPr sz="2772"/>
+            </a:lvl3pPr>
+            <a:lvl4pPr marL="1584061" indent="0">
+              <a:buNone/>
+              <a:defRPr sz="2310"/>
+            </a:lvl4pPr>
+            <a:lvl5pPr marL="2112081" indent="0">
+              <a:buNone/>
+              <a:defRPr sz="2310"/>
+            </a:lvl5pPr>
+            <a:lvl6pPr marL="2640101" indent="0">
+              <a:buNone/>
+              <a:defRPr sz="2310"/>
+            </a:lvl6pPr>
+            <a:lvl7pPr marL="3168122" indent="0">
+              <a:buNone/>
+              <a:defRPr sz="2310"/>
+            </a:lvl7pPr>
+            <a:lvl8pPr marL="3696142" indent="0">
+              <a:buNone/>
+              <a:defRPr sz="2310"/>
+            </a:lvl8pPr>
+            <a:lvl9pPr marL="4224162" indent="0">
+              <a:buNone/>
+              <a:defRPr sz="2310"/>
+            </a:lvl9pPr>
+          </a:lstStyle>
+          <a:p>
+            <a:r>
+              <a:rPr lang="de-DE"/>
+              <a:t>Bild durch Klicken auf Symbol hinzufügen</a:t>
+            </a:r>
+            <a:endParaRPr lang="en-US" dirty="0"/>
+          </a:p>
+        </p:txBody>
+      </p:sp>
+      <p:sp>
+        <p:nvSpPr>
+          <p:cNvPr id="4" name="Text Placeholder 3"/>
+          <p:cNvSpPr>
+            <a:spLocks noGrp="1"/>
+          </p:cNvSpPr>
+          <p:nvPr>
+            <p:ph type="body" sz="half" idx="2"/>
+          </p:nvPr>
+        </p:nvSpPr>
+        <p:spPr>
+          <a:xfrm>
+            <a:off x="743890" y="2376011"/>
+            <a:ext cx="3483205" cy="4401855"/>
           </a:xfrm>
         </p:spPr>
         <p:txBody>
@@ -2545,109 +2305,42 @@
           <a:lstStyle>
             <a:lvl1pPr marL="0" indent="0">
               <a:buNone/>
-              <a:defRPr sz="3200"/>
+              <a:defRPr sz="1848"/>
             </a:lvl1pPr>
-            <a:lvl2pPr marL="457200" indent="0">
-              <a:buNone/>
-              <a:defRPr sz="2800"/>
+            <a:lvl2pPr marL="528020" indent="0">
+              <a:buNone/>
+              <a:defRPr sz="1617"/>
             </a:lvl2pPr>
-            <a:lvl3pPr marL="914400" indent="0">
-              <a:buNone/>
-              <a:defRPr sz="2400"/>
+            <a:lvl3pPr marL="1056041" indent="0">
+              <a:buNone/>
+              <a:defRPr sz="1386"/>
             </a:lvl3pPr>
-            <a:lvl4pPr marL="1371600" indent="0">
-              <a:buNone/>
-              <a:defRPr sz="2000"/>
+            <a:lvl4pPr marL="1584061" indent="0">
+              <a:buNone/>
+              <a:defRPr sz="1155"/>
             </a:lvl4pPr>
-            <a:lvl5pPr marL="1828800" indent="0">
-              <a:buNone/>
-              <a:defRPr sz="2000"/>
+            <a:lvl5pPr marL="2112081" indent="0">
+              <a:buNone/>
+              <a:defRPr sz="1155"/>
             </a:lvl5pPr>
-            <a:lvl6pPr marL="2286000" indent="0">
-              <a:buNone/>
-              <a:defRPr sz="2000"/>
+            <a:lvl6pPr marL="2640101" indent="0">
+              <a:buNone/>
+              <a:defRPr sz="1155"/>
             </a:lvl6pPr>
-            <a:lvl7pPr marL="2743200" indent="0">
-              <a:buNone/>
-              <a:defRPr sz="2000"/>
+            <a:lvl7pPr marL="3168122" indent="0">
+              <a:buNone/>
+              <a:defRPr sz="1155"/>
             </a:lvl7pPr>
-            <a:lvl8pPr marL="3200400" indent="0">
-              <a:buNone/>
-              <a:defRPr sz="2000"/>
+            <a:lvl8pPr marL="3696142" indent="0">
+              <a:buNone/>
+              <a:defRPr sz="1155"/>
             </a:lvl8pPr>
-            <a:lvl9pPr marL="3657600" indent="0">
-              <a:buNone/>
-              <a:defRPr sz="2000"/>
+            <a:lvl9pPr marL="4224162" indent="0">
+              <a:buNone/>
+              <a:defRPr sz="1155"/>
             </a:lvl9pPr>
           </a:lstStyle>
           <a:p>
-            <a:endParaRPr lang="de-DE"/>
-          </a:p>
-        </p:txBody>
-      </p:sp>
-      <p:sp>
-        <p:nvSpPr>
-          <p:cNvPr id="4" name="Textplatzhalter 3">
-            <a:extLst>
-              <a:ext uri="{FF2B5EF4-FFF2-40B4-BE49-F238E27FC236}">
-                <a16:creationId xmlns:a16="http://schemas.microsoft.com/office/drawing/2014/main" id="{565CCB8B-8318-FF88-B276-B4D2B73CD585}"/>
-              </a:ext>
-            </a:extLst>
-          </p:cNvPr>
-          <p:cNvSpPr>
-            <a:spLocks noGrp="1"/>
-          </p:cNvSpPr>
-          <p:nvPr>
-            <p:ph type="body" sz="half" idx="2"/>
-          </p:nvPr>
-        </p:nvSpPr>
-        <p:spPr>
-          <a:xfrm>
-            <a:off x="839788" y="2057400"/>
-            <a:ext cx="3932237" cy="3811588"/>
-          </a:xfrm>
-        </p:spPr>
-        <p:txBody>
-          <a:bodyPr/>
-          <a:lstStyle>
-            <a:lvl1pPr marL="0" indent="0">
-              <a:buNone/>
-              <a:defRPr sz="1600"/>
-            </a:lvl1pPr>
-            <a:lvl2pPr marL="457200" indent="0">
-              <a:buNone/>
-              <a:defRPr sz="1400"/>
-            </a:lvl2pPr>
-            <a:lvl3pPr marL="914400" indent="0">
-              <a:buNone/>
-              <a:defRPr sz="1200"/>
-            </a:lvl3pPr>
-            <a:lvl4pPr marL="1371600" indent="0">
-              <a:buNone/>
-              <a:defRPr sz="1000"/>
-            </a:lvl4pPr>
-            <a:lvl5pPr marL="1828800" indent="0">
-              <a:buNone/>
-              <a:defRPr sz="1000"/>
-            </a:lvl5pPr>
-            <a:lvl6pPr marL="2286000" indent="0">
-              <a:buNone/>
-              <a:defRPr sz="1000"/>
-            </a:lvl6pPr>
-            <a:lvl7pPr marL="2743200" indent="0">
-              <a:buNone/>
-              <a:defRPr sz="1000"/>
-            </a:lvl7pPr>
-            <a:lvl8pPr marL="3200400" indent="0">
-              <a:buNone/>
-              <a:defRPr sz="1000"/>
-            </a:lvl8pPr>
-            <a:lvl9pPr marL="3657600" indent="0">
-              <a:buNone/>
-              <a:defRPr sz="1000"/>
-            </a:lvl9pPr>
-          </a:lstStyle>
-          <a:p>
             <a:pPr lvl="0"/>
             <a:r>
               <a:rPr lang="de-DE"/>
@@ -2658,13 +2351,7 @@
       </p:sp>
       <p:sp>
         <p:nvSpPr>
-          <p:cNvPr id="5" name="Datumsplatzhalter 4">
-            <a:extLst>
-              <a:ext uri="{FF2B5EF4-FFF2-40B4-BE49-F238E27FC236}">
-                <a16:creationId xmlns:a16="http://schemas.microsoft.com/office/drawing/2014/main" id="{F335924D-8BFC-9C25-2CA8-0E7E2BEBA200}"/>
-              </a:ext>
-            </a:extLst>
-          </p:cNvPr>
+          <p:cNvPr id="5" name="Date Placeholder 4"/>
           <p:cNvSpPr>
             <a:spLocks noGrp="1"/>
           </p:cNvSpPr>
@@ -2679,7 +2366,7 @@
           <a:p>
             <a:fld id="{747FE99C-B6B2-4F84-BF3A-0009E28C1CAC}" type="datetimeFigureOut">
               <a:rPr lang="de-DE" smtClean="0"/>
-              <a:t>24.01.2025</a:t>
+              <a:t>27.01.2025</a:t>
             </a:fld>
             <a:endParaRPr lang="de-DE"/>
           </a:p>
@@ -2687,13 +2374,7 @@
       </p:sp>
       <p:sp>
         <p:nvSpPr>
-          <p:cNvPr id="6" name="Fußzeilenplatzhalter 5">
-            <a:extLst>
-              <a:ext uri="{FF2B5EF4-FFF2-40B4-BE49-F238E27FC236}">
-                <a16:creationId xmlns:a16="http://schemas.microsoft.com/office/drawing/2014/main" id="{4EB0D814-7919-B210-76BC-06CDE7790481}"/>
-              </a:ext>
-            </a:extLst>
-          </p:cNvPr>
+          <p:cNvPr id="6" name="Footer Placeholder 5"/>
           <p:cNvSpPr>
             <a:spLocks noGrp="1"/>
           </p:cNvSpPr>
@@ -2712,13 +2393,7 @@
       </p:sp>
       <p:sp>
         <p:nvSpPr>
-          <p:cNvPr id="7" name="Foliennummernplatzhalter 6">
-            <a:extLst>
-              <a:ext uri="{FF2B5EF4-FFF2-40B4-BE49-F238E27FC236}">
-                <a16:creationId xmlns:a16="http://schemas.microsoft.com/office/drawing/2014/main" id="{E9D2AA73-BCA5-88CA-0F14-DDBC97C8DD52}"/>
-              </a:ext>
-            </a:extLst>
-          </p:cNvPr>
+          <p:cNvPr id="7" name="Slide Number Placeholder 6"/>
           <p:cNvSpPr>
             <a:spLocks noGrp="1"/>
           </p:cNvSpPr>
@@ -2742,7 +2417,7 @@
     </p:spTree>
     <p:extLst>
       <p:ext uri="{BB962C8B-B14F-4D97-AF65-F5344CB8AC3E}">
-        <p14:creationId xmlns:p14="http://schemas.microsoft.com/office/powerpoint/2010/main" val="3544461515"/>
+        <p14:creationId xmlns:p14="http://schemas.microsoft.com/office/powerpoint/2010/main" val="2493293660"/>
       </p:ext>
     </p:extLst>
   </p:cSld>
@@ -2776,13 +2451,7 @@
       </p:grpSpPr>
       <p:sp>
         <p:nvSpPr>
-          <p:cNvPr id="2" name="Titelplatzhalter 1">
-            <a:extLst>
-              <a:ext uri="{FF2B5EF4-FFF2-40B4-BE49-F238E27FC236}">
-                <a16:creationId xmlns:a16="http://schemas.microsoft.com/office/drawing/2014/main" id="{20214321-BA94-1E13-854B-097421767198}"/>
-              </a:ext>
-            </a:extLst>
-          </p:cNvPr>
+          <p:cNvPr id="2" name="Title Placeholder 1"/>
           <p:cNvSpPr>
             <a:spLocks noGrp="1"/>
           </p:cNvSpPr>
@@ -2792,8 +2461,8 @@
         </p:nvSpPr>
         <p:spPr>
           <a:xfrm>
-            <a:off x="838200" y="365125"/>
-            <a:ext cx="10515600" cy="1325563"/>
+            <a:off x="742484" y="421671"/>
+            <a:ext cx="9314796" cy="1530841"/>
           </a:xfrm>
           <a:prstGeom prst="rect">
             <a:avLst/>
@@ -2809,18 +2478,13 @@
               <a:rPr lang="de-DE"/>
               <a:t>Mastertitelformat bearbeiten</a:t>
             </a:r>
-          </a:p>
-        </p:txBody>
-      </p:sp>
-      <p:sp>
-        <p:nvSpPr>
-          <p:cNvPr id="3" name="Textplatzhalter 2">
-            <a:extLst>
-              <a:ext uri="{FF2B5EF4-FFF2-40B4-BE49-F238E27FC236}">
-                <a16:creationId xmlns:a16="http://schemas.microsoft.com/office/drawing/2014/main" id="{8A93F7EB-36DA-0465-9F18-AC8C25F7026B}"/>
-              </a:ext>
-            </a:extLst>
-          </p:cNvPr>
+            <a:endParaRPr lang="en-US" dirty="0"/>
+          </a:p>
+        </p:txBody>
+      </p:sp>
+      <p:sp>
+        <p:nvSpPr>
+          <p:cNvPr id="3" name="Text Placeholder 2"/>
           <p:cNvSpPr>
             <a:spLocks noGrp="1"/>
           </p:cNvSpPr>
@@ -2830,8 +2494,8 @@
         </p:nvSpPr>
         <p:spPr>
           <a:xfrm>
-            <a:off x="838200" y="1825625"/>
-            <a:ext cx="10515600" cy="4351338"/>
+            <a:off x="742484" y="2108344"/>
+            <a:ext cx="9314796" cy="5025191"/>
           </a:xfrm>
           <a:prstGeom prst="rect">
             <a:avLst/>
@@ -2876,18 +2540,13 @@
               <a:rPr lang="de-DE"/>
               <a:t>Fünfte Ebene</a:t>
             </a:r>
-          </a:p>
-        </p:txBody>
-      </p:sp>
-      <p:sp>
-        <p:nvSpPr>
-          <p:cNvPr id="4" name="Datumsplatzhalter 3">
-            <a:extLst>
-              <a:ext uri="{FF2B5EF4-FFF2-40B4-BE49-F238E27FC236}">
-                <a16:creationId xmlns:a16="http://schemas.microsoft.com/office/drawing/2014/main" id="{48766D89-EE1A-F8CB-A129-BA6BC489B0BE}"/>
-              </a:ext>
-            </a:extLst>
-          </p:cNvPr>
+            <a:endParaRPr lang="en-US" dirty="0"/>
+          </a:p>
+        </p:txBody>
+      </p:sp>
+      <p:sp>
+        <p:nvSpPr>
+          <p:cNvPr id="4" name="Date Placeholder 3"/>
           <p:cNvSpPr>
             <a:spLocks noGrp="1"/>
           </p:cNvSpPr>
@@ -2897,8 +2556,8 @@
         </p:nvSpPr>
         <p:spPr>
           <a:xfrm>
-            <a:off x="838200" y="6356350"/>
-            <a:ext cx="2743200" cy="365125"/>
+            <a:off x="742484" y="7340703"/>
+            <a:ext cx="2429947" cy="421669"/>
           </a:xfrm>
           <a:prstGeom prst="rect">
             <a:avLst/>
@@ -2908,7 +2567,7 @@
           <a:bodyPr vert="horz" lIns="91440" tIns="45720" rIns="91440" bIns="45720" rtlCol="0" anchor="ctr"/>
           <a:lstStyle>
             <a:lvl1pPr algn="l">
-              <a:defRPr sz="1200">
+              <a:defRPr sz="1386">
                 <a:solidFill>
                   <a:schemeClr val="tx1">
                     <a:tint val="82000"/>
@@ -2920,7 +2579,7 @@
           <a:p>
             <a:fld id="{747FE99C-B6B2-4F84-BF3A-0009E28C1CAC}" type="datetimeFigureOut">
               <a:rPr lang="de-DE" smtClean="0"/>
-              <a:t>24.01.2025</a:t>
+              <a:t>27.01.2025</a:t>
             </a:fld>
             <a:endParaRPr lang="de-DE"/>
           </a:p>
@@ -2928,13 +2587,7 @@
       </p:sp>
       <p:sp>
         <p:nvSpPr>
-          <p:cNvPr id="5" name="Fußzeilenplatzhalter 4">
-            <a:extLst>
-              <a:ext uri="{FF2B5EF4-FFF2-40B4-BE49-F238E27FC236}">
-                <a16:creationId xmlns:a16="http://schemas.microsoft.com/office/drawing/2014/main" id="{98A7690D-99FB-2382-AE93-40B7622DCF32}"/>
-              </a:ext>
-            </a:extLst>
-          </p:cNvPr>
+          <p:cNvPr id="5" name="Footer Placeholder 4"/>
           <p:cNvSpPr>
             <a:spLocks noGrp="1"/>
           </p:cNvSpPr>
@@ -2944,8 +2597,8 @@
         </p:nvSpPr>
         <p:spPr>
           <a:xfrm>
-            <a:off x="4038600" y="6356350"/>
-            <a:ext cx="4114800" cy="365125"/>
+            <a:off x="3577422" y="7340703"/>
+            <a:ext cx="3644920" cy="421669"/>
           </a:xfrm>
           <a:prstGeom prst="rect">
             <a:avLst/>
@@ -2955,7 +2608,7 @@
           <a:bodyPr vert="horz" lIns="91440" tIns="45720" rIns="91440" bIns="45720" rtlCol="0" anchor="ctr"/>
           <a:lstStyle>
             <a:lvl1pPr algn="ctr">
-              <a:defRPr sz="1200">
+              <a:defRPr sz="1386">
                 <a:solidFill>
                   <a:schemeClr val="tx1">
                     <a:tint val="82000"/>
@@ -2971,13 +2624,7 @@
       </p:sp>
       <p:sp>
         <p:nvSpPr>
-          <p:cNvPr id="6" name="Foliennummernplatzhalter 5">
-            <a:extLst>
-              <a:ext uri="{FF2B5EF4-FFF2-40B4-BE49-F238E27FC236}">
-                <a16:creationId xmlns:a16="http://schemas.microsoft.com/office/drawing/2014/main" id="{161EE901-FC6E-493F-0C71-9E29705DE3C4}"/>
-              </a:ext>
-            </a:extLst>
-          </p:cNvPr>
+          <p:cNvPr id="6" name="Slide Number Placeholder 5"/>
           <p:cNvSpPr>
             <a:spLocks noGrp="1"/>
           </p:cNvSpPr>
@@ -2987,8 +2634,8 @@
         </p:nvSpPr>
         <p:spPr>
           <a:xfrm>
-            <a:off x="8610600" y="6356350"/>
-            <a:ext cx="2743200" cy="365125"/>
+            <a:off x="7627332" y="7340703"/>
+            <a:ext cx="2429947" cy="421669"/>
           </a:xfrm>
           <a:prstGeom prst="rect">
             <a:avLst/>
@@ -2998,7 +2645,7 @@
           <a:bodyPr vert="horz" lIns="91440" tIns="45720" rIns="91440" bIns="45720" rtlCol="0" anchor="ctr"/>
           <a:lstStyle>
             <a:lvl1pPr algn="r">
-              <a:defRPr sz="1200">
+              <a:defRPr sz="1386">
                 <a:solidFill>
                   <a:schemeClr val="tx1">
                     <a:tint val="82000"/>
@@ -3019,27 +2666,27 @@
     </p:spTree>
     <p:extLst>
       <p:ext uri="{BB962C8B-B14F-4D97-AF65-F5344CB8AC3E}">
-        <p14:creationId xmlns:p14="http://schemas.microsoft.com/office/powerpoint/2010/main" val="3783640044"/>
+        <p14:creationId xmlns:p14="http://schemas.microsoft.com/office/powerpoint/2010/main" val="831419116"/>
       </p:ext>
     </p:extLst>
   </p:cSld>
   <p:clrMap bg1="lt1" tx1="dk1" bg2="lt2" tx2="dk2" accent1="accent1" accent2="accent2" accent3="accent3" accent4="accent4" accent5="accent5" accent6="accent6" hlink="hlink" folHlink="folHlink"/>
   <p:sldLayoutIdLst>
-    <p:sldLayoutId id="2147483649" r:id="rId1"/>
-    <p:sldLayoutId id="2147483650" r:id="rId2"/>
-    <p:sldLayoutId id="2147483651" r:id="rId3"/>
-    <p:sldLayoutId id="2147483652" r:id="rId4"/>
-    <p:sldLayoutId id="2147483653" r:id="rId5"/>
-    <p:sldLayoutId id="2147483654" r:id="rId6"/>
-    <p:sldLayoutId id="2147483655" r:id="rId7"/>
-    <p:sldLayoutId id="2147483656" r:id="rId8"/>
-    <p:sldLayoutId id="2147483657" r:id="rId9"/>
-    <p:sldLayoutId id="2147483658" r:id="rId10"/>
-    <p:sldLayoutId id="2147483659" r:id="rId11"/>
+    <p:sldLayoutId id="2147483673" r:id="rId1"/>
+    <p:sldLayoutId id="2147483674" r:id="rId2"/>
+    <p:sldLayoutId id="2147483675" r:id="rId3"/>
+    <p:sldLayoutId id="2147483676" r:id="rId4"/>
+    <p:sldLayoutId id="2147483677" r:id="rId5"/>
+    <p:sldLayoutId id="2147483678" r:id="rId6"/>
+    <p:sldLayoutId id="2147483679" r:id="rId7"/>
+    <p:sldLayoutId id="2147483680" r:id="rId8"/>
+    <p:sldLayoutId id="2147483681" r:id="rId9"/>
+    <p:sldLayoutId id="2147483682" r:id="rId10"/>
+    <p:sldLayoutId id="2147483683" r:id="rId11"/>
   </p:sldLayoutIdLst>
   <p:txStyles>
     <p:titleStyle>
-      <a:lvl1pPr algn="l" defTabSz="914400" rtl="0" eaLnBrk="1" latinLnBrk="0" hangingPunct="1">
+      <a:lvl1pPr algn="l" defTabSz="1056041" rtl="0" eaLnBrk="1" latinLnBrk="0" hangingPunct="1">
         <a:lnSpc>
           <a:spcPct val="90000"/>
         </a:lnSpc>
@@ -3047,7 +2694,7 @@
           <a:spcPct val="0"/>
         </a:spcBef>
         <a:buNone/>
-        <a:defRPr sz="4400" kern="1200">
+        <a:defRPr sz="5082" kern="1200">
           <a:solidFill>
             <a:schemeClr val="tx1"/>
           </a:solidFill>
@@ -3058,16 +2705,16 @@
       </a:lvl1pPr>
     </p:titleStyle>
     <p:bodyStyle>
-      <a:lvl1pPr marL="228600" indent="-228600" algn="l" defTabSz="914400" rtl="0" eaLnBrk="1" latinLnBrk="0" hangingPunct="1">
+      <a:lvl1pPr marL="264010" indent="-264010" algn="l" defTabSz="1056041" rtl="0" eaLnBrk="1" latinLnBrk="0" hangingPunct="1">
         <a:lnSpc>
           <a:spcPct val="90000"/>
         </a:lnSpc>
         <a:spcBef>
-          <a:spcPts val="1000"/>
+          <a:spcPts val="1155"/>
         </a:spcBef>
         <a:buFont typeface="Arial" panose="020B0604020202020204" pitchFamily="34" charset="0"/>
         <a:buChar char="•"/>
-        <a:defRPr sz="2800" kern="1200">
+        <a:defRPr sz="3234" kern="1200">
           <a:solidFill>
             <a:schemeClr val="tx1"/>
           </a:solidFill>
@@ -3076,16 +2723,16 @@
           <a:cs typeface="+mn-cs"/>
         </a:defRPr>
       </a:lvl1pPr>
-      <a:lvl2pPr marL="685800" indent="-228600" algn="l" defTabSz="914400" rtl="0" eaLnBrk="1" latinLnBrk="0" hangingPunct="1">
+      <a:lvl2pPr marL="792030" indent="-264010" algn="l" defTabSz="1056041" rtl="0" eaLnBrk="1" latinLnBrk="0" hangingPunct="1">
         <a:lnSpc>
           <a:spcPct val="90000"/>
         </a:lnSpc>
         <a:spcBef>
-          <a:spcPts val="500"/>
+          <a:spcPts val="577"/>
         </a:spcBef>
         <a:buFont typeface="Arial" panose="020B0604020202020204" pitchFamily="34" charset="0"/>
         <a:buChar char="•"/>
-        <a:defRPr sz="2400" kern="1200">
+        <a:defRPr sz="2772" kern="1200">
           <a:solidFill>
             <a:schemeClr val="tx1"/>
           </a:solidFill>
@@ -3094,16 +2741,16 @@
           <a:cs typeface="+mn-cs"/>
         </a:defRPr>
       </a:lvl2pPr>
-      <a:lvl3pPr marL="1143000" indent="-228600" algn="l" defTabSz="914400" rtl="0" eaLnBrk="1" latinLnBrk="0" hangingPunct="1">
+      <a:lvl3pPr marL="1320051" indent="-264010" algn="l" defTabSz="1056041" rtl="0" eaLnBrk="1" latinLnBrk="0" hangingPunct="1">
         <a:lnSpc>
           <a:spcPct val="90000"/>
         </a:lnSpc>
         <a:spcBef>
-          <a:spcPts val="500"/>
+          <a:spcPts val="577"/>
         </a:spcBef>
         <a:buFont typeface="Arial" panose="020B0604020202020204" pitchFamily="34" charset="0"/>
         <a:buChar char="•"/>
-        <a:defRPr sz="2000" kern="1200">
+        <a:defRPr sz="2310" kern="1200">
           <a:solidFill>
             <a:schemeClr val="tx1"/>
           </a:solidFill>
@@ -3112,16 +2759,16 @@
           <a:cs typeface="+mn-cs"/>
         </a:defRPr>
       </a:lvl3pPr>
-      <a:lvl4pPr marL="1600200" indent="-228600" algn="l" defTabSz="914400" rtl="0" eaLnBrk="1" latinLnBrk="0" hangingPunct="1">
+      <a:lvl4pPr marL="1848071" indent="-264010" algn="l" defTabSz="1056041" rtl="0" eaLnBrk="1" latinLnBrk="0" hangingPunct="1">
         <a:lnSpc>
           <a:spcPct val="90000"/>
         </a:lnSpc>
         <a:spcBef>
-          <a:spcPts val="500"/>
+          <a:spcPts val="577"/>
         </a:spcBef>
         <a:buFont typeface="Arial" panose="020B0604020202020204" pitchFamily="34" charset="0"/>
         <a:buChar char="•"/>
-        <a:defRPr sz="1800" kern="1200">
+        <a:defRPr sz="2079" kern="1200">
           <a:solidFill>
             <a:schemeClr val="tx1"/>
           </a:solidFill>
@@ -3130,16 +2777,16 @@
           <a:cs typeface="+mn-cs"/>
         </a:defRPr>
       </a:lvl4pPr>
-      <a:lvl5pPr marL="2057400" indent="-228600" algn="l" defTabSz="914400" rtl="0" eaLnBrk="1" latinLnBrk="0" hangingPunct="1">
+      <a:lvl5pPr marL="2376091" indent="-264010" algn="l" defTabSz="1056041" rtl="0" eaLnBrk="1" latinLnBrk="0" hangingPunct="1">
         <a:lnSpc>
           <a:spcPct val="90000"/>
         </a:lnSpc>
         <a:spcBef>
-          <a:spcPts val="500"/>
+          <a:spcPts val="577"/>
         </a:spcBef>
         <a:buFont typeface="Arial" panose="020B0604020202020204" pitchFamily="34" charset="0"/>
         <a:buChar char="•"/>
-        <a:defRPr sz="1800" kern="1200">
+        <a:defRPr sz="2079" kern="1200">
           <a:solidFill>
             <a:schemeClr val="tx1"/>
           </a:solidFill>
@@ -3148,16 +2795,16 @@
           <a:cs typeface="+mn-cs"/>
         </a:defRPr>
       </a:lvl5pPr>
-      <a:lvl6pPr marL="2514600" indent="-228600" algn="l" defTabSz="914400" rtl="0" eaLnBrk="1" latinLnBrk="0" hangingPunct="1">
+      <a:lvl6pPr marL="2904112" indent="-264010" algn="l" defTabSz="1056041" rtl="0" eaLnBrk="1" latinLnBrk="0" hangingPunct="1">
         <a:lnSpc>
           <a:spcPct val="90000"/>
         </a:lnSpc>
         <a:spcBef>
-          <a:spcPts val="500"/>
+          <a:spcPts val="577"/>
         </a:spcBef>
         <a:buFont typeface="Arial" panose="020B0604020202020204" pitchFamily="34" charset="0"/>
         <a:buChar char="•"/>
-        <a:defRPr sz="1800" kern="1200">
+        <a:defRPr sz="2079" kern="1200">
           <a:solidFill>
             <a:schemeClr val="tx1"/>
           </a:solidFill>
@@ -3166,16 +2813,16 @@
           <a:cs typeface="+mn-cs"/>
         </a:defRPr>
       </a:lvl6pPr>
-      <a:lvl7pPr marL="2971800" indent="-228600" algn="l" defTabSz="914400" rtl="0" eaLnBrk="1" latinLnBrk="0" hangingPunct="1">
+      <a:lvl7pPr marL="3432132" indent="-264010" algn="l" defTabSz="1056041" rtl="0" eaLnBrk="1" latinLnBrk="0" hangingPunct="1">
         <a:lnSpc>
           <a:spcPct val="90000"/>
         </a:lnSpc>
         <a:spcBef>
-          <a:spcPts val="500"/>
+          <a:spcPts val="577"/>
         </a:spcBef>
         <a:buFont typeface="Arial" panose="020B0604020202020204" pitchFamily="34" charset="0"/>
         <a:buChar char="•"/>
-        <a:defRPr sz="1800" kern="1200">
+        <a:defRPr sz="2079" kern="1200">
           <a:solidFill>
             <a:schemeClr val="tx1"/>
           </a:solidFill>
@@ -3184,16 +2831,16 @@
           <a:cs typeface="+mn-cs"/>
         </a:defRPr>
       </a:lvl7pPr>
-      <a:lvl8pPr marL="3429000" indent="-228600" algn="l" defTabSz="914400" rtl="0" eaLnBrk="1" latinLnBrk="0" hangingPunct="1">
+      <a:lvl8pPr marL="3960152" indent="-264010" algn="l" defTabSz="1056041" rtl="0" eaLnBrk="1" latinLnBrk="0" hangingPunct="1">
         <a:lnSpc>
           <a:spcPct val="90000"/>
         </a:lnSpc>
         <a:spcBef>
-          <a:spcPts val="500"/>
+          <a:spcPts val="577"/>
         </a:spcBef>
         <a:buFont typeface="Arial" panose="020B0604020202020204" pitchFamily="34" charset="0"/>
         <a:buChar char="•"/>
-        <a:defRPr sz="1800" kern="1200">
+        <a:defRPr sz="2079" kern="1200">
           <a:solidFill>
             <a:schemeClr val="tx1"/>
           </a:solidFill>
@@ -3202,16 +2849,16 @@
           <a:cs typeface="+mn-cs"/>
         </a:defRPr>
       </a:lvl8pPr>
-      <a:lvl9pPr marL="3886200" indent="-228600" algn="l" defTabSz="914400" rtl="0" eaLnBrk="1" latinLnBrk="0" hangingPunct="1">
+      <a:lvl9pPr marL="4488172" indent="-264010" algn="l" defTabSz="1056041" rtl="0" eaLnBrk="1" latinLnBrk="0" hangingPunct="1">
         <a:lnSpc>
           <a:spcPct val="90000"/>
         </a:lnSpc>
         <a:spcBef>
-          <a:spcPts val="500"/>
+          <a:spcPts val="577"/>
         </a:spcBef>
         <a:buFont typeface="Arial" panose="020B0604020202020204" pitchFamily="34" charset="0"/>
         <a:buChar char="•"/>
-        <a:defRPr sz="1800" kern="1200">
+        <a:defRPr sz="2079" kern="1200">
           <a:solidFill>
             <a:schemeClr val="tx1"/>
           </a:solidFill>
@@ -3223,10 +2870,10 @@
     </p:bodyStyle>
     <p:otherStyle>
       <a:defPPr>
-        <a:defRPr lang="de-DE"/>
+        <a:defRPr lang="en-US"/>
       </a:defPPr>
-      <a:lvl1pPr marL="0" algn="l" defTabSz="914400" rtl="0" eaLnBrk="1" latinLnBrk="0" hangingPunct="1">
-        <a:defRPr sz="1800" kern="1200">
+      <a:lvl1pPr marL="0" algn="l" defTabSz="1056041" rtl="0" eaLnBrk="1" latinLnBrk="0" hangingPunct="1">
+        <a:defRPr sz="2079" kern="1200">
           <a:solidFill>
             <a:schemeClr val="tx1"/>
           </a:solidFill>
@@ -3235,8 +2882,8 @@
           <a:cs typeface="+mn-cs"/>
         </a:defRPr>
       </a:lvl1pPr>
-      <a:lvl2pPr marL="457200" algn="l" defTabSz="914400" rtl="0" eaLnBrk="1" latinLnBrk="0" hangingPunct="1">
-        <a:defRPr sz="1800" kern="1200">
+      <a:lvl2pPr marL="528020" algn="l" defTabSz="1056041" rtl="0" eaLnBrk="1" latinLnBrk="0" hangingPunct="1">
+        <a:defRPr sz="2079" kern="1200">
           <a:solidFill>
             <a:schemeClr val="tx1"/>
           </a:solidFill>
@@ -3245,8 +2892,8 @@
           <a:cs typeface="+mn-cs"/>
         </a:defRPr>
       </a:lvl2pPr>
-      <a:lvl3pPr marL="914400" algn="l" defTabSz="914400" rtl="0" eaLnBrk="1" latinLnBrk="0" hangingPunct="1">
-        <a:defRPr sz="1800" kern="1200">
+      <a:lvl3pPr marL="1056041" algn="l" defTabSz="1056041" rtl="0" eaLnBrk="1" latinLnBrk="0" hangingPunct="1">
+        <a:defRPr sz="2079" kern="1200">
           <a:solidFill>
             <a:schemeClr val="tx1"/>
           </a:solidFill>
@@ -3255,8 +2902,8 @@
           <a:cs typeface="+mn-cs"/>
         </a:defRPr>
       </a:lvl3pPr>
-      <a:lvl4pPr marL="1371600" algn="l" defTabSz="914400" rtl="0" eaLnBrk="1" latinLnBrk="0" hangingPunct="1">
-        <a:defRPr sz="1800" kern="1200">
+      <a:lvl4pPr marL="1584061" algn="l" defTabSz="1056041" rtl="0" eaLnBrk="1" latinLnBrk="0" hangingPunct="1">
+        <a:defRPr sz="2079" kern="1200">
           <a:solidFill>
             <a:schemeClr val="tx1"/>
           </a:solidFill>
@@ -3265,8 +2912,8 @@
           <a:cs typeface="+mn-cs"/>
         </a:defRPr>
       </a:lvl4pPr>
-      <a:lvl5pPr marL="1828800" algn="l" defTabSz="914400" rtl="0" eaLnBrk="1" latinLnBrk="0" hangingPunct="1">
-        <a:defRPr sz="1800" kern="1200">
+      <a:lvl5pPr marL="2112081" algn="l" defTabSz="1056041" rtl="0" eaLnBrk="1" latinLnBrk="0" hangingPunct="1">
+        <a:defRPr sz="2079" kern="1200">
           <a:solidFill>
             <a:schemeClr val="tx1"/>
           </a:solidFill>
@@ -3275,8 +2922,8 @@
           <a:cs typeface="+mn-cs"/>
         </a:defRPr>
       </a:lvl5pPr>
-      <a:lvl6pPr marL="2286000" algn="l" defTabSz="914400" rtl="0" eaLnBrk="1" latinLnBrk="0" hangingPunct="1">
-        <a:defRPr sz="1800" kern="1200">
+      <a:lvl6pPr marL="2640101" algn="l" defTabSz="1056041" rtl="0" eaLnBrk="1" latinLnBrk="0" hangingPunct="1">
+        <a:defRPr sz="2079" kern="1200">
           <a:solidFill>
             <a:schemeClr val="tx1"/>
           </a:solidFill>
@@ -3285,8 +2932,8 @@
           <a:cs typeface="+mn-cs"/>
         </a:defRPr>
       </a:lvl6pPr>
-      <a:lvl7pPr marL="2743200" algn="l" defTabSz="914400" rtl="0" eaLnBrk="1" latinLnBrk="0" hangingPunct="1">
-        <a:defRPr sz="1800" kern="1200">
+      <a:lvl7pPr marL="3168122" algn="l" defTabSz="1056041" rtl="0" eaLnBrk="1" latinLnBrk="0" hangingPunct="1">
+        <a:defRPr sz="2079" kern="1200">
           <a:solidFill>
             <a:schemeClr val="tx1"/>
           </a:solidFill>
@@ -3295,8 +2942,8 @@
           <a:cs typeface="+mn-cs"/>
         </a:defRPr>
       </a:lvl7pPr>
-      <a:lvl8pPr marL="3200400" algn="l" defTabSz="914400" rtl="0" eaLnBrk="1" latinLnBrk="0" hangingPunct="1">
-        <a:defRPr sz="1800" kern="1200">
+      <a:lvl8pPr marL="3696142" algn="l" defTabSz="1056041" rtl="0" eaLnBrk="1" latinLnBrk="0" hangingPunct="1">
+        <a:defRPr sz="2079" kern="1200">
           <a:solidFill>
             <a:schemeClr val="tx1"/>
           </a:solidFill>
@@ -3305,8 +2952,8 @@
           <a:cs typeface="+mn-cs"/>
         </a:defRPr>
       </a:lvl8pPr>
-      <a:lvl9pPr marL="3657600" algn="l" defTabSz="914400" rtl="0" eaLnBrk="1" latinLnBrk="0" hangingPunct="1">
-        <a:defRPr sz="1800" kern="1200">
+      <a:lvl9pPr marL="4224162" algn="l" defTabSz="1056041" rtl="0" eaLnBrk="1" latinLnBrk="0" hangingPunct="1">
+        <a:defRPr sz="2079" kern="1200">
           <a:solidFill>
             <a:schemeClr val="tx1"/>
           </a:solidFill>
@@ -3326,7 +2973,7 @@
     <p:bg>
       <p:bgPr>
         <a:solidFill>
-          <a:schemeClr val="bg2"/>
+          <a:schemeClr val="bg1"/>
         </a:solidFill>
         <a:effectLst/>
       </p:bgPr>
@@ -3373,7 +3020,7 @@
         </p:blipFill>
         <p:spPr>
           <a:xfrm rot="19868269">
-            <a:off x="1763248" y="1834920"/>
+            <a:off x="1067133" y="2365943"/>
             <a:ext cx="3916599" cy="3916599"/>
           </a:xfrm>
           <a:prstGeom prst="rect">
@@ -3409,7 +3056,7 @@
         </p:blipFill>
         <p:spPr>
           <a:xfrm rot="21448018">
-            <a:off x="6381777" y="2219230"/>
+            <a:off x="5685662" y="2750251"/>
             <a:ext cx="3916599" cy="3916599"/>
           </a:xfrm>
           <a:prstGeom prst="rect">
@@ -3445,7 +3092,7 @@
         </p:blipFill>
         <p:spPr>
           <a:xfrm rot="2136570">
-            <a:off x="3951476" y="3372346"/>
+            <a:off x="3255359" y="3903369"/>
             <a:ext cx="3916599" cy="3916599"/>
           </a:xfrm>
           <a:prstGeom prst="rect">
@@ -3481,7 +3128,7 @@
         </p:blipFill>
         <p:spPr>
           <a:xfrm>
-            <a:off x="4200389" y="741126"/>
+            <a:off x="3504272" y="1272149"/>
             <a:ext cx="3916599" cy="3916599"/>
           </a:xfrm>
           <a:prstGeom prst="rect">
@@ -3489,1160 +3136,6 @@
           </a:prstGeom>
         </p:spPr>
       </p:pic>
-      <p:sp>
-        <p:nvSpPr>
-          <p:cNvPr id="30" name="Ellipse 29">
-            <a:extLst>
-              <a:ext uri="{FF2B5EF4-FFF2-40B4-BE49-F238E27FC236}">
-                <a16:creationId xmlns:a16="http://schemas.microsoft.com/office/drawing/2014/main" id="{5ECD0CDE-88F6-2481-F8CF-764F29C0EE98}"/>
-              </a:ext>
-            </a:extLst>
-          </p:cNvPr>
-          <p:cNvSpPr/>
-          <p:nvPr/>
-        </p:nvSpPr>
-        <p:spPr>
-          <a:xfrm>
-            <a:off x="2631206" y="2956073"/>
-            <a:ext cx="2212041" cy="1677338"/>
-          </a:xfrm>
-          <a:prstGeom prst="ellipse">
-            <a:avLst/>
-          </a:prstGeom>
-          <a:solidFill>
-            <a:schemeClr val="bg2"/>
-          </a:solidFill>
-          <a:ln>
-            <a:noFill/>
-          </a:ln>
-        </p:spPr>
-        <p:style>
-          <a:lnRef idx="2">
-            <a:schemeClr val="accent1">
-              <a:shade val="15000"/>
-            </a:schemeClr>
-          </a:lnRef>
-          <a:fillRef idx="1">
-            <a:schemeClr val="accent1"/>
-          </a:fillRef>
-          <a:effectRef idx="0">
-            <a:schemeClr val="accent1"/>
-          </a:effectRef>
-          <a:fontRef idx="minor">
-            <a:schemeClr val="lt1"/>
-          </a:fontRef>
-        </p:style>
-        <p:txBody>
-          <a:bodyPr rtlCol="0" anchor="ctr"/>
-          <a:lstStyle/>
-          <a:p>
-            <a:pPr algn="ctr"/>
-            <a:r>
-              <a:rPr lang="de-DE" sz="800" b="1" u="sng" dirty="0" err="1">
-                <a:solidFill>
-                  <a:schemeClr val="tx1"/>
-                </a:solidFill>
-              </a:rPr>
-              <a:t>Informing</a:t>
-            </a:r>
-            <a:r>
-              <a:rPr lang="de-DE" sz="800" b="1" u="sng" dirty="0">
-                <a:solidFill>
-                  <a:schemeClr val="tx1"/>
-                </a:solidFill>
-              </a:rPr>
-              <a:t> </a:t>
-            </a:r>
-            <a:r>
-              <a:rPr lang="de-DE" sz="800" b="1" u="sng" dirty="0" err="1">
-                <a:solidFill>
-                  <a:schemeClr val="tx1"/>
-                </a:solidFill>
-              </a:rPr>
-              <a:t>Thoughts</a:t>
-            </a:r>
-            <a:endParaRPr lang="de-DE" sz="800" b="1" u="sng" dirty="0">
-              <a:solidFill>
-                <a:schemeClr val="tx1"/>
-              </a:solidFill>
-            </a:endParaRPr>
-          </a:p>
-          <a:p>
-            <a:endParaRPr lang="de-DE" sz="800" b="1" dirty="0">
-              <a:solidFill>
-                <a:schemeClr val="tx1"/>
-              </a:solidFill>
-            </a:endParaRPr>
-          </a:p>
-          <a:p>
-            <a:pPr marL="171450" indent="-171450">
-              <a:lnSpc>
-                <a:spcPct val="130000"/>
-              </a:lnSpc>
-              <a:buFont typeface="Aptos" panose="020B0004020202020204" pitchFamily="34" charset="0"/>
-              <a:buChar char="◦"/>
-            </a:pPr>
-            <a:r>
-              <a:rPr lang="de-DE" sz="800" dirty="0">
-                <a:solidFill>
-                  <a:schemeClr val="tx1"/>
-                </a:solidFill>
-              </a:rPr>
-              <a:t>Reading</a:t>
-            </a:r>
-          </a:p>
-          <a:p>
-            <a:pPr marL="171450" indent="-171450">
-              <a:lnSpc>
-                <a:spcPct val="130000"/>
-              </a:lnSpc>
-              <a:buFont typeface="Aptos" panose="020B0004020202020204" pitchFamily="34" charset="0"/>
-              <a:buChar char="◦"/>
-            </a:pPr>
-            <a:r>
-              <a:rPr lang="de-DE" sz="800" dirty="0">
-                <a:solidFill>
-                  <a:schemeClr val="tx1"/>
-                </a:solidFill>
-              </a:rPr>
-              <a:t>Note-</a:t>
-            </a:r>
-            <a:r>
-              <a:rPr lang="de-DE" sz="800" dirty="0" err="1">
-                <a:solidFill>
-                  <a:schemeClr val="tx1"/>
-                </a:solidFill>
-              </a:rPr>
-              <a:t>taking</a:t>
-            </a:r>
-            <a:r>
-              <a:rPr lang="de-DE" sz="800" dirty="0">
-                <a:solidFill>
-                  <a:schemeClr val="tx1"/>
-                </a:solidFill>
-              </a:rPr>
-              <a:t>-on-</a:t>
-            </a:r>
-            <a:r>
-              <a:rPr lang="de-DE" sz="800" dirty="0" err="1">
-                <a:solidFill>
-                  <a:schemeClr val="tx1"/>
-                </a:solidFill>
-              </a:rPr>
-              <a:t>readings</a:t>
-            </a:r>
-            <a:endParaRPr lang="de-DE" sz="800" dirty="0">
-              <a:solidFill>
-                <a:schemeClr val="tx1"/>
-              </a:solidFill>
-            </a:endParaRPr>
-          </a:p>
-          <a:p>
-            <a:pPr marL="171450" indent="-171450">
-              <a:lnSpc>
-                <a:spcPct val="130000"/>
-              </a:lnSpc>
-              <a:buFont typeface="Aptos" panose="020B0004020202020204" pitchFamily="34" charset="0"/>
-              <a:buChar char="◦"/>
-            </a:pPr>
-            <a:r>
-              <a:rPr lang="de-DE" sz="800" dirty="0">
-                <a:solidFill>
-                  <a:schemeClr val="tx1"/>
-                </a:solidFill>
-              </a:rPr>
-              <a:t>Coding </a:t>
-            </a:r>
-            <a:r>
-              <a:rPr lang="de-DE" sz="800" dirty="0" err="1">
-                <a:solidFill>
-                  <a:schemeClr val="tx1"/>
-                </a:solidFill>
-              </a:rPr>
-              <a:t>readings</a:t>
-            </a:r>
-            <a:r>
-              <a:rPr lang="de-DE" sz="800" dirty="0">
-                <a:solidFill>
-                  <a:schemeClr val="tx1"/>
-                </a:solidFill>
-              </a:rPr>
-              <a:t> </a:t>
-            </a:r>
-            <a:r>
-              <a:rPr lang="de-DE" sz="800" dirty="0" err="1">
-                <a:solidFill>
-                  <a:schemeClr val="tx1"/>
-                </a:solidFill>
-              </a:rPr>
-              <a:t>into</a:t>
-            </a:r>
-            <a:r>
-              <a:rPr lang="de-DE" sz="800" dirty="0">
-                <a:solidFill>
-                  <a:schemeClr val="tx1"/>
-                </a:solidFill>
-              </a:rPr>
-              <a:t> </a:t>
-            </a:r>
-            <a:r>
-              <a:rPr lang="de-DE" sz="800" dirty="0" err="1">
-                <a:solidFill>
-                  <a:schemeClr val="tx1"/>
-                </a:solidFill>
-              </a:rPr>
-              <a:t>tables</a:t>
-            </a:r>
-            <a:endParaRPr lang="de-DE" sz="800" dirty="0">
-              <a:solidFill>
-                <a:schemeClr val="tx1"/>
-              </a:solidFill>
-            </a:endParaRPr>
-          </a:p>
-          <a:p>
-            <a:pPr marL="171450" indent="-171450">
-              <a:lnSpc>
-                <a:spcPct val="130000"/>
-              </a:lnSpc>
-              <a:buFont typeface="Aptos" panose="020B0004020202020204" pitchFamily="34" charset="0"/>
-              <a:buChar char="◦"/>
-            </a:pPr>
-            <a:r>
-              <a:rPr lang="de-DE" sz="800" dirty="0" err="1">
-                <a:solidFill>
-                  <a:schemeClr val="tx1"/>
-                </a:solidFill>
-              </a:rPr>
-              <a:t>Confirming</a:t>
-            </a:r>
-            <a:r>
-              <a:rPr lang="de-DE" sz="800" dirty="0">
-                <a:solidFill>
-                  <a:schemeClr val="tx1"/>
-                </a:solidFill>
-              </a:rPr>
-              <a:t> </a:t>
-            </a:r>
-            <a:r>
-              <a:rPr lang="de-DE" sz="800" dirty="0" err="1">
-                <a:solidFill>
-                  <a:schemeClr val="tx1"/>
-                </a:solidFill>
-              </a:rPr>
-              <a:t>with</a:t>
-            </a:r>
-            <a:r>
-              <a:rPr lang="de-DE" sz="800" dirty="0">
-                <a:solidFill>
-                  <a:schemeClr val="tx1"/>
-                </a:solidFill>
-              </a:rPr>
-              <a:t> </a:t>
-            </a:r>
-            <a:r>
-              <a:rPr lang="de-DE" sz="800" dirty="0" err="1">
-                <a:solidFill>
-                  <a:schemeClr val="tx1"/>
-                </a:solidFill>
-              </a:rPr>
-              <a:t>examples</a:t>
-            </a:r>
-            <a:endParaRPr lang="de-DE" sz="800" dirty="0">
-              <a:solidFill>
-                <a:schemeClr val="tx1"/>
-              </a:solidFill>
-            </a:endParaRPr>
-          </a:p>
-          <a:p>
-            <a:pPr marL="171450" indent="-171450">
-              <a:lnSpc>
-                <a:spcPct val="130000"/>
-              </a:lnSpc>
-              <a:buFont typeface="Aptos" panose="020B0004020202020204" pitchFamily="34" charset="0"/>
-              <a:buChar char="◦"/>
-            </a:pPr>
-            <a:r>
-              <a:rPr lang="de-DE" sz="800" dirty="0">
-                <a:solidFill>
-                  <a:schemeClr val="tx1"/>
-                </a:solidFill>
-              </a:rPr>
-              <a:t>Notes-on-note-</a:t>
-            </a:r>
-            <a:r>
-              <a:rPr lang="de-DE" sz="800" dirty="0" err="1">
-                <a:solidFill>
-                  <a:schemeClr val="tx1"/>
-                </a:solidFill>
-              </a:rPr>
-              <a:t>taking</a:t>
-            </a:r>
-            <a:endParaRPr lang="de-DE" sz="800" dirty="0">
-              <a:solidFill>
-                <a:schemeClr val="tx1"/>
-              </a:solidFill>
-            </a:endParaRPr>
-          </a:p>
-          <a:p>
-            <a:pPr marL="171450" indent="-171450">
-              <a:lnSpc>
-                <a:spcPct val="130000"/>
-              </a:lnSpc>
-              <a:buFont typeface="Aptos" panose="020B0004020202020204" pitchFamily="34" charset="0"/>
-              <a:buChar char="◦"/>
-            </a:pPr>
-            <a:r>
-              <a:rPr lang="de-DE" sz="800" dirty="0" err="1">
-                <a:solidFill>
-                  <a:schemeClr val="tx1"/>
-                </a:solidFill>
-              </a:rPr>
-              <a:t>Outlining</a:t>
-            </a:r>
-            <a:r>
-              <a:rPr lang="de-DE" sz="800" dirty="0">
-                <a:solidFill>
-                  <a:schemeClr val="tx1"/>
-                </a:solidFill>
-              </a:rPr>
-              <a:t> </a:t>
-            </a:r>
-            <a:r>
-              <a:rPr lang="de-DE" sz="800" dirty="0" err="1">
-                <a:solidFill>
-                  <a:schemeClr val="tx1"/>
-                </a:solidFill>
-              </a:rPr>
-              <a:t>from</a:t>
-            </a:r>
-            <a:r>
-              <a:rPr lang="de-DE" sz="800" dirty="0">
-                <a:solidFill>
-                  <a:schemeClr val="tx1"/>
-                </a:solidFill>
-              </a:rPr>
-              <a:t> </a:t>
-            </a:r>
-            <a:r>
-              <a:rPr lang="de-DE" sz="800" dirty="0" err="1">
-                <a:solidFill>
-                  <a:schemeClr val="tx1"/>
-                </a:solidFill>
-              </a:rPr>
-              <a:t>notes</a:t>
-            </a:r>
-            <a:endParaRPr lang="de-DE" sz="800" dirty="0">
-              <a:solidFill>
-                <a:schemeClr val="tx1"/>
-              </a:solidFill>
-            </a:endParaRPr>
-          </a:p>
-          <a:p>
-            <a:pPr algn="ctr"/>
-            <a:endParaRPr lang="de-DE" sz="800" dirty="0"/>
-          </a:p>
-        </p:txBody>
-      </p:sp>
-      <p:sp>
-        <p:nvSpPr>
-          <p:cNvPr id="31" name="Ellipse 30">
-            <a:extLst>
-              <a:ext uri="{FF2B5EF4-FFF2-40B4-BE49-F238E27FC236}">
-                <a16:creationId xmlns:a16="http://schemas.microsoft.com/office/drawing/2014/main" id="{1A461240-5E1A-575D-EE82-EAA645C6DB88}"/>
-              </a:ext>
-            </a:extLst>
-          </p:cNvPr>
-          <p:cNvSpPr/>
-          <p:nvPr/>
-        </p:nvSpPr>
-        <p:spPr>
-          <a:xfrm>
-            <a:off x="5057775" y="1616730"/>
-            <a:ext cx="2212040" cy="2165864"/>
-          </a:xfrm>
-          <a:prstGeom prst="ellipse">
-            <a:avLst/>
-          </a:prstGeom>
-          <a:solidFill>
-            <a:schemeClr val="bg2"/>
-          </a:solidFill>
-          <a:ln>
-            <a:noFill/>
-          </a:ln>
-        </p:spPr>
-        <p:style>
-          <a:lnRef idx="2">
-            <a:schemeClr val="accent1">
-              <a:shade val="15000"/>
-            </a:schemeClr>
-          </a:lnRef>
-          <a:fillRef idx="1">
-            <a:schemeClr val="accent1"/>
-          </a:fillRef>
-          <a:effectRef idx="0">
-            <a:schemeClr val="accent1"/>
-          </a:effectRef>
-          <a:fontRef idx="minor">
-            <a:schemeClr val="lt1"/>
-          </a:fontRef>
-        </p:style>
-        <p:txBody>
-          <a:bodyPr rtlCol="0" anchor="ctr"/>
-          <a:lstStyle/>
-          <a:p>
-            <a:pPr algn="ctr"/>
-            <a:r>
-              <a:rPr lang="de-DE" sz="800" b="1" u="sng" dirty="0" err="1">
-                <a:solidFill>
-                  <a:schemeClr val="tx1"/>
-                </a:solidFill>
-              </a:rPr>
-              <a:t>Materializing</a:t>
-            </a:r>
-            <a:r>
-              <a:rPr lang="de-DE" sz="800" b="1" u="sng" dirty="0">
-                <a:solidFill>
-                  <a:schemeClr val="tx1"/>
-                </a:solidFill>
-              </a:rPr>
-              <a:t> </a:t>
-            </a:r>
-            <a:r>
-              <a:rPr lang="de-DE" sz="800" b="1" u="sng" dirty="0" err="1">
-                <a:solidFill>
-                  <a:schemeClr val="tx1"/>
-                </a:solidFill>
-              </a:rPr>
-              <a:t>Thoughts</a:t>
-            </a:r>
-            <a:endParaRPr lang="de-DE" sz="800" b="1" u="sng" dirty="0">
-              <a:solidFill>
-                <a:schemeClr val="tx1"/>
-              </a:solidFill>
-            </a:endParaRPr>
-          </a:p>
-          <a:p>
-            <a:endParaRPr lang="de-DE" sz="800" b="1" dirty="0">
-              <a:solidFill>
-                <a:schemeClr val="tx1"/>
-              </a:solidFill>
-            </a:endParaRPr>
-          </a:p>
-          <a:p>
-            <a:pPr marL="171450" indent="-171450">
-              <a:lnSpc>
-                <a:spcPct val="130000"/>
-              </a:lnSpc>
-              <a:buFont typeface="Aptos" panose="020B0004020202020204" pitchFamily="34" charset="0"/>
-              <a:buChar char="◦"/>
-            </a:pPr>
-            <a:r>
-              <a:rPr lang="de-DE" sz="800" dirty="0" err="1">
-                <a:solidFill>
-                  <a:schemeClr val="tx1"/>
-                </a:solidFill>
-              </a:rPr>
-              <a:t>Organizing</a:t>
-            </a:r>
-            <a:r>
-              <a:rPr lang="de-DE" sz="800" dirty="0">
-                <a:solidFill>
-                  <a:schemeClr val="tx1"/>
-                </a:solidFill>
-              </a:rPr>
-              <a:t> </a:t>
-            </a:r>
-            <a:r>
-              <a:rPr lang="de-DE" sz="800" dirty="0" err="1">
-                <a:solidFill>
-                  <a:schemeClr val="tx1"/>
-                </a:solidFill>
-              </a:rPr>
-              <a:t>ideas</a:t>
-            </a:r>
-            <a:r>
-              <a:rPr lang="de-DE" sz="800" dirty="0">
-                <a:solidFill>
-                  <a:schemeClr val="tx1"/>
-                </a:solidFill>
-              </a:rPr>
-              <a:t> </a:t>
-            </a:r>
-            <a:r>
-              <a:rPr lang="de-DE" sz="800" dirty="0" err="1">
-                <a:solidFill>
-                  <a:schemeClr val="tx1"/>
-                </a:solidFill>
-              </a:rPr>
-              <a:t>into</a:t>
-            </a:r>
-            <a:r>
-              <a:rPr lang="de-DE" sz="800" dirty="0">
-                <a:solidFill>
-                  <a:schemeClr val="tx1"/>
-                </a:solidFill>
-              </a:rPr>
-              <a:t> </a:t>
-            </a:r>
-            <a:r>
-              <a:rPr lang="de-DE" sz="800" dirty="0" err="1">
-                <a:solidFill>
-                  <a:schemeClr val="tx1"/>
-                </a:solidFill>
-              </a:rPr>
-              <a:t>tables</a:t>
-            </a:r>
-            <a:endParaRPr lang="de-DE" sz="800" dirty="0">
-              <a:solidFill>
-                <a:schemeClr val="tx1"/>
-              </a:solidFill>
-            </a:endParaRPr>
-          </a:p>
-          <a:p>
-            <a:pPr marL="171450" indent="-171450">
-              <a:lnSpc>
-                <a:spcPct val="130000"/>
-              </a:lnSpc>
-              <a:buFont typeface="Aptos" panose="020B0004020202020204" pitchFamily="34" charset="0"/>
-              <a:buChar char="◦"/>
-            </a:pPr>
-            <a:r>
-              <a:rPr lang="de-DE" sz="800" dirty="0" err="1">
-                <a:solidFill>
-                  <a:schemeClr val="tx1"/>
-                </a:solidFill>
-              </a:rPr>
-              <a:t>Refining</a:t>
-            </a:r>
-            <a:r>
-              <a:rPr lang="de-DE" sz="800" dirty="0">
-                <a:solidFill>
-                  <a:schemeClr val="tx1"/>
-                </a:solidFill>
-              </a:rPr>
-              <a:t> </a:t>
-            </a:r>
-            <a:r>
-              <a:rPr lang="de-DE" sz="800" dirty="0" err="1">
-                <a:solidFill>
-                  <a:schemeClr val="tx1"/>
-                </a:solidFill>
-              </a:rPr>
-              <a:t>idea</a:t>
-            </a:r>
-            <a:r>
-              <a:rPr lang="de-DE" sz="800" dirty="0">
-                <a:solidFill>
-                  <a:schemeClr val="tx1"/>
-                </a:solidFill>
-              </a:rPr>
-              <a:t> </a:t>
-            </a:r>
-            <a:r>
-              <a:rPr lang="de-DE" sz="800" dirty="0" err="1">
-                <a:solidFill>
-                  <a:schemeClr val="tx1"/>
-                </a:solidFill>
-              </a:rPr>
-              <a:t>tables</a:t>
-            </a:r>
-            <a:endParaRPr lang="de-DE" sz="800" dirty="0">
-              <a:solidFill>
-                <a:schemeClr val="tx1"/>
-              </a:solidFill>
-            </a:endParaRPr>
-          </a:p>
-          <a:p>
-            <a:pPr marL="171450" indent="-171450">
-              <a:lnSpc>
-                <a:spcPct val="130000"/>
-              </a:lnSpc>
-              <a:buFont typeface="Aptos" panose="020B0004020202020204" pitchFamily="34" charset="0"/>
-              <a:buChar char="◦"/>
-            </a:pPr>
-            <a:r>
-              <a:rPr lang="de-DE" sz="800" dirty="0">
-                <a:solidFill>
-                  <a:schemeClr val="tx1"/>
-                </a:solidFill>
-              </a:rPr>
-              <a:t>Drawing </a:t>
-            </a:r>
-            <a:r>
-              <a:rPr lang="de-DE" sz="800" dirty="0" err="1">
-                <a:solidFill>
-                  <a:schemeClr val="tx1"/>
-                </a:solidFill>
-              </a:rPr>
-              <a:t>ideas</a:t>
-            </a:r>
-            <a:endParaRPr lang="de-DE" sz="800" dirty="0">
-              <a:solidFill>
-                <a:schemeClr val="tx1"/>
-              </a:solidFill>
-            </a:endParaRPr>
-          </a:p>
-          <a:p>
-            <a:pPr marL="171450" indent="-171450">
-              <a:lnSpc>
-                <a:spcPct val="130000"/>
-              </a:lnSpc>
-              <a:buFont typeface="Aptos" panose="020B0004020202020204" pitchFamily="34" charset="0"/>
-              <a:buChar char="◦"/>
-            </a:pPr>
-            <a:r>
-              <a:rPr lang="de-DE" sz="800" dirty="0" err="1">
-                <a:solidFill>
-                  <a:schemeClr val="tx1"/>
-                </a:solidFill>
-              </a:rPr>
-              <a:t>Diagramming</a:t>
-            </a:r>
-            <a:r>
-              <a:rPr lang="de-DE" sz="800" dirty="0">
-                <a:solidFill>
-                  <a:schemeClr val="tx1"/>
-                </a:solidFill>
-              </a:rPr>
-              <a:t> </a:t>
-            </a:r>
-            <a:r>
-              <a:rPr lang="de-DE" sz="800" dirty="0" err="1">
-                <a:solidFill>
-                  <a:schemeClr val="tx1"/>
-                </a:solidFill>
-              </a:rPr>
-              <a:t>ideas</a:t>
-            </a:r>
-            <a:endParaRPr lang="de-DE" sz="800" dirty="0">
-              <a:solidFill>
-                <a:schemeClr val="tx1"/>
-              </a:solidFill>
-            </a:endParaRPr>
-          </a:p>
-          <a:p>
-            <a:pPr marL="171450" indent="-171450">
-              <a:lnSpc>
-                <a:spcPct val="130000"/>
-              </a:lnSpc>
-              <a:buFont typeface="Aptos" panose="020B0004020202020204" pitchFamily="34" charset="0"/>
-              <a:buChar char="◦"/>
-            </a:pPr>
-            <a:r>
-              <a:rPr lang="de-DE" sz="800" dirty="0" err="1">
-                <a:solidFill>
-                  <a:schemeClr val="tx1"/>
-                </a:solidFill>
-              </a:rPr>
-              <a:t>Refining</a:t>
-            </a:r>
-            <a:r>
-              <a:rPr lang="de-DE" sz="800" dirty="0">
-                <a:solidFill>
-                  <a:schemeClr val="tx1"/>
-                </a:solidFill>
-              </a:rPr>
-              <a:t> </a:t>
-            </a:r>
-            <a:r>
-              <a:rPr lang="de-DE" sz="800" dirty="0" err="1">
-                <a:solidFill>
-                  <a:schemeClr val="tx1"/>
-                </a:solidFill>
-              </a:rPr>
-              <a:t>idea</a:t>
-            </a:r>
-            <a:r>
-              <a:rPr lang="de-DE" sz="800" dirty="0">
-                <a:solidFill>
-                  <a:schemeClr val="tx1"/>
-                </a:solidFill>
-              </a:rPr>
-              <a:t> </a:t>
-            </a:r>
-            <a:r>
-              <a:rPr lang="de-DE" sz="800" dirty="0" err="1">
-                <a:solidFill>
-                  <a:schemeClr val="tx1"/>
-                </a:solidFill>
-              </a:rPr>
-              <a:t>diagrams</a:t>
-            </a:r>
-            <a:endParaRPr lang="de-DE" sz="800" dirty="0"/>
-          </a:p>
-        </p:txBody>
-      </p:sp>
-      <p:sp>
-        <p:nvSpPr>
-          <p:cNvPr id="32" name="Ellipse 31">
-            <a:extLst>
-              <a:ext uri="{FF2B5EF4-FFF2-40B4-BE49-F238E27FC236}">
-                <a16:creationId xmlns:a16="http://schemas.microsoft.com/office/drawing/2014/main" id="{94F7DCB8-6EC7-4CA4-CBFC-5A00DFB5CF93}"/>
-              </a:ext>
-            </a:extLst>
-          </p:cNvPr>
-          <p:cNvSpPr/>
-          <p:nvPr/>
-        </p:nvSpPr>
-        <p:spPr>
-          <a:xfrm>
-            <a:off x="7254052" y="3095626"/>
-            <a:ext cx="2156648" cy="2165864"/>
-          </a:xfrm>
-          <a:prstGeom prst="ellipse">
-            <a:avLst/>
-          </a:prstGeom>
-          <a:solidFill>
-            <a:schemeClr val="bg2"/>
-          </a:solidFill>
-          <a:ln>
-            <a:noFill/>
-          </a:ln>
-        </p:spPr>
-        <p:style>
-          <a:lnRef idx="2">
-            <a:schemeClr val="accent1">
-              <a:shade val="15000"/>
-            </a:schemeClr>
-          </a:lnRef>
-          <a:fillRef idx="1">
-            <a:schemeClr val="accent1"/>
-          </a:fillRef>
-          <a:effectRef idx="0">
-            <a:schemeClr val="accent1"/>
-          </a:effectRef>
-          <a:fontRef idx="minor">
-            <a:schemeClr val="lt1"/>
-          </a:fontRef>
-        </p:style>
-        <p:txBody>
-          <a:bodyPr rtlCol="0" anchor="ctr"/>
-          <a:lstStyle/>
-          <a:p>
-            <a:pPr algn="ctr"/>
-            <a:r>
-              <a:rPr lang="de-DE" sz="800" b="1" u="sng" dirty="0">
-                <a:solidFill>
-                  <a:schemeClr val="tx1"/>
-                </a:solidFill>
-              </a:rPr>
-              <a:t>Building Theory Elements </a:t>
-            </a:r>
-            <a:r>
-              <a:rPr lang="de-DE" sz="800" b="1" u="sng" dirty="0" err="1">
-                <a:solidFill>
-                  <a:schemeClr val="tx1"/>
-                </a:solidFill>
-              </a:rPr>
-              <a:t>from</a:t>
-            </a:r>
-            <a:r>
-              <a:rPr lang="de-DE" sz="800" b="1" u="sng" dirty="0">
-                <a:solidFill>
-                  <a:schemeClr val="tx1"/>
-                </a:solidFill>
-              </a:rPr>
-              <a:t> </a:t>
-            </a:r>
-            <a:r>
-              <a:rPr lang="de-DE" sz="800" b="1" u="sng" dirty="0" err="1">
-                <a:solidFill>
-                  <a:schemeClr val="tx1"/>
-                </a:solidFill>
-              </a:rPr>
-              <a:t>Thoughts</a:t>
-            </a:r>
-            <a:endParaRPr lang="de-DE" sz="800" b="1" u="sng" dirty="0">
-              <a:solidFill>
-                <a:schemeClr val="tx1"/>
-              </a:solidFill>
-            </a:endParaRPr>
-          </a:p>
-          <a:p>
-            <a:endParaRPr lang="de-DE" sz="800" b="1" dirty="0">
-              <a:solidFill>
-                <a:schemeClr val="tx1"/>
-              </a:solidFill>
-            </a:endParaRPr>
-          </a:p>
-          <a:p>
-            <a:pPr marL="171450" indent="-171450">
-              <a:lnSpc>
-                <a:spcPct val="130000"/>
-              </a:lnSpc>
-              <a:buFont typeface="Aptos" panose="020B0004020202020204" pitchFamily="34" charset="0"/>
-              <a:buChar char="◦"/>
-            </a:pPr>
-            <a:r>
-              <a:rPr lang="de-DE" sz="800" dirty="0" err="1">
-                <a:solidFill>
-                  <a:schemeClr val="tx1"/>
-                </a:solidFill>
-              </a:rPr>
-              <a:t>Extracting</a:t>
-            </a:r>
-            <a:r>
-              <a:rPr lang="de-DE" sz="800" dirty="0">
-                <a:solidFill>
-                  <a:schemeClr val="tx1"/>
-                </a:solidFill>
-              </a:rPr>
-              <a:t> </a:t>
-            </a:r>
-            <a:r>
-              <a:rPr lang="de-DE" sz="800" dirty="0" err="1">
-                <a:solidFill>
-                  <a:schemeClr val="tx1"/>
-                </a:solidFill>
-              </a:rPr>
-              <a:t>new</a:t>
-            </a:r>
-            <a:r>
-              <a:rPr lang="de-DE" sz="800" dirty="0">
-                <a:solidFill>
-                  <a:schemeClr val="tx1"/>
-                </a:solidFill>
-              </a:rPr>
-              <a:t> </a:t>
-            </a:r>
-            <a:r>
-              <a:rPr lang="de-DE" sz="800" dirty="0" err="1">
-                <a:solidFill>
-                  <a:schemeClr val="tx1"/>
-                </a:solidFill>
-              </a:rPr>
-              <a:t>constructs</a:t>
-            </a:r>
-            <a:endParaRPr lang="de-DE" sz="800" dirty="0">
-              <a:solidFill>
-                <a:schemeClr val="tx1"/>
-              </a:solidFill>
-            </a:endParaRPr>
-          </a:p>
-          <a:p>
-            <a:pPr marL="171450" indent="-171450">
-              <a:lnSpc>
-                <a:spcPct val="130000"/>
-              </a:lnSpc>
-              <a:buFont typeface="Aptos" panose="020B0004020202020204" pitchFamily="34" charset="0"/>
-              <a:buChar char="◦"/>
-            </a:pPr>
-            <a:r>
-              <a:rPr lang="de-DE" sz="800" dirty="0" err="1">
-                <a:solidFill>
-                  <a:schemeClr val="tx1"/>
-                </a:solidFill>
-              </a:rPr>
-              <a:t>Establishing</a:t>
-            </a:r>
-            <a:r>
-              <a:rPr lang="de-DE" sz="800" dirty="0">
-                <a:solidFill>
-                  <a:schemeClr val="tx1"/>
-                </a:solidFill>
-              </a:rPr>
-              <a:t> </a:t>
-            </a:r>
-            <a:r>
-              <a:rPr lang="de-DE" sz="800" dirty="0" err="1">
-                <a:solidFill>
-                  <a:schemeClr val="tx1"/>
-                </a:solidFill>
-              </a:rPr>
-              <a:t>mechanisms</a:t>
-            </a:r>
-            <a:endParaRPr lang="de-DE" sz="800" dirty="0">
-              <a:solidFill>
-                <a:schemeClr val="tx1"/>
-              </a:solidFill>
-            </a:endParaRPr>
-          </a:p>
-          <a:p>
-            <a:pPr marL="171450" indent="-171450">
-              <a:lnSpc>
-                <a:spcPct val="130000"/>
-              </a:lnSpc>
-              <a:buFont typeface="Aptos" panose="020B0004020202020204" pitchFamily="34" charset="0"/>
-              <a:buChar char="◦"/>
-            </a:pPr>
-            <a:r>
-              <a:rPr lang="de-DE" sz="800" dirty="0" err="1">
-                <a:solidFill>
-                  <a:schemeClr val="tx1"/>
-                </a:solidFill>
-              </a:rPr>
-              <a:t>Constructing</a:t>
-            </a:r>
-            <a:r>
-              <a:rPr lang="de-DE" sz="800" dirty="0">
-                <a:solidFill>
-                  <a:schemeClr val="tx1"/>
-                </a:solidFill>
-              </a:rPr>
-              <a:t> </a:t>
-            </a:r>
-            <a:r>
-              <a:rPr lang="de-DE" sz="800" dirty="0" err="1">
-                <a:solidFill>
-                  <a:schemeClr val="tx1"/>
-                </a:solidFill>
-              </a:rPr>
-              <a:t>relationships</a:t>
-            </a:r>
-            <a:r>
-              <a:rPr lang="de-DE" sz="800" dirty="0">
-                <a:solidFill>
-                  <a:schemeClr val="tx1"/>
-                </a:solidFill>
-              </a:rPr>
-              <a:t> </a:t>
-            </a:r>
-            <a:r>
-              <a:rPr lang="de-DE" sz="800" dirty="0" err="1">
-                <a:solidFill>
-                  <a:schemeClr val="tx1"/>
-                </a:solidFill>
-              </a:rPr>
-              <a:t>among</a:t>
-            </a:r>
-            <a:r>
-              <a:rPr lang="de-DE" sz="800" dirty="0">
-                <a:solidFill>
-                  <a:schemeClr val="tx1"/>
-                </a:solidFill>
-              </a:rPr>
-              <a:t> </a:t>
-            </a:r>
-            <a:r>
-              <a:rPr lang="de-DE" sz="800" dirty="0" err="1">
-                <a:solidFill>
-                  <a:schemeClr val="tx1"/>
-                </a:solidFill>
-              </a:rPr>
-              <a:t>constructs</a:t>
-            </a:r>
-            <a:endParaRPr lang="de-DE" sz="800" dirty="0">
-              <a:solidFill>
-                <a:schemeClr val="tx1"/>
-              </a:solidFill>
-            </a:endParaRPr>
-          </a:p>
-          <a:p>
-            <a:pPr marL="171450" indent="-171450">
-              <a:lnSpc>
-                <a:spcPct val="130000"/>
-              </a:lnSpc>
-              <a:buFont typeface="Aptos" panose="020B0004020202020204" pitchFamily="34" charset="0"/>
-              <a:buChar char="◦"/>
-            </a:pPr>
-            <a:r>
-              <a:rPr lang="de-DE" sz="800" dirty="0" err="1">
-                <a:solidFill>
-                  <a:schemeClr val="tx1"/>
-                </a:solidFill>
-              </a:rPr>
-              <a:t>Developing</a:t>
-            </a:r>
-            <a:r>
-              <a:rPr lang="de-DE" sz="800" dirty="0">
-                <a:solidFill>
-                  <a:schemeClr val="tx1"/>
-                </a:solidFill>
-              </a:rPr>
-              <a:t> </a:t>
-            </a:r>
-            <a:r>
-              <a:rPr lang="de-DE" sz="800" dirty="0" err="1">
-                <a:solidFill>
-                  <a:schemeClr val="tx1"/>
-                </a:solidFill>
-              </a:rPr>
-              <a:t>propositions</a:t>
-            </a:r>
-            <a:endParaRPr lang="de-DE" sz="800" dirty="0"/>
-          </a:p>
-        </p:txBody>
-      </p:sp>
-      <p:sp>
-        <p:nvSpPr>
-          <p:cNvPr id="33" name="Ellipse 32">
-            <a:extLst>
-              <a:ext uri="{FF2B5EF4-FFF2-40B4-BE49-F238E27FC236}">
-                <a16:creationId xmlns:a16="http://schemas.microsoft.com/office/drawing/2014/main" id="{03117253-531C-9D23-B3F6-2AFB8D884052}"/>
-              </a:ext>
-            </a:extLst>
-          </p:cNvPr>
-          <p:cNvSpPr/>
-          <p:nvPr/>
-        </p:nvSpPr>
-        <p:spPr>
-          <a:xfrm>
-            <a:off x="4972654" y="4400288"/>
-            <a:ext cx="1951470" cy="1821695"/>
-          </a:xfrm>
-          <a:prstGeom prst="ellipse">
-            <a:avLst/>
-          </a:prstGeom>
-          <a:solidFill>
-            <a:schemeClr val="bg2"/>
-          </a:solidFill>
-          <a:ln>
-            <a:noFill/>
-          </a:ln>
-        </p:spPr>
-        <p:style>
-          <a:lnRef idx="2">
-            <a:schemeClr val="accent1">
-              <a:shade val="15000"/>
-            </a:schemeClr>
-          </a:lnRef>
-          <a:fillRef idx="1">
-            <a:schemeClr val="accent1"/>
-          </a:fillRef>
-          <a:effectRef idx="0">
-            <a:schemeClr val="accent1"/>
-          </a:effectRef>
-          <a:fontRef idx="minor">
-            <a:schemeClr val="lt1"/>
-          </a:fontRef>
-        </p:style>
-        <p:txBody>
-          <a:bodyPr rtlCol="0" anchor="ctr"/>
-          <a:lstStyle/>
-          <a:p>
-            <a:pPr algn="ctr"/>
-            <a:r>
-              <a:rPr lang="de-DE" sz="800" b="1" u="sng" dirty="0">
-                <a:solidFill>
-                  <a:schemeClr val="tx1"/>
-                </a:solidFill>
-              </a:rPr>
-              <a:t>Generating </a:t>
-            </a:r>
-            <a:r>
-              <a:rPr lang="de-DE" sz="800" b="1" u="sng" dirty="0" err="1">
-                <a:solidFill>
-                  <a:schemeClr val="tx1"/>
-                </a:solidFill>
-              </a:rPr>
-              <a:t>Thoughts</a:t>
-            </a:r>
-            <a:endParaRPr lang="de-DE" sz="800" b="1" u="sng" dirty="0">
-              <a:solidFill>
-                <a:schemeClr val="tx1"/>
-              </a:solidFill>
-            </a:endParaRPr>
-          </a:p>
-          <a:p>
-            <a:endParaRPr lang="de-DE" sz="800" b="1" dirty="0">
-              <a:solidFill>
-                <a:schemeClr val="tx1"/>
-              </a:solidFill>
-            </a:endParaRPr>
-          </a:p>
-          <a:p>
-            <a:pPr marL="171450" indent="-171450">
-              <a:lnSpc>
-                <a:spcPct val="130000"/>
-              </a:lnSpc>
-              <a:buFont typeface="Aptos" panose="020B0004020202020204" pitchFamily="34" charset="0"/>
-              <a:buChar char="◦"/>
-            </a:pPr>
-            <a:r>
-              <a:rPr lang="de-DE" sz="800" dirty="0" err="1">
-                <a:solidFill>
-                  <a:schemeClr val="tx1"/>
-                </a:solidFill>
-              </a:rPr>
-              <a:t>Musing</a:t>
-            </a:r>
-            <a:endParaRPr lang="de-DE" sz="800" dirty="0">
-              <a:solidFill>
-                <a:schemeClr val="tx1"/>
-              </a:solidFill>
-            </a:endParaRPr>
-          </a:p>
-          <a:p>
-            <a:pPr marL="171450" indent="-171450">
-              <a:lnSpc>
-                <a:spcPct val="130000"/>
-              </a:lnSpc>
-              <a:buFont typeface="Aptos" panose="020B0004020202020204" pitchFamily="34" charset="0"/>
-              <a:buChar char="◦"/>
-            </a:pPr>
-            <a:r>
-              <a:rPr lang="de-DE" sz="800" dirty="0" err="1">
-                <a:solidFill>
-                  <a:schemeClr val="tx1"/>
-                </a:solidFill>
-              </a:rPr>
-              <a:t>Thinking</a:t>
-            </a:r>
-            <a:endParaRPr lang="de-DE" sz="800" dirty="0">
-              <a:solidFill>
-                <a:schemeClr val="tx1"/>
-              </a:solidFill>
-            </a:endParaRPr>
-          </a:p>
-          <a:p>
-            <a:pPr marL="171450" indent="-171450">
-              <a:lnSpc>
-                <a:spcPct val="130000"/>
-              </a:lnSpc>
-              <a:buFont typeface="Aptos" panose="020B0004020202020204" pitchFamily="34" charset="0"/>
-              <a:buChar char="◦"/>
-            </a:pPr>
-            <a:r>
-              <a:rPr lang="de-DE" sz="800" dirty="0">
-                <a:solidFill>
-                  <a:schemeClr val="tx1"/>
-                </a:solidFill>
-              </a:rPr>
-              <a:t>Mental Wrestling</a:t>
-            </a:r>
-          </a:p>
-          <a:p>
-            <a:pPr marL="171450" indent="-171450">
-              <a:lnSpc>
-                <a:spcPct val="130000"/>
-              </a:lnSpc>
-              <a:buFont typeface="Aptos" panose="020B0004020202020204" pitchFamily="34" charset="0"/>
-              <a:buChar char="◦"/>
-            </a:pPr>
-            <a:r>
-              <a:rPr lang="de-DE" sz="800" dirty="0" err="1">
-                <a:solidFill>
-                  <a:schemeClr val="tx1"/>
-                </a:solidFill>
-              </a:rPr>
-              <a:t>Reflecting</a:t>
-            </a:r>
-            <a:endParaRPr lang="de-DE" sz="800" dirty="0">
-              <a:solidFill>
-                <a:schemeClr val="tx1"/>
-              </a:solidFill>
-            </a:endParaRPr>
-          </a:p>
-          <a:p>
-            <a:pPr marL="171450" indent="-171450">
-              <a:lnSpc>
-                <a:spcPct val="130000"/>
-              </a:lnSpc>
-              <a:buFont typeface="Aptos" panose="020B0004020202020204" pitchFamily="34" charset="0"/>
-              <a:buChar char="◦"/>
-            </a:pPr>
-            <a:r>
-              <a:rPr lang="de-DE" sz="800" dirty="0" err="1">
-                <a:solidFill>
-                  <a:schemeClr val="tx1"/>
-                </a:solidFill>
-              </a:rPr>
-              <a:t>Dialoging</a:t>
-            </a:r>
-            <a:endParaRPr lang="de-DE" sz="800" dirty="0"/>
-          </a:p>
-        </p:txBody>
-      </p:sp>
       <p:pic>
         <p:nvPicPr>
           <p:cNvPr id="35" name="Grafik 34" descr="Pfeil mit einer Linie: Kurve im Uhrzeigersinn Silhouette">
@@ -4671,7 +3164,7 @@
         </p:blipFill>
         <p:spPr>
           <a:xfrm rot="2397321" flipH="1">
-            <a:off x="7094773" y="5193923"/>
+            <a:off x="6398658" y="5724946"/>
             <a:ext cx="1836713" cy="1836713"/>
           </a:xfrm>
           <a:prstGeom prst="rect">
@@ -4707,7 +3200,7 @@
         </p:blipFill>
         <p:spPr>
           <a:xfrm rot="5025752" flipH="1">
-            <a:off x="2759147" y="4836647"/>
+            <a:off x="2063032" y="5367668"/>
             <a:ext cx="2005967" cy="2005967"/>
           </a:xfrm>
           <a:prstGeom prst="rect">
@@ -4743,7 +3236,7 @@
         </p:blipFill>
         <p:spPr>
           <a:xfrm rot="17340939" flipH="1" flipV="1">
-            <a:off x="2716136" y="884900"/>
+            <a:off x="2020019" y="1415921"/>
             <a:ext cx="2005967" cy="2005967"/>
           </a:xfrm>
           <a:prstGeom prst="rect">
@@ -4779,7 +3272,7 @@
         </p:blipFill>
         <p:spPr>
           <a:xfrm rot="19879922" flipH="1" flipV="1">
-            <a:off x="7514153" y="1350320"/>
+            <a:off x="6818038" y="1881342"/>
             <a:ext cx="2005967" cy="2005967"/>
           </a:xfrm>
           <a:prstGeom prst="rect">
@@ -4801,8 +3294,8 @@
         </p:nvSpPr>
         <p:spPr>
           <a:xfrm>
-            <a:off x="1895744" y="111632"/>
-            <a:ext cx="1809750" cy="698958"/>
+            <a:off x="1195458" y="529010"/>
+            <a:ext cx="1813916" cy="812599"/>
           </a:xfrm>
           <a:prstGeom prst="roundRect">
             <a:avLst/>
@@ -4828,7 +3321,7 @@
           <a:p>
             <a:pPr algn="ctr"/>
             <a:r>
-              <a:rPr lang="de-DE" sz="1600" dirty="0"/>
+              <a:rPr lang="de-DE" sz="2200" dirty="0"/>
               <a:t>The Theory Genesis</a:t>
             </a:r>
           </a:p>
@@ -4848,8 +3341,8 @@
         </p:nvSpPr>
         <p:spPr>
           <a:xfrm>
-            <a:off x="8449958" y="106282"/>
-            <a:ext cx="1809750" cy="716532"/>
+            <a:off x="7753839" y="529010"/>
+            <a:ext cx="1846300" cy="824823"/>
           </a:xfrm>
           <a:prstGeom prst="roundRect">
             <a:avLst/>
@@ -4875,14 +3368,14 @@
           <a:p>
             <a:pPr algn="ctr"/>
             <a:r>
-              <a:rPr lang="de-DE" sz="1600" dirty="0"/>
+              <a:rPr lang="de-DE" sz="2200" dirty="0"/>
               <a:t>The Theory </a:t>
             </a:r>
             <a:r>
-              <a:rPr lang="de-DE" sz="1600" dirty="0" err="1"/>
+              <a:rPr lang="de-DE" sz="2200" dirty="0" err="1"/>
               <a:t>Composition</a:t>
             </a:r>
-            <a:endParaRPr lang="de-DE" sz="1600" dirty="0"/>
+            <a:endParaRPr lang="de-DE" sz="2200" dirty="0"/>
           </a:p>
         </p:txBody>
       </p:sp>
@@ -4900,15 +3393,18 @@
         </p:nvSpPr>
         <p:spPr>
           <a:xfrm>
-            <a:off x="5191125" y="102106"/>
-            <a:ext cx="1809750" cy="720707"/>
+            <a:off x="4495006" y="529011"/>
+            <a:ext cx="1809750" cy="824823"/>
           </a:xfrm>
           <a:prstGeom prst="roundRect">
             <a:avLst/>
           </a:prstGeom>
           <a:ln w="38100">
             <a:solidFill>
-              <a:schemeClr val="bg1"/>
+              <a:schemeClr val="accent6">
+                <a:lumMod val="20000"/>
+                <a:lumOff val="80000"/>
+              </a:schemeClr>
             </a:solidFill>
             <a:prstDash val="sysDash"/>
           </a:ln>
@@ -4933,14 +3429,14 @@
           <a:p>
             <a:pPr algn="ctr"/>
             <a:r>
-              <a:rPr lang="de-DE" sz="1600" dirty="0"/>
+              <a:rPr lang="de-DE" sz="2200" dirty="0"/>
               <a:t>The </a:t>
             </a:r>
             <a:r>
-              <a:rPr lang="de-DE" sz="1600" dirty="0" err="1"/>
+              <a:rPr lang="de-DE" sz="2200" dirty="0" err="1"/>
               <a:t>Theorizing</a:t>
             </a:r>
-            <a:endParaRPr lang="de-DE" sz="1600" dirty="0"/>
+            <a:endParaRPr lang="de-DE" sz="2200" dirty="0"/>
           </a:p>
         </p:txBody>
       </p:sp>
@@ -4958,7 +3454,7 @@
         </p:nvSpPr>
         <p:spPr>
           <a:xfrm>
-            <a:off x="7038975" y="223802"/>
+            <a:off x="6342858" y="754823"/>
             <a:ext cx="1370219" cy="510587"/>
           </a:xfrm>
           <a:prstGeom prst="leftRightArrow">
@@ -4987,7 +3483,7 @@
           <a:lstStyle/>
           <a:p>
             <a:pPr algn="ctr"/>
-            <a:endParaRPr lang="de-DE" dirty="0"/>
+            <a:endParaRPr lang="de-DE" sz="1799" dirty="0"/>
           </a:p>
         </p:txBody>
       </p:sp>
@@ -5005,7 +3501,7 @@
         </p:nvSpPr>
         <p:spPr>
           <a:xfrm>
-            <a:off x="3763650" y="211233"/>
+            <a:off x="3067531" y="742254"/>
             <a:ext cx="1396236" cy="468705"/>
           </a:xfrm>
           <a:prstGeom prst="rightArrow">
@@ -5034,7 +3530,7 @@
           <a:lstStyle/>
           <a:p>
             <a:pPr algn="ctr"/>
-            <a:endParaRPr lang="de-DE"/>
+            <a:endParaRPr lang="de-DE" sz="1799"/>
           </a:p>
         </p:txBody>
       </p:sp>
@@ -5052,7 +3548,7 @@
         </p:nvSpPr>
         <p:spPr>
           <a:xfrm>
-            <a:off x="2171700" y="1257456"/>
+            <a:off x="1475585" y="1788479"/>
             <a:ext cx="7839075" cy="5546063"/>
           </a:xfrm>
           <a:prstGeom prst="rect">
@@ -5061,7 +3557,10 @@
           <a:noFill/>
           <a:ln w="38100">
             <a:solidFill>
-              <a:schemeClr val="bg1"/>
+              <a:schemeClr val="accent6">
+                <a:lumMod val="40000"/>
+                <a:lumOff val="60000"/>
+              </a:schemeClr>
             </a:solidFill>
             <a:prstDash val="sysDash"/>
           </a:ln>
@@ -5094,7 +3593,7 @@
           <a:lstStyle/>
           <a:p>
             <a:pPr algn="ctr"/>
-            <a:endParaRPr lang="de-DE"/>
+            <a:endParaRPr lang="de-DE" sz="1799"/>
           </a:p>
         </p:txBody>
       </p:sp>
@@ -5112,7 +3611,7 @@
         </p:nvCxnSpPr>
         <p:spPr>
           <a:xfrm flipV="1">
-            <a:off x="2171700" y="810590"/>
+            <a:off x="1475581" y="1341609"/>
             <a:ext cx="2988186" cy="446866"/>
           </a:xfrm>
           <a:prstGeom prst="line">
@@ -5120,7 +3619,10 @@
           </a:prstGeom>
           <a:ln w="38100">
             <a:solidFill>
-              <a:schemeClr val="bg1"/>
+              <a:schemeClr val="accent6">
+                <a:lumMod val="60000"/>
+                <a:lumOff val="40000"/>
+              </a:schemeClr>
             </a:solidFill>
             <a:prstDash val="sysDash"/>
           </a:ln>
@@ -5163,7 +3665,7 @@
         </p:nvCxnSpPr>
         <p:spPr>
           <a:xfrm>
-            <a:off x="7000875" y="801220"/>
+            <a:off x="6304758" y="1332239"/>
             <a:ext cx="2988186" cy="446866"/>
           </a:xfrm>
           <a:prstGeom prst="line">
@@ -5171,7 +3673,10 @@
           </a:prstGeom>
           <a:ln w="38100">
             <a:solidFill>
-              <a:schemeClr val="bg1"/>
+              <a:schemeClr val="accent6">
+                <a:lumMod val="60000"/>
+                <a:lumOff val="40000"/>
+              </a:schemeClr>
             </a:solidFill>
             <a:prstDash val="sysDash"/>
           </a:ln>
@@ -5198,6 +3703,1276 @@
           </a:fontRef>
         </p:style>
       </p:cxnSp>
+      <p:sp>
+        <p:nvSpPr>
+          <p:cNvPr id="2" name="Ellipse 1">
+            <a:extLst>
+              <a:ext uri="{FF2B5EF4-FFF2-40B4-BE49-F238E27FC236}">
+                <a16:creationId xmlns:a16="http://schemas.microsoft.com/office/drawing/2014/main" id="{A5FE78B0-0AF4-9580-9E42-E83112EEEB1F}"/>
+              </a:ext>
+            </a:extLst>
+          </p:cNvPr>
+          <p:cNvSpPr/>
+          <p:nvPr/>
+        </p:nvSpPr>
+        <p:spPr>
+          <a:xfrm>
+            <a:off x="2529360" y="3786587"/>
+            <a:ext cx="987283" cy="1035116"/>
+          </a:xfrm>
+          <a:prstGeom prst="ellipse">
+            <a:avLst/>
+          </a:prstGeom>
+          <a:solidFill>
+            <a:schemeClr val="bg1"/>
+          </a:solidFill>
+          <a:ln>
+            <a:solidFill>
+              <a:schemeClr val="bg1"/>
+            </a:solidFill>
+          </a:ln>
+        </p:spPr>
+        <p:style>
+          <a:lnRef idx="2">
+            <a:schemeClr val="accent1">
+              <a:shade val="15000"/>
+            </a:schemeClr>
+          </a:lnRef>
+          <a:fillRef idx="1">
+            <a:schemeClr val="accent1"/>
+          </a:fillRef>
+          <a:effectRef idx="0">
+            <a:schemeClr val="accent1"/>
+          </a:effectRef>
+          <a:fontRef idx="minor">
+            <a:schemeClr val="lt1"/>
+          </a:fontRef>
+        </p:style>
+        <p:txBody>
+          <a:bodyPr rtlCol="0" anchor="ctr"/>
+          <a:lstStyle/>
+          <a:p>
+            <a:pPr algn="ctr"/>
+            <a:endParaRPr lang="de-DE" dirty="0"/>
+          </a:p>
+        </p:txBody>
+      </p:sp>
+      <p:sp>
+        <p:nvSpPr>
+          <p:cNvPr id="4" name="Textfeld 3">
+            <a:extLst>
+              <a:ext uri="{FF2B5EF4-FFF2-40B4-BE49-F238E27FC236}">
+                <a16:creationId xmlns:a16="http://schemas.microsoft.com/office/drawing/2014/main" id="{C695B341-5D56-9501-6CD1-BF7C9238DE23}"/>
+              </a:ext>
+            </a:extLst>
+          </p:cNvPr>
+          <p:cNvSpPr txBox="1"/>
+          <p:nvPr/>
+        </p:nvSpPr>
+        <p:spPr>
+          <a:xfrm>
+            <a:off x="2019529" y="3436398"/>
+            <a:ext cx="2126475" cy="1686103"/>
+          </a:xfrm>
+          <a:prstGeom prst="rect">
+            <a:avLst/>
+          </a:prstGeom>
+          <a:noFill/>
+        </p:spPr>
+        <p:txBody>
+          <a:bodyPr wrap="square">
+            <a:spAutoFit/>
+          </a:bodyPr>
+          <a:lstStyle/>
+          <a:p>
+            <a:pPr algn="ctr">
+              <a:lnSpc>
+                <a:spcPct val="130000"/>
+              </a:lnSpc>
+            </a:pPr>
+            <a:r>
+              <a:rPr lang="de-DE" sz="1150" b="1" dirty="0" err="1">
+                <a:solidFill>
+                  <a:schemeClr val="tx1"/>
+                </a:solidFill>
+              </a:rPr>
+              <a:t>Informing</a:t>
+            </a:r>
+            <a:r>
+              <a:rPr lang="de-DE" sz="1150" b="1" dirty="0">
+                <a:solidFill>
+                  <a:schemeClr val="tx1"/>
+                </a:solidFill>
+              </a:rPr>
+              <a:t> </a:t>
+            </a:r>
+            <a:r>
+              <a:rPr lang="de-DE" sz="1150" b="1" dirty="0" err="1">
+                <a:solidFill>
+                  <a:schemeClr val="tx1"/>
+                </a:solidFill>
+              </a:rPr>
+              <a:t>Thoughts</a:t>
+            </a:r>
+            <a:endParaRPr lang="de-DE" sz="1150" b="1" dirty="0">
+              <a:solidFill>
+                <a:schemeClr val="tx1"/>
+              </a:solidFill>
+            </a:endParaRPr>
+          </a:p>
+          <a:p>
+            <a:pPr marL="171443" indent="-171443">
+              <a:lnSpc>
+                <a:spcPct val="130000"/>
+              </a:lnSpc>
+              <a:buFont typeface="Aptos" panose="020B0004020202020204" pitchFamily="34" charset="0"/>
+              <a:buChar char="◦"/>
+            </a:pPr>
+            <a:r>
+              <a:rPr lang="de-DE" sz="1150" dirty="0">
+                <a:solidFill>
+                  <a:schemeClr val="tx1"/>
+                </a:solidFill>
+              </a:rPr>
+              <a:t>Reading</a:t>
+            </a:r>
+          </a:p>
+          <a:p>
+            <a:pPr marL="171443" indent="-171443">
+              <a:lnSpc>
+                <a:spcPct val="130000"/>
+              </a:lnSpc>
+              <a:buFont typeface="Aptos" panose="020B0004020202020204" pitchFamily="34" charset="0"/>
+              <a:buChar char="◦"/>
+            </a:pPr>
+            <a:r>
+              <a:rPr lang="de-DE" sz="1150" dirty="0">
+                <a:solidFill>
+                  <a:schemeClr val="tx1"/>
+                </a:solidFill>
+              </a:rPr>
+              <a:t>Note-</a:t>
+            </a:r>
+            <a:r>
+              <a:rPr lang="de-DE" sz="1150" dirty="0" err="1">
+                <a:solidFill>
+                  <a:schemeClr val="tx1"/>
+                </a:solidFill>
+              </a:rPr>
+              <a:t>taking</a:t>
+            </a:r>
+            <a:r>
+              <a:rPr lang="de-DE" sz="1150" dirty="0">
+                <a:solidFill>
+                  <a:schemeClr val="tx1"/>
+                </a:solidFill>
+              </a:rPr>
+              <a:t>-on-</a:t>
+            </a:r>
+            <a:r>
+              <a:rPr lang="de-DE" sz="1150" dirty="0" err="1">
+                <a:solidFill>
+                  <a:schemeClr val="tx1"/>
+                </a:solidFill>
+              </a:rPr>
+              <a:t>readings</a:t>
+            </a:r>
+            <a:endParaRPr lang="de-DE" sz="1150" dirty="0">
+              <a:solidFill>
+                <a:schemeClr val="tx1"/>
+              </a:solidFill>
+            </a:endParaRPr>
+          </a:p>
+          <a:p>
+            <a:pPr marL="171443" indent="-171443">
+              <a:lnSpc>
+                <a:spcPct val="130000"/>
+              </a:lnSpc>
+              <a:buFont typeface="Aptos" panose="020B0004020202020204" pitchFamily="34" charset="0"/>
+              <a:buChar char="◦"/>
+            </a:pPr>
+            <a:r>
+              <a:rPr lang="de-DE" sz="1150" dirty="0">
+                <a:solidFill>
+                  <a:schemeClr val="tx1"/>
+                </a:solidFill>
+              </a:rPr>
+              <a:t>Coding </a:t>
+            </a:r>
+            <a:r>
+              <a:rPr lang="de-DE" sz="1150" dirty="0" err="1">
+                <a:solidFill>
+                  <a:schemeClr val="tx1"/>
+                </a:solidFill>
+              </a:rPr>
+              <a:t>readings</a:t>
+            </a:r>
+            <a:r>
+              <a:rPr lang="de-DE" sz="1150" dirty="0">
+                <a:solidFill>
+                  <a:schemeClr val="tx1"/>
+                </a:solidFill>
+              </a:rPr>
+              <a:t> </a:t>
+            </a:r>
+            <a:r>
+              <a:rPr lang="de-DE" sz="1150" dirty="0" err="1">
+                <a:solidFill>
+                  <a:schemeClr val="tx1"/>
+                </a:solidFill>
+              </a:rPr>
+              <a:t>into</a:t>
+            </a:r>
+            <a:r>
+              <a:rPr lang="de-DE" sz="1150" dirty="0">
+                <a:solidFill>
+                  <a:schemeClr val="tx1"/>
+                </a:solidFill>
+              </a:rPr>
+              <a:t> </a:t>
+            </a:r>
+            <a:r>
+              <a:rPr lang="de-DE" sz="1150" dirty="0" err="1">
+                <a:solidFill>
+                  <a:schemeClr val="tx1"/>
+                </a:solidFill>
+              </a:rPr>
+              <a:t>tables</a:t>
+            </a:r>
+            <a:endParaRPr lang="de-DE" sz="1150" dirty="0">
+              <a:solidFill>
+                <a:schemeClr val="tx1"/>
+              </a:solidFill>
+            </a:endParaRPr>
+          </a:p>
+          <a:p>
+            <a:pPr marL="171443" indent="-171443">
+              <a:lnSpc>
+                <a:spcPct val="130000"/>
+              </a:lnSpc>
+              <a:buFont typeface="Aptos" panose="020B0004020202020204" pitchFamily="34" charset="0"/>
+              <a:buChar char="◦"/>
+            </a:pPr>
+            <a:r>
+              <a:rPr lang="de-DE" sz="1150" dirty="0" err="1">
+                <a:solidFill>
+                  <a:schemeClr val="tx1"/>
+                </a:solidFill>
+              </a:rPr>
+              <a:t>Confirming</a:t>
+            </a:r>
+            <a:r>
+              <a:rPr lang="de-DE" sz="1150" dirty="0">
+                <a:solidFill>
+                  <a:schemeClr val="tx1"/>
+                </a:solidFill>
+              </a:rPr>
+              <a:t> </a:t>
+            </a:r>
+            <a:r>
+              <a:rPr lang="de-DE" sz="1150" dirty="0" err="1">
+                <a:solidFill>
+                  <a:schemeClr val="tx1"/>
+                </a:solidFill>
+              </a:rPr>
+              <a:t>with</a:t>
+            </a:r>
+            <a:r>
+              <a:rPr lang="de-DE" sz="1150" dirty="0">
+                <a:solidFill>
+                  <a:schemeClr val="tx1"/>
+                </a:solidFill>
+              </a:rPr>
+              <a:t> </a:t>
+            </a:r>
+            <a:r>
+              <a:rPr lang="de-DE" sz="1150" dirty="0" err="1">
+                <a:solidFill>
+                  <a:schemeClr val="tx1"/>
+                </a:solidFill>
+              </a:rPr>
+              <a:t>examples</a:t>
+            </a:r>
+            <a:endParaRPr lang="de-DE" sz="1150" dirty="0">
+              <a:solidFill>
+                <a:schemeClr val="tx1"/>
+              </a:solidFill>
+            </a:endParaRPr>
+          </a:p>
+          <a:p>
+            <a:pPr marL="171443" indent="-171443">
+              <a:lnSpc>
+                <a:spcPct val="130000"/>
+              </a:lnSpc>
+              <a:buFont typeface="Aptos" panose="020B0004020202020204" pitchFamily="34" charset="0"/>
+              <a:buChar char="◦"/>
+            </a:pPr>
+            <a:r>
+              <a:rPr lang="de-DE" sz="1150" dirty="0">
+                <a:solidFill>
+                  <a:schemeClr val="tx1"/>
+                </a:solidFill>
+              </a:rPr>
+              <a:t>Notes-on-note-</a:t>
+            </a:r>
+            <a:r>
+              <a:rPr lang="de-DE" sz="1150" dirty="0" err="1">
+                <a:solidFill>
+                  <a:schemeClr val="tx1"/>
+                </a:solidFill>
+              </a:rPr>
+              <a:t>taking</a:t>
+            </a:r>
+            <a:endParaRPr lang="de-DE" sz="1150" dirty="0">
+              <a:solidFill>
+                <a:schemeClr val="tx1"/>
+              </a:solidFill>
+            </a:endParaRPr>
+          </a:p>
+          <a:p>
+            <a:pPr marL="171443" indent="-171443">
+              <a:lnSpc>
+                <a:spcPct val="130000"/>
+              </a:lnSpc>
+              <a:buFont typeface="Aptos" panose="020B0004020202020204" pitchFamily="34" charset="0"/>
+              <a:buChar char="◦"/>
+            </a:pPr>
+            <a:r>
+              <a:rPr lang="de-DE" sz="1150" dirty="0" err="1">
+                <a:solidFill>
+                  <a:schemeClr val="tx1"/>
+                </a:solidFill>
+              </a:rPr>
+              <a:t>Outlining</a:t>
+            </a:r>
+            <a:r>
+              <a:rPr lang="de-DE" sz="1150" dirty="0">
+                <a:solidFill>
+                  <a:schemeClr val="tx1"/>
+                </a:solidFill>
+              </a:rPr>
+              <a:t> </a:t>
+            </a:r>
+            <a:r>
+              <a:rPr lang="de-DE" sz="1150" dirty="0" err="1">
+                <a:solidFill>
+                  <a:schemeClr val="tx1"/>
+                </a:solidFill>
+              </a:rPr>
+              <a:t>from</a:t>
+            </a:r>
+            <a:r>
+              <a:rPr lang="de-DE" sz="1150" dirty="0">
+                <a:solidFill>
+                  <a:schemeClr val="tx1"/>
+                </a:solidFill>
+              </a:rPr>
+              <a:t> </a:t>
+            </a:r>
+            <a:r>
+              <a:rPr lang="de-DE" sz="1150" dirty="0" err="1">
+                <a:solidFill>
+                  <a:schemeClr val="tx1"/>
+                </a:solidFill>
+              </a:rPr>
+              <a:t>notes</a:t>
+            </a:r>
+            <a:endParaRPr lang="de-DE" sz="1150" dirty="0">
+              <a:solidFill>
+                <a:schemeClr val="tx1"/>
+              </a:solidFill>
+            </a:endParaRPr>
+          </a:p>
+        </p:txBody>
+      </p:sp>
+      <p:sp>
+        <p:nvSpPr>
+          <p:cNvPr id="6" name="Ellipse 5">
+            <a:extLst>
+              <a:ext uri="{FF2B5EF4-FFF2-40B4-BE49-F238E27FC236}">
+                <a16:creationId xmlns:a16="http://schemas.microsoft.com/office/drawing/2014/main" id="{74206ACD-9156-1A91-0C3C-FA0EFD717E8E}"/>
+              </a:ext>
+            </a:extLst>
+          </p:cNvPr>
+          <p:cNvSpPr/>
+          <p:nvPr/>
+        </p:nvSpPr>
+        <p:spPr>
+          <a:xfrm>
+            <a:off x="4968143" y="2722746"/>
+            <a:ext cx="987283" cy="1035116"/>
+          </a:xfrm>
+          <a:prstGeom prst="ellipse">
+            <a:avLst/>
+          </a:prstGeom>
+          <a:solidFill>
+            <a:schemeClr val="bg1"/>
+          </a:solidFill>
+          <a:ln>
+            <a:solidFill>
+              <a:schemeClr val="bg1"/>
+            </a:solidFill>
+          </a:ln>
+        </p:spPr>
+        <p:style>
+          <a:lnRef idx="2">
+            <a:schemeClr val="accent1">
+              <a:shade val="15000"/>
+            </a:schemeClr>
+          </a:lnRef>
+          <a:fillRef idx="1">
+            <a:schemeClr val="accent1"/>
+          </a:fillRef>
+          <a:effectRef idx="0">
+            <a:schemeClr val="accent1"/>
+          </a:effectRef>
+          <a:fontRef idx="minor">
+            <a:schemeClr val="lt1"/>
+          </a:fontRef>
+        </p:style>
+        <p:txBody>
+          <a:bodyPr rtlCol="0" anchor="ctr"/>
+          <a:lstStyle/>
+          <a:p>
+            <a:pPr algn="ctr"/>
+            <a:endParaRPr lang="de-DE" dirty="0"/>
+          </a:p>
+        </p:txBody>
+      </p:sp>
+      <p:sp>
+        <p:nvSpPr>
+          <p:cNvPr id="5" name="Textfeld 4">
+            <a:extLst>
+              <a:ext uri="{FF2B5EF4-FFF2-40B4-BE49-F238E27FC236}">
+                <a16:creationId xmlns:a16="http://schemas.microsoft.com/office/drawing/2014/main" id="{C907377F-0188-B01C-BF45-395B6FE3DCF7}"/>
+              </a:ext>
+            </a:extLst>
+          </p:cNvPr>
+          <p:cNvSpPr txBox="1"/>
+          <p:nvPr/>
+        </p:nvSpPr>
+        <p:spPr>
+          <a:xfrm>
+            <a:off x="4453118" y="2418128"/>
+            <a:ext cx="2162205" cy="1402948"/>
+          </a:xfrm>
+          <a:prstGeom prst="rect">
+            <a:avLst/>
+          </a:prstGeom>
+          <a:noFill/>
+        </p:spPr>
+        <p:txBody>
+          <a:bodyPr wrap="square">
+            <a:spAutoFit/>
+          </a:bodyPr>
+          <a:lstStyle/>
+          <a:p>
+            <a:pPr algn="ctr"/>
+            <a:r>
+              <a:rPr lang="de-DE" sz="1150" b="1" u="sng" dirty="0" err="1">
+                <a:solidFill>
+                  <a:schemeClr val="tx1"/>
+                </a:solidFill>
+              </a:rPr>
+              <a:t>Materializing</a:t>
+            </a:r>
+            <a:r>
+              <a:rPr lang="de-DE" sz="1150" b="1" u="sng" dirty="0">
+                <a:solidFill>
+                  <a:schemeClr val="tx1"/>
+                </a:solidFill>
+              </a:rPr>
+              <a:t> </a:t>
+            </a:r>
+            <a:r>
+              <a:rPr lang="de-DE" sz="1150" b="1" u="sng" dirty="0" err="1">
+                <a:solidFill>
+                  <a:schemeClr val="tx1"/>
+                </a:solidFill>
+              </a:rPr>
+              <a:t>Thoughts</a:t>
+            </a:r>
+            <a:endParaRPr lang="de-DE" sz="1150" b="1" u="sng" dirty="0">
+              <a:solidFill>
+                <a:schemeClr val="tx1"/>
+              </a:solidFill>
+            </a:endParaRPr>
+          </a:p>
+          <a:p>
+            <a:pPr marL="171443" indent="-171443">
+              <a:lnSpc>
+                <a:spcPct val="130000"/>
+              </a:lnSpc>
+              <a:buFont typeface="Aptos" panose="020B0004020202020204" pitchFamily="34" charset="0"/>
+              <a:buChar char="◦"/>
+            </a:pPr>
+            <a:r>
+              <a:rPr lang="de-DE" sz="1150" dirty="0" err="1">
+                <a:solidFill>
+                  <a:schemeClr val="tx1"/>
+                </a:solidFill>
+              </a:rPr>
+              <a:t>Organizing</a:t>
+            </a:r>
+            <a:r>
+              <a:rPr lang="de-DE" sz="1150" dirty="0">
+                <a:solidFill>
+                  <a:schemeClr val="tx1"/>
+                </a:solidFill>
+              </a:rPr>
+              <a:t> </a:t>
+            </a:r>
+            <a:r>
+              <a:rPr lang="de-DE" sz="1150" dirty="0" err="1">
+                <a:solidFill>
+                  <a:schemeClr val="tx1"/>
+                </a:solidFill>
+              </a:rPr>
+              <a:t>ideas</a:t>
+            </a:r>
+            <a:r>
+              <a:rPr lang="de-DE" sz="1150" dirty="0">
+                <a:solidFill>
+                  <a:schemeClr val="tx1"/>
+                </a:solidFill>
+              </a:rPr>
+              <a:t> </a:t>
+            </a:r>
+            <a:r>
+              <a:rPr lang="de-DE" sz="1150" dirty="0" err="1">
+                <a:solidFill>
+                  <a:schemeClr val="tx1"/>
+                </a:solidFill>
+              </a:rPr>
+              <a:t>into</a:t>
+            </a:r>
+            <a:r>
+              <a:rPr lang="de-DE" sz="1150" dirty="0">
+                <a:solidFill>
+                  <a:schemeClr val="tx1"/>
+                </a:solidFill>
+              </a:rPr>
+              <a:t> </a:t>
+            </a:r>
+            <a:r>
+              <a:rPr lang="de-DE" sz="1150" dirty="0" err="1">
+                <a:solidFill>
+                  <a:schemeClr val="tx1"/>
+                </a:solidFill>
+              </a:rPr>
+              <a:t>tables</a:t>
+            </a:r>
+            <a:endParaRPr lang="de-DE" sz="1150" dirty="0">
+              <a:solidFill>
+                <a:schemeClr val="tx1"/>
+              </a:solidFill>
+            </a:endParaRPr>
+          </a:p>
+          <a:p>
+            <a:pPr marL="171443" indent="-171443">
+              <a:lnSpc>
+                <a:spcPct val="130000"/>
+              </a:lnSpc>
+              <a:buFont typeface="Aptos" panose="020B0004020202020204" pitchFamily="34" charset="0"/>
+              <a:buChar char="◦"/>
+            </a:pPr>
+            <a:r>
+              <a:rPr lang="de-DE" sz="1150" dirty="0" err="1">
+                <a:solidFill>
+                  <a:schemeClr val="tx1"/>
+                </a:solidFill>
+              </a:rPr>
+              <a:t>Refining</a:t>
+            </a:r>
+            <a:r>
+              <a:rPr lang="de-DE" sz="1150" dirty="0">
+                <a:solidFill>
+                  <a:schemeClr val="tx1"/>
+                </a:solidFill>
+              </a:rPr>
+              <a:t> </a:t>
+            </a:r>
+            <a:r>
+              <a:rPr lang="de-DE" sz="1150" dirty="0" err="1">
+                <a:solidFill>
+                  <a:schemeClr val="tx1"/>
+                </a:solidFill>
+              </a:rPr>
+              <a:t>idea</a:t>
+            </a:r>
+            <a:r>
+              <a:rPr lang="de-DE" sz="1150" dirty="0">
+                <a:solidFill>
+                  <a:schemeClr val="tx1"/>
+                </a:solidFill>
+              </a:rPr>
+              <a:t> </a:t>
+            </a:r>
+            <a:r>
+              <a:rPr lang="de-DE" sz="1150" dirty="0" err="1">
+                <a:solidFill>
+                  <a:schemeClr val="tx1"/>
+                </a:solidFill>
+              </a:rPr>
+              <a:t>tables</a:t>
+            </a:r>
+            <a:endParaRPr lang="de-DE" sz="1150" dirty="0">
+              <a:solidFill>
+                <a:schemeClr val="tx1"/>
+              </a:solidFill>
+            </a:endParaRPr>
+          </a:p>
+          <a:p>
+            <a:pPr marL="171443" indent="-171443">
+              <a:lnSpc>
+                <a:spcPct val="130000"/>
+              </a:lnSpc>
+              <a:buFont typeface="Aptos" panose="020B0004020202020204" pitchFamily="34" charset="0"/>
+              <a:buChar char="◦"/>
+            </a:pPr>
+            <a:r>
+              <a:rPr lang="de-DE" sz="1150" dirty="0">
+                <a:solidFill>
+                  <a:schemeClr val="tx1"/>
+                </a:solidFill>
+              </a:rPr>
+              <a:t>Drawing </a:t>
+            </a:r>
+            <a:r>
+              <a:rPr lang="de-DE" sz="1150" dirty="0" err="1">
+                <a:solidFill>
+                  <a:schemeClr val="tx1"/>
+                </a:solidFill>
+              </a:rPr>
+              <a:t>ideas</a:t>
+            </a:r>
+            <a:endParaRPr lang="de-DE" sz="1150" dirty="0">
+              <a:solidFill>
+                <a:schemeClr val="tx1"/>
+              </a:solidFill>
+            </a:endParaRPr>
+          </a:p>
+          <a:p>
+            <a:pPr marL="171443" indent="-171443">
+              <a:lnSpc>
+                <a:spcPct val="130000"/>
+              </a:lnSpc>
+              <a:buFont typeface="Aptos" panose="020B0004020202020204" pitchFamily="34" charset="0"/>
+              <a:buChar char="◦"/>
+            </a:pPr>
+            <a:r>
+              <a:rPr lang="de-DE" sz="1150" dirty="0" err="1">
+                <a:solidFill>
+                  <a:schemeClr val="tx1"/>
+                </a:solidFill>
+              </a:rPr>
+              <a:t>Diagramming</a:t>
+            </a:r>
+            <a:r>
+              <a:rPr lang="de-DE" sz="1150" dirty="0">
+                <a:solidFill>
+                  <a:schemeClr val="tx1"/>
+                </a:solidFill>
+              </a:rPr>
+              <a:t> </a:t>
+            </a:r>
+            <a:r>
+              <a:rPr lang="de-DE" sz="1150" dirty="0" err="1">
+                <a:solidFill>
+                  <a:schemeClr val="tx1"/>
+                </a:solidFill>
+              </a:rPr>
+              <a:t>ideas</a:t>
+            </a:r>
+            <a:endParaRPr lang="de-DE" sz="1150" dirty="0">
+              <a:solidFill>
+                <a:schemeClr val="tx1"/>
+              </a:solidFill>
+            </a:endParaRPr>
+          </a:p>
+          <a:p>
+            <a:pPr marL="171443" indent="-171443">
+              <a:lnSpc>
+                <a:spcPct val="130000"/>
+              </a:lnSpc>
+              <a:buFont typeface="Aptos" panose="020B0004020202020204" pitchFamily="34" charset="0"/>
+              <a:buChar char="◦"/>
+            </a:pPr>
+            <a:r>
+              <a:rPr lang="de-DE" sz="1150" dirty="0" err="1">
+                <a:solidFill>
+                  <a:schemeClr val="tx1"/>
+                </a:solidFill>
+              </a:rPr>
+              <a:t>Refining</a:t>
+            </a:r>
+            <a:r>
+              <a:rPr lang="de-DE" sz="1150" dirty="0">
+                <a:solidFill>
+                  <a:schemeClr val="tx1"/>
+                </a:solidFill>
+              </a:rPr>
+              <a:t> </a:t>
+            </a:r>
+            <a:r>
+              <a:rPr lang="de-DE" sz="1150" dirty="0" err="1">
+                <a:solidFill>
+                  <a:schemeClr val="tx1"/>
+                </a:solidFill>
+              </a:rPr>
+              <a:t>idea</a:t>
+            </a:r>
+            <a:r>
+              <a:rPr lang="de-DE" sz="1150" dirty="0">
+                <a:solidFill>
+                  <a:schemeClr val="tx1"/>
+                </a:solidFill>
+              </a:rPr>
+              <a:t> </a:t>
+            </a:r>
+            <a:r>
+              <a:rPr lang="de-DE" sz="1150" dirty="0" err="1">
+                <a:solidFill>
+                  <a:schemeClr val="tx1"/>
+                </a:solidFill>
+              </a:rPr>
+              <a:t>diagrams</a:t>
+            </a:r>
+            <a:endParaRPr lang="de-DE" sz="1150" dirty="0">
+              <a:solidFill>
+                <a:schemeClr val="tx1"/>
+              </a:solidFill>
+            </a:endParaRPr>
+          </a:p>
+        </p:txBody>
+      </p:sp>
+      <p:sp>
+        <p:nvSpPr>
+          <p:cNvPr id="7" name="Ellipse 6">
+            <a:extLst>
+              <a:ext uri="{FF2B5EF4-FFF2-40B4-BE49-F238E27FC236}">
+                <a16:creationId xmlns:a16="http://schemas.microsoft.com/office/drawing/2014/main" id="{88DC045C-E1CB-887B-A03F-3ABB2E5C7ADA}"/>
+              </a:ext>
+            </a:extLst>
+          </p:cNvPr>
+          <p:cNvSpPr/>
+          <p:nvPr/>
+        </p:nvSpPr>
+        <p:spPr>
+          <a:xfrm>
+            <a:off x="4706679" y="5329217"/>
+            <a:ext cx="1060941" cy="1035116"/>
+          </a:xfrm>
+          <a:prstGeom prst="ellipse">
+            <a:avLst/>
+          </a:prstGeom>
+          <a:solidFill>
+            <a:schemeClr val="bg1"/>
+          </a:solidFill>
+          <a:ln>
+            <a:solidFill>
+              <a:schemeClr val="bg1"/>
+            </a:solidFill>
+          </a:ln>
+        </p:spPr>
+        <p:style>
+          <a:lnRef idx="2">
+            <a:schemeClr val="accent1">
+              <a:shade val="15000"/>
+            </a:schemeClr>
+          </a:lnRef>
+          <a:fillRef idx="1">
+            <a:schemeClr val="accent1"/>
+          </a:fillRef>
+          <a:effectRef idx="0">
+            <a:schemeClr val="accent1"/>
+          </a:effectRef>
+          <a:fontRef idx="minor">
+            <a:schemeClr val="lt1"/>
+          </a:fontRef>
+        </p:style>
+        <p:txBody>
+          <a:bodyPr rtlCol="0" anchor="ctr"/>
+          <a:lstStyle/>
+          <a:p>
+            <a:pPr algn="ctr"/>
+            <a:endParaRPr lang="de-DE" dirty="0"/>
+          </a:p>
+        </p:txBody>
+      </p:sp>
+      <p:sp>
+        <p:nvSpPr>
+          <p:cNvPr id="8" name="Textfeld 7">
+            <a:extLst>
+              <a:ext uri="{FF2B5EF4-FFF2-40B4-BE49-F238E27FC236}">
+                <a16:creationId xmlns:a16="http://schemas.microsoft.com/office/drawing/2014/main" id="{600AB105-753B-86F9-8E70-2447154E1C8E}"/>
+              </a:ext>
+            </a:extLst>
+          </p:cNvPr>
+          <p:cNvSpPr txBox="1"/>
+          <p:nvPr/>
+        </p:nvSpPr>
+        <p:spPr>
+          <a:xfrm>
+            <a:off x="4454343" y="5140637"/>
+            <a:ext cx="1580891" cy="1402948"/>
+          </a:xfrm>
+          <a:prstGeom prst="rect">
+            <a:avLst/>
+          </a:prstGeom>
+          <a:noFill/>
+        </p:spPr>
+        <p:txBody>
+          <a:bodyPr wrap="square">
+            <a:spAutoFit/>
+          </a:bodyPr>
+          <a:lstStyle/>
+          <a:p>
+            <a:pPr algn="ctr"/>
+            <a:r>
+              <a:rPr lang="de-DE" sz="1150" b="1" u="sng" dirty="0">
+                <a:solidFill>
+                  <a:schemeClr val="tx1"/>
+                </a:solidFill>
+              </a:rPr>
+              <a:t>Generating </a:t>
+            </a:r>
+            <a:r>
+              <a:rPr lang="de-DE" sz="1150" b="1" u="sng" dirty="0" err="1">
+                <a:solidFill>
+                  <a:schemeClr val="tx1"/>
+                </a:solidFill>
+              </a:rPr>
+              <a:t>Thoughts</a:t>
+            </a:r>
+            <a:endParaRPr lang="de-DE" sz="1150" b="1" u="sng" dirty="0">
+              <a:solidFill>
+                <a:schemeClr val="tx1"/>
+              </a:solidFill>
+            </a:endParaRPr>
+          </a:p>
+          <a:p>
+            <a:pPr marL="171443" indent="-171443">
+              <a:lnSpc>
+                <a:spcPct val="130000"/>
+              </a:lnSpc>
+              <a:buFont typeface="Aptos" panose="020B0004020202020204" pitchFamily="34" charset="0"/>
+              <a:buChar char="◦"/>
+            </a:pPr>
+            <a:r>
+              <a:rPr lang="de-DE" sz="1150" dirty="0" err="1">
+                <a:solidFill>
+                  <a:schemeClr val="tx1"/>
+                </a:solidFill>
+              </a:rPr>
+              <a:t>Musing</a:t>
+            </a:r>
+            <a:endParaRPr lang="de-DE" sz="1150" dirty="0">
+              <a:solidFill>
+                <a:schemeClr val="tx1"/>
+              </a:solidFill>
+            </a:endParaRPr>
+          </a:p>
+          <a:p>
+            <a:pPr marL="171443" indent="-171443">
+              <a:lnSpc>
+                <a:spcPct val="130000"/>
+              </a:lnSpc>
+              <a:buFont typeface="Aptos" panose="020B0004020202020204" pitchFamily="34" charset="0"/>
+              <a:buChar char="◦"/>
+            </a:pPr>
+            <a:r>
+              <a:rPr lang="de-DE" sz="1150" dirty="0" err="1">
+                <a:solidFill>
+                  <a:schemeClr val="tx1"/>
+                </a:solidFill>
+              </a:rPr>
+              <a:t>Thinking</a:t>
+            </a:r>
+            <a:endParaRPr lang="de-DE" sz="1150" dirty="0">
+              <a:solidFill>
+                <a:schemeClr val="tx1"/>
+              </a:solidFill>
+            </a:endParaRPr>
+          </a:p>
+          <a:p>
+            <a:pPr marL="171443" indent="-171443">
+              <a:lnSpc>
+                <a:spcPct val="130000"/>
+              </a:lnSpc>
+              <a:buFont typeface="Aptos" panose="020B0004020202020204" pitchFamily="34" charset="0"/>
+              <a:buChar char="◦"/>
+            </a:pPr>
+            <a:r>
+              <a:rPr lang="de-DE" sz="1150" dirty="0">
+                <a:solidFill>
+                  <a:schemeClr val="tx1"/>
+                </a:solidFill>
+              </a:rPr>
+              <a:t>Mental Wrestling</a:t>
+            </a:r>
+          </a:p>
+          <a:p>
+            <a:pPr marL="171443" indent="-171443">
+              <a:lnSpc>
+                <a:spcPct val="130000"/>
+              </a:lnSpc>
+              <a:buFont typeface="Aptos" panose="020B0004020202020204" pitchFamily="34" charset="0"/>
+              <a:buChar char="◦"/>
+            </a:pPr>
+            <a:r>
+              <a:rPr lang="de-DE" sz="1150" dirty="0" err="1">
+                <a:solidFill>
+                  <a:schemeClr val="tx1"/>
+                </a:solidFill>
+              </a:rPr>
+              <a:t>Reflecting</a:t>
+            </a:r>
+            <a:endParaRPr lang="de-DE" sz="1150" dirty="0">
+              <a:solidFill>
+                <a:schemeClr val="tx1"/>
+              </a:solidFill>
+            </a:endParaRPr>
+          </a:p>
+          <a:p>
+            <a:pPr marL="171443" indent="-171443">
+              <a:lnSpc>
+                <a:spcPct val="130000"/>
+              </a:lnSpc>
+              <a:buFont typeface="Aptos" panose="020B0004020202020204" pitchFamily="34" charset="0"/>
+              <a:buChar char="◦"/>
+            </a:pPr>
+            <a:r>
+              <a:rPr lang="de-DE" sz="1150" dirty="0" err="1">
+                <a:solidFill>
+                  <a:schemeClr val="tx1"/>
+                </a:solidFill>
+              </a:rPr>
+              <a:t>Dialoging</a:t>
+            </a:r>
+            <a:endParaRPr lang="de-DE" sz="1150" dirty="0"/>
+          </a:p>
+        </p:txBody>
+      </p:sp>
+      <p:sp>
+        <p:nvSpPr>
+          <p:cNvPr id="11" name="Ellipse 10">
+            <a:extLst>
+              <a:ext uri="{FF2B5EF4-FFF2-40B4-BE49-F238E27FC236}">
+                <a16:creationId xmlns:a16="http://schemas.microsoft.com/office/drawing/2014/main" id="{FF4B2D00-E084-294E-3FB3-788968E9EA29}"/>
+              </a:ext>
+            </a:extLst>
+          </p:cNvPr>
+          <p:cNvSpPr/>
+          <p:nvPr/>
+        </p:nvSpPr>
+        <p:spPr>
+          <a:xfrm>
+            <a:off x="7126946" y="4162610"/>
+            <a:ext cx="1074727" cy="1035116"/>
+          </a:xfrm>
+          <a:prstGeom prst="ellipse">
+            <a:avLst/>
+          </a:prstGeom>
+          <a:solidFill>
+            <a:schemeClr val="bg1"/>
+          </a:solidFill>
+          <a:ln>
+            <a:solidFill>
+              <a:schemeClr val="bg1"/>
+            </a:solidFill>
+          </a:ln>
+        </p:spPr>
+        <p:style>
+          <a:lnRef idx="2">
+            <a:schemeClr val="accent1">
+              <a:shade val="15000"/>
+            </a:schemeClr>
+          </a:lnRef>
+          <a:fillRef idx="1">
+            <a:schemeClr val="accent1"/>
+          </a:fillRef>
+          <a:effectRef idx="0">
+            <a:schemeClr val="accent1"/>
+          </a:effectRef>
+          <a:fontRef idx="minor">
+            <a:schemeClr val="lt1"/>
+          </a:fontRef>
+        </p:style>
+        <p:txBody>
+          <a:bodyPr rtlCol="0" anchor="ctr"/>
+          <a:lstStyle/>
+          <a:p>
+            <a:pPr algn="ctr"/>
+            <a:endParaRPr lang="de-DE" dirty="0"/>
+          </a:p>
+        </p:txBody>
+      </p:sp>
+      <p:sp>
+        <p:nvSpPr>
+          <p:cNvPr id="12" name="Textfeld 11">
+            <a:extLst>
+              <a:ext uri="{FF2B5EF4-FFF2-40B4-BE49-F238E27FC236}">
+                <a16:creationId xmlns:a16="http://schemas.microsoft.com/office/drawing/2014/main" id="{E303B0CB-2847-87E2-F459-3F1636FA006D}"/>
+              </a:ext>
+            </a:extLst>
+          </p:cNvPr>
+          <p:cNvSpPr txBox="1"/>
+          <p:nvPr/>
+        </p:nvSpPr>
+        <p:spPr>
+          <a:xfrm>
+            <a:off x="6599558" y="3957890"/>
+            <a:ext cx="2086343" cy="1579920"/>
+          </a:xfrm>
+          <a:prstGeom prst="rect">
+            <a:avLst/>
+          </a:prstGeom>
+          <a:noFill/>
+        </p:spPr>
+        <p:txBody>
+          <a:bodyPr wrap="square">
+            <a:spAutoFit/>
+          </a:bodyPr>
+          <a:lstStyle/>
+          <a:p>
+            <a:pPr algn="ctr"/>
+            <a:r>
+              <a:rPr lang="de-DE" sz="1150" b="1" u="sng" dirty="0">
+                <a:solidFill>
+                  <a:schemeClr val="tx1"/>
+                </a:solidFill>
+              </a:rPr>
+              <a:t>Building Theory Elements </a:t>
+            </a:r>
+            <a:r>
+              <a:rPr lang="de-DE" sz="1150" b="1" u="sng" dirty="0" err="1">
+                <a:solidFill>
+                  <a:schemeClr val="tx1"/>
+                </a:solidFill>
+              </a:rPr>
+              <a:t>from</a:t>
+            </a:r>
+            <a:r>
+              <a:rPr lang="de-DE" sz="1150" b="1" u="sng" dirty="0">
+                <a:solidFill>
+                  <a:schemeClr val="tx1"/>
+                </a:solidFill>
+              </a:rPr>
+              <a:t> </a:t>
+            </a:r>
+            <a:r>
+              <a:rPr lang="de-DE" sz="1150" b="1" u="sng" dirty="0" err="1">
+                <a:solidFill>
+                  <a:schemeClr val="tx1"/>
+                </a:solidFill>
+              </a:rPr>
+              <a:t>Thoughts</a:t>
+            </a:r>
+            <a:endParaRPr lang="de-DE" sz="1150" b="1" u="sng" dirty="0">
+              <a:solidFill>
+                <a:schemeClr val="tx1"/>
+              </a:solidFill>
+            </a:endParaRPr>
+          </a:p>
+          <a:p>
+            <a:pPr marL="171443" indent="-171443">
+              <a:lnSpc>
+                <a:spcPct val="130000"/>
+              </a:lnSpc>
+              <a:buFont typeface="Aptos" panose="020B0004020202020204" pitchFamily="34" charset="0"/>
+              <a:buChar char="◦"/>
+            </a:pPr>
+            <a:r>
+              <a:rPr lang="de-DE" sz="1150" dirty="0" err="1">
+                <a:solidFill>
+                  <a:schemeClr val="tx1"/>
+                </a:solidFill>
+              </a:rPr>
+              <a:t>Extracting</a:t>
+            </a:r>
+            <a:r>
+              <a:rPr lang="de-DE" sz="1150" dirty="0">
+                <a:solidFill>
+                  <a:schemeClr val="tx1"/>
+                </a:solidFill>
+              </a:rPr>
+              <a:t> </a:t>
+            </a:r>
+            <a:r>
+              <a:rPr lang="de-DE" sz="1150" dirty="0" err="1">
+                <a:solidFill>
+                  <a:schemeClr val="tx1"/>
+                </a:solidFill>
+              </a:rPr>
+              <a:t>new</a:t>
+            </a:r>
+            <a:r>
+              <a:rPr lang="de-DE" sz="1150" dirty="0">
+                <a:solidFill>
+                  <a:schemeClr val="tx1"/>
+                </a:solidFill>
+              </a:rPr>
+              <a:t> </a:t>
+            </a:r>
+            <a:r>
+              <a:rPr lang="de-DE" sz="1150" dirty="0" err="1">
+                <a:solidFill>
+                  <a:schemeClr val="tx1"/>
+                </a:solidFill>
+              </a:rPr>
+              <a:t>constructs</a:t>
+            </a:r>
+            <a:endParaRPr lang="de-DE" sz="1150" dirty="0">
+              <a:solidFill>
+                <a:schemeClr val="tx1"/>
+              </a:solidFill>
+            </a:endParaRPr>
+          </a:p>
+          <a:p>
+            <a:pPr marL="171443" indent="-171443">
+              <a:lnSpc>
+                <a:spcPct val="130000"/>
+              </a:lnSpc>
+              <a:buFont typeface="Aptos" panose="020B0004020202020204" pitchFamily="34" charset="0"/>
+              <a:buChar char="◦"/>
+            </a:pPr>
+            <a:r>
+              <a:rPr lang="de-DE" sz="1150" dirty="0" err="1">
+                <a:solidFill>
+                  <a:schemeClr val="tx1"/>
+                </a:solidFill>
+              </a:rPr>
+              <a:t>Establishing</a:t>
+            </a:r>
+            <a:r>
+              <a:rPr lang="de-DE" sz="1150" dirty="0">
+                <a:solidFill>
+                  <a:schemeClr val="tx1"/>
+                </a:solidFill>
+              </a:rPr>
+              <a:t> </a:t>
+            </a:r>
+            <a:r>
+              <a:rPr lang="de-DE" sz="1150" dirty="0" err="1">
+                <a:solidFill>
+                  <a:schemeClr val="tx1"/>
+                </a:solidFill>
+              </a:rPr>
+              <a:t>mechanisms</a:t>
+            </a:r>
+            <a:endParaRPr lang="de-DE" sz="1150" dirty="0">
+              <a:solidFill>
+                <a:schemeClr val="tx1"/>
+              </a:solidFill>
+            </a:endParaRPr>
+          </a:p>
+          <a:p>
+            <a:pPr marL="171443" indent="-171443">
+              <a:lnSpc>
+                <a:spcPct val="130000"/>
+              </a:lnSpc>
+              <a:buFont typeface="Aptos" panose="020B0004020202020204" pitchFamily="34" charset="0"/>
+              <a:buChar char="◦"/>
+            </a:pPr>
+            <a:r>
+              <a:rPr lang="de-DE" sz="1150" dirty="0" err="1">
+                <a:solidFill>
+                  <a:schemeClr val="tx1"/>
+                </a:solidFill>
+              </a:rPr>
+              <a:t>Constructing</a:t>
+            </a:r>
+            <a:r>
+              <a:rPr lang="de-DE" sz="1150" dirty="0">
+                <a:solidFill>
+                  <a:schemeClr val="tx1"/>
+                </a:solidFill>
+              </a:rPr>
+              <a:t> </a:t>
+            </a:r>
+            <a:r>
+              <a:rPr lang="de-DE" sz="1150" dirty="0" err="1">
+                <a:solidFill>
+                  <a:schemeClr val="tx1"/>
+                </a:solidFill>
+              </a:rPr>
+              <a:t>relationships</a:t>
+            </a:r>
+            <a:r>
+              <a:rPr lang="de-DE" sz="1150" dirty="0">
+                <a:solidFill>
+                  <a:schemeClr val="tx1"/>
+                </a:solidFill>
+              </a:rPr>
+              <a:t> </a:t>
+            </a:r>
+            <a:r>
+              <a:rPr lang="de-DE" sz="1150" dirty="0" err="1">
+                <a:solidFill>
+                  <a:schemeClr val="tx1"/>
+                </a:solidFill>
+              </a:rPr>
+              <a:t>among</a:t>
+            </a:r>
+            <a:r>
+              <a:rPr lang="de-DE" sz="1150" dirty="0">
+                <a:solidFill>
+                  <a:schemeClr val="tx1"/>
+                </a:solidFill>
+              </a:rPr>
+              <a:t> </a:t>
+            </a:r>
+            <a:r>
+              <a:rPr lang="de-DE" sz="1150" dirty="0" err="1">
+                <a:solidFill>
+                  <a:schemeClr val="tx1"/>
+                </a:solidFill>
+              </a:rPr>
+              <a:t>constructs</a:t>
+            </a:r>
+            <a:endParaRPr lang="de-DE" sz="1150" dirty="0">
+              <a:solidFill>
+                <a:schemeClr val="tx1"/>
+              </a:solidFill>
+            </a:endParaRPr>
+          </a:p>
+          <a:p>
+            <a:pPr marL="171443" indent="-171443">
+              <a:lnSpc>
+                <a:spcPct val="130000"/>
+              </a:lnSpc>
+              <a:buFont typeface="Aptos" panose="020B0004020202020204" pitchFamily="34" charset="0"/>
+              <a:buChar char="◦"/>
+            </a:pPr>
+            <a:r>
+              <a:rPr lang="de-DE" sz="1150" dirty="0" err="1">
+                <a:solidFill>
+                  <a:schemeClr val="tx1"/>
+                </a:solidFill>
+              </a:rPr>
+              <a:t>Developing</a:t>
+            </a:r>
+            <a:r>
+              <a:rPr lang="de-DE" sz="1150" dirty="0">
+                <a:solidFill>
+                  <a:schemeClr val="tx1"/>
+                </a:solidFill>
+              </a:rPr>
+              <a:t> </a:t>
+            </a:r>
+            <a:r>
+              <a:rPr lang="de-DE" sz="1150" dirty="0" err="1">
+                <a:solidFill>
+                  <a:schemeClr val="tx1"/>
+                </a:solidFill>
+              </a:rPr>
+              <a:t>propositions</a:t>
+            </a:r>
+            <a:endParaRPr lang="de-DE" sz="1150" dirty="0"/>
+          </a:p>
+        </p:txBody>
+      </p:sp>
     </p:spTree>
     <p:extLst>
       <p:ext uri="{BB962C8B-B14F-4D97-AF65-F5344CB8AC3E}">
